--- a/development/MathPsych2020-stanova.pptx
+++ b/development/MathPsych2020-stanova.pptx
@@ -10,11 +10,13 @@
     <p:sldId id="259" r:id="rId4"/>
     <p:sldId id="262" r:id="rId5"/>
     <p:sldId id="260" r:id="rId6"/>
-    <p:sldId id="261" r:id="rId7"/>
-    <p:sldId id="265" r:id="rId8"/>
-    <p:sldId id="266" r:id="rId9"/>
-    <p:sldId id="258" r:id="rId10"/>
-    <p:sldId id="263" r:id="rId11"/>
+    <p:sldId id="269" r:id="rId7"/>
+    <p:sldId id="261" r:id="rId8"/>
+    <p:sldId id="265" r:id="rId9"/>
+    <p:sldId id="266" r:id="rId10"/>
+    <p:sldId id="267" r:id="rId11"/>
+    <p:sldId id="268" r:id="rId12"/>
+    <p:sldId id="258" r:id="rId13"/>
   </p:sldIdLst>
   <p:sldSz cx="9144000" cy="6858000" type="screen4x3"/>
   <p:notesSz cx="6858000" cy="9144000"/>
@@ -113,6 +115,11 @@
       </a:defRPr>
     </a:lvl9pPr>
   </p:defaultTextStyle>
+  <p:extLst>
+    <p:ext uri="{EFAFB233-063F-42B5-8137-9DF3F51BA10A}">
+      <p15:sldGuideLst xmlns:p15="http://schemas.microsoft.com/office/powerpoint/2012/main"/>
+    </p:ext>
+  </p:extLst>
 </p:presentation>
 </file>
 
@@ -247,7 +254,7 @@
           <a:p>
             <a:fld id="{ADEAB886-6DBE-42C0-8D7B-32A331607696}" type="datetimeFigureOut">
               <a:rPr lang="en-GB" smtClean="0"/>
-              <a:t>10/07/2020</a:t>
+              <a:t>12/07/2020</a:t>
             </a:fld>
             <a:endParaRPr lang="en-GB"/>
           </a:p>
@@ -417,7 +424,7 @@
           <a:p>
             <a:fld id="{ADEAB886-6DBE-42C0-8D7B-32A331607696}" type="datetimeFigureOut">
               <a:rPr lang="en-GB" smtClean="0"/>
-              <a:t>10/07/2020</a:t>
+              <a:t>12/07/2020</a:t>
             </a:fld>
             <a:endParaRPr lang="en-GB"/>
           </a:p>
@@ -597,7 +604,7 @@
           <a:p>
             <a:fld id="{ADEAB886-6DBE-42C0-8D7B-32A331607696}" type="datetimeFigureOut">
               <a:rPr lang="en-GB" smtClean="0"/>
-              <a:t>10/07/2020</a:t>
+              <a:t>12/07/2020</a:t>
             </a:fld>
             <a:endParaRPr lang="en-GB"/>
           </a:p>
@@ -767,7 +774,7 @@
           <a:p>
             <a:fld id="{ADEAB886-6DBE-42C0-8D7B-32A331607696}" type="datetimeFigureOut">
               <a:rPr lang="en-GB" smtClean="0"/>
-              <a:t>10/07/2020</a:t>
+              <a:t>12/07/2020</a:t>
             </a:fld>
             <a:endParaRPr lang="en-GB"/>
           </a:p>
@@ -1011,7 +1018,7 @@
           <a:p>
             <a:fld id="{ADEAB886-6DBE-42C0-8D7B-32A331607696}" type="datetimeFigureOut">
               <a:rPr lang="en-GB" smtClean="0"/>
-              <a:t>10/07/2020</a:t>
+              <a:t>12/07/2020</a:t>
             </a:fld>
             <a:endParaRPr lang="en-GB"/>
           </a:p>
@@ -1243,7 +1250,7 @@
           <a:p>
             <a:fld id="{ADEAB886-6DBE-42C0-8D7B-32A331607696}" type="datetimeFigureOut">
               <a:rPr lang="en-GB" smtClean="0"/>
-              <a:t>10/07/2020</a:t>
+              <a:t>12/07/2020</a:t>
             </a:fld>
             <a:endParaRPr lang="en-GB"/>
           </a:p>
@@ -1610,7 +1617,7 @@
           <a:p>
             <a:fld id="{ADEAB886-6DBE-42C0-8D7B-32A331607696}" type="datetimeFigureOut">
               <a:rPr lang="en-GB" smtClean="0"/>
-              <a:t>10/07/2020</a:t>
+              <a:t>12/07/2020</a:t>
             </a:fld>
             <a:endParaRPr lang="en-GB"/>
           </a:p>
@@ -1728,7 +1735,7 @@
           <a:p>
             <a:fld id="{ADEAB886-6DBE-42C0-8D7B-32A331607696}" type="datetimeFigureOut">
               <a:rPr lang="en-GB" smtClean="0"/>
-              <a:t>10/07/2020</a:t>
+              <a:t>12/07/2020</a:t>
             </a:fld>
             <a:endParaRPr lang="en-GB"/>
           </a:p>
@@ -1823,7 +1830,7 @@
           <a:p>
             <a:fld id="{ADEAB886-6DBE-42C0-8D7B-32A331607696}" type="datetimeFigureOut">
               <a:rPr lang="en-GB" smtClean="0"/>
-              <a:t>10/07/2020</a:t>
+              <a:t>12/07/2020</a:t>
             </a:fld>
             <a:endParaRPr lang="en-GB"/>
           </a:p>
@@ -2100,7 +2107,7 @@
           <a:p>
             <a:fld id="{ADEAB886-6DBE-42C0-8D7B-32A331607696}" type="datetimeFigureOut">
               <a:rPr lang="en-GB" smtClean="0"/>
-              <a:t>10/07/2020</a:t>
+              <a:t>12/07/2020</a:t>
             </a:fld>
             <a:endParaRPr lang="en-GB"/>
           </a:p>
@@ -2357,7 +2364,7 @@
           <a:p>
             <a:fld id="{ADEAB886-6DBE-42C0-8D7B-32A331607696}" type="datetimeFigureOut">
               <a:rPr lang="en-GB" smtClean="0"/>
-              <a:t>10/07/2020</a:t>
+              <a:t>12/07/2020</a:t>
             </a:fld>
             <a:endParaRPr lang="en-GB"/>
           </a:p>
@@ -2570,7 +2577,7 @@
           <a:p>
             <a:fld id="{ADEAB886-6DBE-42C0-8D7B-32A331607696}" type="datetimeFigureOut">
               <a:rPr lang="en-GB" smtClean="0"/>
-              <a:t>10/07/2020</a:t>
+              <a:t>12/07/2020</a:t>
             </a:fld>
             <a:endParaRPr lang="en-GB"/>
           </a:p>
@@ -3053,7 +3060,7 @@
           <a:graphicData uri="http://schemas.openxmlformats.org/presentationml/2006/ole">
             <mc:AlternateContent xmlns:mc="http://schemas.openxmlformats.org/markup-compatibility/2006">
               <mc:Choice xmlns:v="urn:schemas-microsoft-com:vml" Requires="v">
-                <p:oleObj spid="_x0000_s1048" name="PDF Document" r:id="rId3" imgW="7543800" imgH="5829120" progId="NuancePDF.Document">
+                <p:oleObj spid="_x0000_s1056" name="PDF Document" r:id="rId3" imgW="7543800" imgH="5829120" progId="NuancePDF.Document">
                   <p:embed/>
                 </p:oleObj>
               </mc:Choice>
@@ -3120,6 +3127,855 @@
       </p:grpSpPr>
       <p:sp>
         <p:nvSpPr>
+          <p:cNvPr id="6" name="TextBox 5">
+            <a:extLst>
+              <a:ext uri="{FF2B5EF4-FFF2-40B4-BE49-F238E27FC236}">
+                <a16:creationId xmlns:a16="http://schemas.microsoft.com/office/drawing/2014/main" id="{15C4154D-10AE-47D6-90B1-E86ABB763DFC}"/>
+              </a:ext>
+            </a:extLst>
+          </p:cNvPr>
+          <p:cNvSpPr txBox="1"/>
+          <p:nvPr/>
+        </p:nvSpPr>
+        <p:spPr>
+          <a:xfrm>
+            <a:off x="189781" y="76581"/>
+            <a:ext cx="8798944" cy="6740307"/>
+          </a:xfrm>
+          <a:prstGeom prst="rect">
+            <a:avLst/>
+          </a:prstGeom>
+          <a:solidFill>
+            <a:schemeClr val="bg1">
+              <a:lumMod val="95000"/>
+            </a:schemeClr>
+          </a:solidFill>
+          <a:ln>
+            <a:solidFill>
+              <a:schemeClr val="bg1">
+                <a:lumMod val="85000"/>
+              </a:schemeClr>
+            </a:solidFill>
+          </a:ln>
+        </p:spPr>
+        <p:txBody>
+          <a:bodyPr wrap="square">
+            <a:spAutoFit/>
+          </a:bodyPr>
+          <a:lstStyle/>
+          <a:p>
+            <a:r>
+              <a:rPr lang="en-GB" sz="1600" dirty="0" err="1">
+                <a:latin typeface="Consolas" panose="020B0609020204030204" pitchFamily="49" charset="0"/>
+              </a:rPr>
+              <a:t>m_stanova</a:t>
+            </a:r>
+            <a:r>
+              <a:rPr lang="en-GB" sz="1600" dirty="0">
+                <a:latin typeface="Consolas" panose="020B0609020204030204" pitchFamily="49" charset="0"/>
+              </a:rPr>
+              <a:t> &lt;- </a:t>
+            </a:r>
+            <a:r>
+              <a:rPr lang="en-GB" sz="1600" dirty="0" err="1">
+                <a:latin typeface="Consolas" panose="020B0609020204030204" pitchFamily="49" charset="0"/>
+              </a:rPr>
+              <a:t>stanova_lmer</a:t>
+            </a:r>
+            <a:r>
+              <a:rPr lang="en-GB" sz="1600" dirty="0">
+                <a:latin typeface="Consolas" panose="020B0609020204030204" pitchFamily="49" charset="0"/>
+              </a:rPr>
+              <a:t>(rt ~ length*stimulus + (length*</a:t>
+            </a:r>
+            <a:r>
+              <a:rPr lang="en-GB" sz="1600" dirty="0" err="1">
+                <a:latin typeface="Consolas" panose="020B0609020204030204" pitchFamily="49" charset="0"/>
+              </a:rPr>
+              <a:t>stimulus|id</a:t>
+            </a:r>
+            <a:r>
+              <a:rPr lang="en-GB" sz="1600" dirty="0">
+                <a:latin typeface="Consolas" panose="020B0609020204030204" pitchFamily="49" charset="0"/>
+              </a:rPr>
+              <a:t>), </a:t>
+            </a:r>
+            <a:r>
+              <a:rPr lang="en-GB" sz="1600" dirty="0" err="1">
+                <a:latin typeface="Consolas" panose="020B0609020204030204" pitchFamily="49" charset="0"/>
+              </a:rPr>
+              <a:t>fhch</a:t>
+            </a:r>
+            <a:r>
+              <a:rPr lang="en-GB" sz="1600" dirty="0">
+                <a:latin typeface="Consolas" panose="020B0609020204030204" pitchFamily="49" charset="0"/>
+              </a:rPr>
+              <a:t>)</a:t>
+            </a:r>
+          </a:p>
+          <a:p>
+            <a:endParaRPr lang="en-GB" sz="1600" dirty="0">
+              <a:latin typeface="Consolas" panose="020B0609020204030204" pitchFamily="49" charset="0"/>
+            </a:endParaRPr>
+          </a:p>
+          <a:p>
+            <a:r>
+              <a:rPr lang="en-GB" sz="1600" dirty="0">
+                <a:latin typeface="Consolas" panose="020B0609020204030204" pitchFamily="49" charset="0"/>
+              </a:rPr>
+              <a:t>summary(</a:t>
+            </a:r>
+            <a:r>
+              <a:rPr lang="en-GB" sz="1600" dirty="0" err="1">
+                <a:latin typeface="Consolas" panose="020B0609020204030204" pitchFamily="49" charset="0"/>
+              </a:rPr>
+              <a:t>m_stanova</a:t>
+            </a:r>
+            <a:r>
+              <a:rPr lang="en-GB" sz="1600" dirty="0">
+                <a:latin typeface="Consolas" panose="020B0609020204030204" pitchFamily="49" charset="0"/>
+              </a:rPr>
+              <a:t>, </a:t>
+            </a:r>
+            <a:r>
+              <a:rPr lang="en-GB" sz="1600" b="1" dirty="0" err="1">
+                <a:latin typeface="Consolas" panose="020B0609020204030204" pitchFamily="49" charset="0"/>
+              </a:rPr>
+              <a:t>diff_intercept</a:t>
+            </a:r>
+            <a:r>
+              <a:rPr lang="en-GB" sz="1600" b="1" dirty="0">
+                <a:latin typeface="Consolas" panose="020B0609020204030204" pitchFamily="49" charset="0"/>
+              </a:rPr>
+              <a:t> = FALSE</a:t>
+            </a:r>
+            <a:r>
+              <a:rPr lang="en-GB" sz="1600" dirty="0">
+                <a:latin typeface="Consolas" panose="020B0609020204030204" pitchFamily="49" charset="0"/>
+              </a:rPr>
+              <a:t>, digits = 2)</a:t>
+            </a:r>
+          </a:p>
+          <a:p>
+            <a:r>
+              <a:rPr lang="en-GB" sz="1600" dirty="0">
+                <a:solidFill>
+                  <a:schemeClr val="accent6">
+                    <a:lumMod val="75000"/>
+                  </a:schemeClr>
+                </a:solidFill>
+                <a:latin typeface="Consolas" panose="020B0609020204030204" pitchFamily="49" charset="0"/>
+              </a:rPr>
+              <a:t>## [...]</a:t>
+            </a:r>
+          </a:p>
+          <a:p>
+            <a:r>
+              <a:rPr lang="en-GB" sz="1600" dirty="0">
+                <a:solidFill>
+                  <a:schemeClr val="accent6">
+                    <a:lumMod val="75000"/>
+                  </a:schemeClr>
+                </a:solidFill>
+                <a:latin typeface="Consolas" panose="020B0609020204030204" pitchFamily="49" charset="0"/>
+              </a:rPr>
+              <a:t>## Estimate Intercept:</a:t>
+            </a:r>
+          </a:p>
+          <a:p>
+            <a:r>
+              <a:rPr lang="en-GB" sz="1600" dirty="0">
+                <a:solidFill>
+                  <a:schemeClr val="accent6">
+                    <a:lumMod val="75000"/>
+                  </a:schemeClr>
+                </a:solidFill>
+                <a:latin typeface="Consolas" panose="020B0609020204030204" pitchFamily="49" charset="0"/>
+              </a:rPr>
+              <a:t>##   </a:t>
+            </a:r>
+            <a:r>
+              <a:rPr lang="en-GB" sz="1600" b="1" dirty="0">
+                <a:solidFill>
+                  <a:schemeClr val="accent6">
+                    <a:lumMod val="75000"/>
+                  </a:schemeClr>
+                </a:solidFill>
+                <a:latin typeface="Consolas" panose="020B0609020204030204" pitchFamily="49" charset="0"/>
+              </a:rPr>
+              <a:t>   Variable Mean </a:t>
+            </a:r>
+            <a:r>
+              <a:rPr lang="en-GB" sz="1600" dirty="0">
+                <a:solidFill>
+                  <a:schemeClr val="accent6">
+                    <a:lumMod val="75000"/>
+                  </a:schemeClr>
+                </a:solidFill>
+                <a:latin typeface="Consolas" panose="020B0609020204030204" pitchFamily="49" charset="0"/>
+              </a:rPr>
+              <a:t>MAD_SD   5%  50%  95% </a:t>
+            </a:r>
+          </a:p>
+          <a:p>
+            <a:r>
+              <a:rPr lang="en-GB" sz="1600" dirty="0">
+                <a:solidFill>
+                  <a:schemeClr val="accent6">
+                    <a:lumMod val="75000"/>
+                  </a:schemeClr>
+                </a:solidFill>
+                <a:latin typeface="Consolas" panose="020B0609020204030204" pitchFamily="49" charset="0"/>
+              </a:rPr>
+              <a:t>## 1 </a:t>
+            </a:r>
+            <a:r>
+              <a:rPr lang="en-GB" sz="1600" b="1" dirty="0">
+                <a:solidFill>
+                  <a:schemeClr val="accent6">
+                    <a:lumMod val="75000"/>
+                  </a:schemeClr>
+                </a:solidFill>
+                <a:latin typeface="Consolas" panose="020B0609020204030204" pitchFamily="49" charset="0"/>
+              </a:rPr>
+              <a:t>(Intercept) 1.13 </a:t>
+            </a:r>
+            <a:r>
+              <a:rPr lang="en-GB" sz="1600" dirty="0">
+                <a:solidFill>
+                  <a:schemeClr val="accent6">
+                    <a:lumMod val="75000"/>
+                  </a:schemeClr>
+                </a:solidFill>
+                <a:latin typeface="Consolas" panose="020B0609020204030204" pitchFamily="49" charset="0"/>
+              </a:rPr>
+              <a:t>  0.05 1.04 1.12 1.21 </a:t>
+            </a:r>
+          </a:p>
+          <a:p>
+            <a:r>
+              <a:rPr lang="en-GB" sz="1600" dirty="0">
+                <a:solidFill>
+                  <a:schemeClr val="accent6">
+                    <a:lumMod val="75000"/>
+                  </a:schemeClr>
+                </a:solidFill>
+                <a:latin typeface="Consolas" panose="020B0609020204030204" pitchFamily="49" charset="0"/>
+              </a:rPr>
+              <a:t>## </a:t>
+            </a:r>
+          </a:p>
+          <a:p>
+            <a:r>
+              <a:rPr lang="en-GB" sz="1600" dirty="0">
+                <a:solidFill>
+                  <a:schemeClr val="accent6">
+                    <a:lumMod val="75000"/>
+                  </a:schemeClr>
+                </a:solidFill>
+                <a:latin typeface="Consolas" panose="020B0609020204030204" pitchFamily="49" charset="0"/>
+              </a:rPr>
+              <a:t>## Estimates 'length' - marginal means:</a:t>
+            </a:r>
+          </a:p>
+          <a:p>
+            <a:r>
+              <a:rPr lang="en-GB" sz="1600" dirty="0">
+                <a:solidFill>
+                  <a:schemeClr val="accent6">
+                    <a:lumMod val="75000"/>
+                  </a:schemeClr>
+                </a:solidFill>
+                <a:latin typeface="Consolas" panose="020B0609020204030204" pitchFamily="49" charset="0"/>
+              </a:rPr>
+              <a:t>##   </a:t>
+            </a:r>
+            <a:r>
+              <a:rPr lang="en-GB" sz="1600" b="1" dirty="0">
+                <a:solidFill>
+                  <a:schemeClr val="accent6">
+                    <a:lumMod val="75000"/>
+                  </a:schemeClr>
+                </a:solidFill>
+                <a:latin typeface="Consolas" panose="020B0609020204030204" pitchFamily="49" charset="0"/>
+              </a:rPr>
+              <a:t>Variable Mean</a:t>
+            </a:r>
+            <a:r>
+              <a:rPr lang="en-GB" sz="1600" dirty="0">
+                <a:solidFill>
+                  <a:schemeClr val="accent6">
+                    <a:lumMod val="75000"/>
+                  </a:schemeClr>
+                </a:solidFill>
+                <a:latin typeface="Consolas" panose="020B0609020204030204" pitchFamily="49" charset="0"/>
+              </a:rPr>
+              <a:t> MAD_SD   5%  50%  95% </a:t>
+            </a:r>
+          </a:p>
+          <a:p>
+            <a:r>
+              <a:rPr lang="en-GB" sz="1600" dirty="0">
+                <a:solidFill>
+                  <a:schemeClr val="accent6">
+                    <a:lumMod val="75000"/>
+                  </a:schemeClr>
+                </a:solidFill>
+                <a:latin typeface="Consolas" panose="020B0609020204030204" pitchFamily="49" charset="0"/>
+              </a:rPr>
+              <a:t>## 1 </a:t>
+            </a:r>
+            <a:r>
+              <a:rPr lang="en-GB" sz="1600" b="1" dirty="0">
+                <a:solidFill>
+                  <a:schemeClr val="accent6">
+                    <a:lumMod val="75000"/>
+                  </a:schemeClr>
+                </a:solidFill>
+                <a:latin typeface="Consolas" panose="020B0609020204030204" pitchFamily="49" charset="0"/>
+              </a:rPr>
+              <a:t>length 4 1.10</a:t>
+            </a:r>
+            <a:r>
+              <a:rPr lang="en-GB" sz="1600" dirty="0">
+                <a:solidFill>
+                  <a:schemeClr val="accent6">
+                    <a:lumMod val="75000"/>
+                  </a:schemeClr>
+                </a:solidFill>
+                <a:latin typeface="Consolas" panose="020B0609020204030204" pitchFamily="49" charset="0"/>
+              </a:rPr>
+              <a:t>   0.05 1.01 1.09 1.18 </a:t>
+            </a:r>
+          </a:p>
+          <a:p>
+            <a:r>
+              <a:rPr lang="en-GB" sz="1600" dirty="0">
+                <a:solidFill>
+                  <a:schemeClr val="accent6">
+                    <a:lumMod val="75000"/>
+                  </a:schemeClr>
+                </a:solidFill>
+                <a:latin typeface="Consolas" panose="020B0609020204030204" pitchFamily="49" charset="0"/>
+              </a:rPr>
+              <a:t>## 2 </a:t>
+            </a:r>
+            <a:r>
+              <a:rPr lang="en-GB" sz="1600" b="1" dirty="0">
+                <a:solidFill>
+                  <a:schemeClr val="accent6">
+                    <a:lumMod val="75000"/>
+                  </a:schemeClr>
+                </a:solidFill>
+                <a:latin typeface="Consolas" panose="020B0609020204030204" pitchFamily="49" charset="0"/>
+              </a:rPr>
+              <a:t>length 5 1.13</a:t>
+            </a:r>
+            <a:r>
+              <a:rPr lang="en-GB" sz="1600" dirty="0">
+                <a:solidFill>
+                  <a:schemeClr val="accent6">
+                    <a:lumMod val="75000"/>
+                  </a:schemeClr>
+                </a:solidFill>
+                <a:latin typeface="Consolas" panose="020B0609020204030204" pitchFamily="49" charset="0"/>
+              </a:rPr>
+              <a:t>   0.05 1.04 1.13 1.22 </a:t>
+            </a:r>
+          </a:p>
+          <a:p>
+            <a:r>
+              <a:rPr lang="en-GB" sz="1600" dirty="0">
+                <a:solidFill>
+                  <a:schemeClr val="accent6">
+                    <a:lumMod val="75000"/>
+                  </a:schemeClr>
+                </a:solidFill>
+                <a:latin typeface="Consolas" panose="020B0609020204030204" pitchFamily="49" charset="0"/>
+              </a:rPr>
+              <a:t>## 3 </a:t>
+            </a:r>
+            <a:r>
+              <a:rPr lang="en-GB" sz="1600" b="1" dirty="0">
+                <a:solidFill>
+                  <a:schemeClr val="accent6">
+                    <a:lumMod val="75000"/>
+                  </a:schemeClr>
+                </a:solidFill>
+                <a:latin typeface="Consolas" panose="020B0609020204030204" pitchFamily="49" charset="0"/>
+              </a:rPr>
+              <a:t>length 6 1.15</a:t>
+            </a:r>
+            <a:r>
+              <a:rPr lang="en-GB" sz="1600" dirty="0">
+                <a:solidFill>
+                  <a:schemeClr val="accent6">
+                    <a:lumMod val="75000"/>
+                  </a:schemeClr>
+                </a:solidFill>
+                <a:latin typeface="Consolas" panose="020B0609020204030204" pitchFamily="49" charset="0"/>
+              </a:rPr>
+              <a:t>   0.05 1.07 1.15 1.24 </a:t>
+            </a:r>
+          </a:p>
+          <a:p>
+            <a:r>
+              <a:rPr lang="en-GB" sz="1600" dirty="0">
+                <a:solidFill>
+                  <a:schemeClr val="accent6">
+                    <a:lumMod val="75000"/>
+                  </a:schemeClr>
+                </a:solidFill>
+                <a:latin typeface="Consolas" panose="020B0609020204030204" pitchFamily="49" charset="0"/>
+              </a:rPr>
+              <a:t>## </a:t>
+            </a:r>
+          </a:p>
+          <a:p>
+            <a:r>
+              <a:rPr lang="en-GB" sz="1600" dirty="0">
+                <a:solidFill>
+                  <a:schemeClr val="accent6">
+                    <a:lumMod val="75000"/>
+                  </a:schemeClr>
+                </a:solidFill>
+                <a:latin typeface="Consolas" panose="020B0609020204030204" pitchFamily="49" charset="0"/>
+              </a:rPr>
+              <a:t>## Estimates 'stimulus' - marginal means:</a:t>
+            </a:r>
+          </a:p>
+          <a:p>
+            <a:r>
+              <a:rPr lang="en-GB" sz="1600" dirty="0">
+                <a:solidFill>
+                  <a:schemeClr val="accent6">
+                    <a:lumMod val="75000"/>
+                  </a:schemeClr>
+                </a:solidFill>
+                <a:latin typeface="Consolas" panose="020B0609020204030204" pitchFamily="49" charset="0"/>
+              </a:rPr>
+              <a:t>##           </a:t>
+            </a:r>
+            <a:r>
+              <a:rPr lang="en-GB" sz="1600" b="1" dirty="0">
+                <a:solidFill>
+                  <a:schemeClr val="accent6">
+                    <a:lumMod val="75000"/>
+                  </a:schemeClr>
+                </a:solidFill>
+                <a:latin typeface="Consolas" panose="020B0609020204030204" pitchFamily="49" charset="0"/>
+              </a:rPr>
+              <a:t>Variable Mean</a:t>
+            </a:r>
+            <a:r>
+              <a:rPr lang="en-GB" sz="1600" dirty="0">
+                <a:solidFill>
+                  <a:schemeClr val="accent6">
+                    <a:lumMod val="75000"/>
+                  </a:schemeClr>
+                </a:solidFill>
+                <a:latin typeface="Consolas" panose="020B0609020204030204" pitchFamily="49" charset="0"/>
+              </a:rPr>
+              <a:t> MAD_SD   5%  50%  95% </a:t>
+            </a:r>
+          </a:p>
+          <a:p>
+            <a:r>
+              <a:rPr lang="en-GB" sz="1600" dirty="0">
+                <a:solidFill>
+                  <a:schemeClr val="accent6">
+                    <a:lumMod val="75000"/>
+                  </a:schemeClr>
+                </a:solidFill>
+                <a:latin typeface="Consolas" panose="020B0609020204030204" pitchFamily="49" charset="0"/>
+              </a:rPr>
+              <a:t>## 1    </a:t>
+            </a:r>
+            <a:r>
+              <a:rPr lang="en-GB" sz="1600" b="1" dirty="0">
+                <a:solidFill>
+                  <a:schemeClr val="accent6">
+                    <a:lumMod val="75000"/>
+                  </a:schemeClr>
+                </a:solidFill>
+                <a:latin typeface="Consolas" panose="020B0609020204030204" pitchFamily="49" charset="0"/>
+              </a:rPr>
+              <a:t>stimulus word 1.10</a:t>
+            </a:r>
+            <a:r>
+              <a:rPr lang="en-GB" sz="1600" dirty="0">
+                <a:solidFill>
+                  <a:schemeClr val="accent6">
+                    <a:lumMod val="75000"/>
+                  </a:schemeClr>
+                </a:solidFill>
+                <a:latin typeface="Consolas" panose="020B0609020204030204" pitchFamily="49" charset="0"/>
+              </a:rPr>
+              <a:t>   0.05 1.01 1.09 1.18 </a:t>
+            </a:r>
+          </a:p>
+          <a:p>
+            <a:r>
+              <a:rPr lang="en-GB" sz="1600" dirty="0">
+                <a:solidFill>
+                  <a:schemeClr val="accent6">
+                    <a:lumMod val="75000"/>
+                  </a:schemeClr>
+                </a:solidFill>
+                <a:latin typeface="Consolas" panose="020B0609020204030204" pitchFamily="49" charset="0"/>
+              </a:rPr>
+              <a:t>## 2 </a:t>
+            </a:r>
+            <a:r>
+              <a:rPr lang="en-GB" sz="1600" b="1" dirty="0">
+                <a:solidFill>
+                  <a:schemeClr val="accent6">
+                    <a:lumMod val="75000"/>
+                  </a:schemeClr>
+                </a:solidFill>
+                <a:latin typeface="Consolas" panose="020B0609020204030204" pitchFamily="49" charset="0"/>
+              </a:rPr>
+              <a:t>stimulus nonword 1.16</a:t>
+            </a:r>
+            <a:r>
+              <a:rPr lang="en-GB" sz="1600" dirty="0">
+                <a:solidFill>
+                  <a:schemeClr val="accent6">
+                    <a:lumMod val="75000"/>
+                  </a:schemeClr>
+                </a:solidFill>
+                <a:latin typeface="Consolas" panose="020B0609020204030204" pitchFamily="49" charset="0"/>
+              </a:rPr>
+              <a:t>   0.05 1.07 1.16 1.25 </a:t>
+            </a:r>
+          </a:p>
+          <a:p>
+            <a:r>
+              <a:rPr lang="en-GB" sz="1600" dirty="0">
+                <a:solidFill>
+                  <a:schemeClr val="accent6">
+                    <a:lumMod val="75000"/>
+                  </a:schemeClr>
+                </a:solidFill>
+                <a:latin typeface="Consolas" panose="020B0609020204030204" pitchFamily="49" charset="0"/>
+              </a:rPr>
+              <a:t>## </a:t>
+            </a:r>
+          </a:p>
+          <a:p>
+            <a:r>
+              <a:rPr lang="en-GB" sz="1600" dirty="0">
+                <a:solidFill>
+                  <a:schemeClr val="accent6">
+                    <a:lumMod val="75000"/>
+                  </a:schemeClr>
+                </a:solidFill>
+                <a:latin typeface="Consolas" panose="020B0609020204030204" pitchFamily="49" charset="0"/>
+              </a:rPr>
+              <a:t>## Estimates '</a:t>
+            </a:r>
+            <a:r>
+              <a:rPr lang="en-GB" sz="1600" dirty="0" err="1">
+                <a:solidFill>
+                  <a:schemeClr val="accent6">
+                    <a:lumMod val="75000"/>
+                  </a:schemeClr>
+                </a:solidFill>
+                <a:latin typeface="Consolas" panose="020B0609020204030204" pitchFamily="49" charset="0"/>
+              </a:rPr>
+              <a:t>length:stimulus</a:t>
+            </a:r>
+            <a:r>
+              <a:rPr lang="en-GB" sz="1600" dirty="0">
+                <a:solidFill>
+                  <a:schemeClr val="accent6">
+                    <a:lumMod val="75000"/>
+                  </a:schemeClr>
+                </a:solidFill>
+                <a:latin typeface="Consolas" panose="020B0609020204030204" pitchFamily="49" charset="0"/>
+              </a:rPr>
+              <a:t>' - marginal means:</a:t>
+            </a:r>
+          </a:p>
+          <a:p>
+            <a:r>
+              <a:rPr lang="en-GB" sz="1600" dirty="0">
+                <a:solidFill>
+                  <a:schemeClr val="accent6">
+                    <a:lumMod val="75000"/>
+                  </a:schemeClr>
+                </a:solidFill>
+                <a:latin typeface="Consolas" panose="020B0609020204030204" pitchFamily="49" charset="0"/>
+              </a:rPr>
+              <a:t>##                     </a:t>
+            </a:r>
+            <a:r>
+              <a:rPr lang="en-GB" sz="1600" b="1" dirty="0">
+                <a:solidFill>
+                  <a:schemeClr val="accent6">
+                    <a:lumMod val="75000"/>
+                  </a:schemeClr>
+                </a:solidFill>
+                <a:latin typeface="Consolas" panose="020B0609020204030204" pitchFamily="49" charset="0"/>
+              </a:rPr>
+              <a:t>Variable Mean</a:t>
+            </a:r>
+            <a:r>
+              <a:rPr lang="en-GB" sz="1600" dirty="0">
+                <a:solidFill>
+                  <a:schemeClr val="accent6">
+                    <a:lumMod val="75000"/>
+                  </a:schemeClr>
+                </a:solidFill>
+                <a:latin typeface="Consolas" panose="020B0609020204030204" pitchFamily="49" charset="0"/>
+              </a:rPr>
+              <a:t> MAD_SD   5%  50%  95% </a:t>
+            </a:r>
+          </a:p>
+          <a:p>
+            <a:r>
+              <a:rPr lang="en-GB" sz="1600" dirty="0">
+                <a:solidFill>
+                  <a:schemeClr val="accent6">
+                    <a:lumMod val="75000"/>
+                  </a:schemeClr>
+                </a:solidFill>
+                <a:latin typeface="Consolas" panose="020B0609020204030204" pitchFamily="49" charset="0"/>
+              </a:rPr>
+              <a:t>## 1    </a:t>
+            </a:r>
+            <a:r>
+              <a:rPr lang="en-GB" sz="1600" b="1" dirty="0">
+                <a:solidFill>
+                  <a:schemeClr val="accent6">
+                    <a:lumMod val="75000"/>
+                  </a:schemeClr>
+                </a:solidFill>
+                <a:latin typeface="Consolas" panose="020B0609020204030204" pitchFamily="49" charset="0"/>
+              </a:rPr>
+              <a:t>length 4, stimulus word 1.08</a:t>
+            </a:r>
+            <a:r>
+              <a:rPr lang="en-GB" sz="1600" dirty="0">
+                <a:solidFill>
+                  <a:schemeClr val="accent6">
+                    <a:lumMod val="75000"/>
+                  </a:schemeClr>
+                </a:solidFill>
+                <a:latin typeface="Consolas" panose="020B0609020204030204" pitchFamily="49" charset="0"/>
+              </a:rPr>
+              <a:t>   0.05 0.99 1.08 1.17 </a:t>
+            </a:r>
+          </a:p>
+          <a:p>
+            <a:r>
+              <a:rPr lang="en-GB" sz="1600" dirty="0">
+                <a:solidFill>
+                  <a:schemeClr val="accent6">
+                    <a:lumMod val="75000"/>
+                  </a:schemeClr>
+                </a:solidFill>
+                <a:latin typeface="Consolas" panose="020B0609020204030204" pitchFamily="49" charset="0"/>
+              </a:rPr>
+              <a:t>## 2    </a:t>
+            </a:r>
+            <a:r>
+              <a:rPr lang="en-GB" sz="1600" b="1" dirty="0">
+                <a:solidFill>
+                  <a:schemeClr val="accent6">
+                    <a:lumMod val="75000"/>
+                  </a:schemeClr>
+                </a:solidFill>
+                <a:latin typeface="Consolas" panose="020B0609020204030204" pitchFamily="49" charset="0"/>
+              </a:rPr>
+              <a:t>length 5, stimulus word 1.09</a:t>
+            </a:r>
+            <a:r>
+              <a:rPr lang="en-GB" sz="1600" dirty="0">
+                <a:solidFill>
+                  <a:schemeClr val="accent6">
+                    <a:lumMod val="75000"/>
+                  </a:schemeClr>
+                </a:solidFill>
+                <a:latin typeface="Consolas" panose="020B0609020204030204" pitchFamily="49" charset="0"/>
+              </a:rPr>
+              <a:t>   0.05 1.00 1.09 1.19 </a:t>
+            </a:r>
+          </a:p>
+          <a:p>
+            <a:r>
+              <a:rPr lang="en-GB" sz="1600" dirty="0">
+                <a:solidFill>
+                  <a:schemeClr val="accent6">
+                    <a:lumMod val="75000"/>
+                  </a:schemeClr>
+                </a:solidFill>
+                <a:latin typeface="Consolas" panose="020B0609020204030204" pitchFamily="49" charset="0"/>
+              </a:rPr>
+              <a:t>## 3    </a:t>
+            </a:r>
+            <a:r>
+              <a:rPr lang="en-GB" sz="1600" b="1" dirty="0">
+                <a:solidFill>
+                  <a:schemeClr val="accent6">
+                    <a:lumMod val="75000"/>
+                  </a:schemeClr>
+                </a:solidFill>
+                <a:latin typeface="Consolas" panose="020B0609020204030204" pitchFamily="49" charset="0"/>
+              </a:rPr>
+              <a:t>length 6, stimulus word 1.11</a:t>
+            </a:r>
+            <a:r>
+              <a:rPr lang="en-GB" sz="1600" dirty="0">
+                <a:solidFill>
+                  <a:schemeClr val="accent6">
+                    <a:lumMod val="75000"/>
+                  </a:schemeClr>
+                </a:solidFill>
+                <a:latin typeface="Consolas" panose="020B0609020204030204" pitchFamily="49" charset="0"/>
+              </a:rPr>
+              <a:t>   0.06 1.02 1.11 1.21 </a:t>
+            </a:r>
+          </a:p>
+          <a:p>
+            <a:r>
+              <a:rPr lang="en-GB" sz="1600" dirty="0">
+                <a:solidFill>
+                  <a:schemeClr val="accent6">
+                    <a:lumMod val="75000"/>
+                  </a:schemeClr>
+                </a:solidFill>
+                <a:latin typeface="Consolas" panose="020B0609020204030204" pitchFamily="49" charset="0"/>
+              </a:rPr>
+              <a:t>## 4 </a:t>
+            </a:r>
+            <a:r>
+              <a:rPr lang="en-GB" sz="1600" b="1" dirty="0">
+                <a:solidFill>
+                  <a:schemeClr val="accent6">
+                    <a:lumMod val="75000"/>
+                  </a:schemeClr>
+                </a:solidFill>
+                <a:latin typeface="Consolas" panose="020B0609020204030204" pitchFamily="49" charset="0"/>
+              </a:rPr>
+              <a:t>length 4, stimulus nonword 1.11</a:t>
+            </a:r>
+            <a:r>
+              <a:rPr lang="en-GB" sz="1600" dirty="0">
+                <a:solidFill>
+                  <a:schemeClr val="accent6">
+                    <a:lumMod val="75000"/>
+                  </a:schemeClr>
+                </a:solidFill>
+                <a:latin typeface="Consolas" panose="020B0609020204030204" pitchFamily="49" charset="0"/>
+              </a:rPr>
+              <a:t>   0.06 1.02 1.11 1.21 </a:t>
+            </a:r>
+          </a:p>
+          <a:p>
+            <a:r>
+              <a:rPr lang="en-GB" sz="1600" dirty="0">
+                <a:solidFill>
+                  <a:schemeClr val="accent6">
+                    <a:lumMod val="75000"/>
+                  </a:schemeClr>
+                </a:solidFill>
+                <a:latin typeface="Consolas" panose="020B0609020204030204" pitchFamily="49" charset="0"/>
+              </a:rPr>
+              <a:t>## 5 </a:t>
+            </a:r>
+            <a:r>
+              <a:rPr lang="en-GB" sz="1600" b="1" dirty="0">
+                <a:solidFill>
+                  <a:schemeClr val="accent6">
+                    <a:lumMod val="75000"/>
+                  </a:schemeClr>
+                </a:solidFill>
+                <a:latin typeface="Consolas" panose="020B0609020204030204" pitchFamily="49" charset="0"/>
+              </a:rPr>
+              <a:t>length 5, stimulus nonword 1.16</a:t>
+            </a:r>
+            <a:r>
+              <a:rPr lang="en-GB" sz="1600" dirty="0">
+                <a:solidFill>
+                  <a:schemeClr val="accent6">
+                    <a:lumMod val="75000"/>
+                  </a:schemeClr>
+                </a:solidFill>
+                <a:latin typeface="Consolas" panose="020B0609020204030204" pitchFamily="49" charset="0"/>
+              </a:rPr>
+              <a:t>   0.06 1.07 1.16 1.26 </a:t>
+            </a:r>
+          </a:p>
+          <a:p>
+            <a:r>
+              <a:rPr lang="en-GB" sz="1600" dirty="0">
+                <a:solidFill>
+                  <a:schemeClr val="accent6">
+                    <a:lumMod val="75000"/>
+                  </a:schemeClr>
+                </a:solidFill>
+                <a:latin typeface="Consolas" panose="020B0609020204030204" pitchFamily="49" charset="0"/>
+              </a:rPr>
+              <a:t>## 6 </a:t>
+            </a:r>
+            <a:r>
+              <a:rPr lang="en-GB" sz="1600" b="1" dirty="0">
+                <a:solidFill>
+                  <a:schemeClr val="accent6">
+                    <a:lumMod val="75000"/>
+                  </a:schemeClr>
+                </a:solidFill>
+                <a:latin typeface="Consolas" panose="020B0609020204030204" pitchFamily="49" charset="0"/>
+              </a:rPr>
+              <a:t>length 6, stimulus nonword 1.20</a:t>
+            </a:r>
+            <a:r>
+              <a:rPr lang="en-GB" sz="1600" dirty="0">
+                <a:solidFill>
+                  <a:schemeClr val="accent6">
+                    <a:lumMod val="75000"/>
+                  </a:schemeClr>
+                </a:solidFill>
+                <a:latin typeface="Consolas" panose="020B0609020204030204" pitchFamily="49" charset="0"/>
+              </a:rPr>
+              <a:t>   0.06 1.11 1.20 1.29 </a:t>
+            </a:r>
+          </a:p>
+        </p:txBody>
+      </p:sp>
+    </p:spTree>
+    <p:extLst>
+      <p:ext uri="{BB962C8B-B14F-4D97-AF65-F5344CB8AC3E}">
+        <p14:creationId xmlns:p14="http://schemas.microsoft.com/office/powerpoint/2010/main" val="2805084687"/>
+      </p:ext>
+    </p:extLst>
+  </p:cSld>
+  <p:clrMapOvr>
+    <a:masterClrMapping/>
+  </p:clrMapOvr>
+</p:sld>
+</file>
+
+<file path=ppt/slides/slide11.xml><?xml version="1.0" encoding="utf-8"?>
+<p:sld xmlns:a="http://schemas.openxmlformats.org/drawingml/2006/main" xmlns:r="http://schemas.openxmlformats.org/officeDocument/2006/relationships" xmlns:p="http://schemas.openxmlformats.org/presentationml/2006/main">
+  <p:cSld>
+    <p:spTree>
+      <p:nvGrpSpPr>
+        <p:cNvPr id="1" name=""/>
+        <p:cNvGrpSpPr/>
+        <p:nvPr/>
+      </p:nvGrpSpPr>
+      <p:grpSpPr>
+        <a:xfrm>
+          <a:off x="0" y="0"/>
+          <a:ext cx="0" cy="0"/>
+          <a:chOff x="0" y="0"/>
+          <a:chExt cx="0" cy="0"/>
+        </a:xfrm>
+      </p:grpSpPr>
+      <p:sp>
+        <p:nvSpPr>
           <p:cNvPr id="2" name="Title 1">
             <a:extLst>
               <a:ext uri="{FF2B5EF4-FFF2-40B4-BE49-F238E27FC236}">
@@ -3134,13 +3990,20 @@
             <p:ph type="title"/>
           </p:nvPr>
         </p:nvSpPr>
-        <p:spPr/>
+        <p:spPr>
+          <a:xfrm>
+            <a:off x="628650" y="18255"/>
+            <a:ext cx="7886700" cy="1325563"/>
+          </a:xfrm>
+        </p:spPr>
         <p:txBody>
-          <a:bodyPr/>
+          <a:bodyPr>
+            <a:normAutofit/>
+          </a:bodyPr>
           <a:lstStyle/>
           <a:p>
             <a:r>
-              <a:rPr lang="en-GB" dirty="0"/>
+              <a:rPr lang="en-GB" sz="4000" dirty="0"/>
               <a:t>Take Home Messages</a:t>
             </a:r>
           </a:p>
@@ -3162,10 +4025,15 @@
             <p:ph idx="1"/>
           </p:nvPr>
         </p:nvSpPr>
-        <p:spPr/>
+        <p:spPr>
+          <a:xfrm>
+            <a:off x="628650" y="1343818"/>
+            <a:ext cx="7886700" cy="4833145"/>
+          </a:xfrm>
+        </p:spPr>
         <p:txBody>
           <a:bodyPr>
-            <a:normAutofit fontScale="85000" lnSpcReduction="20000"/>
+            <a:normAutofit fontScale="70000" lnSpcReduction="20000"/>
           </a:bodyPr>
           <a:lstStyle/>
           <a:p>
@@ -3273,6 +4141,87 @@
             </a:r>
           </a:p>
           <a:p>
+            <a:r>
+              <a:rPr lang="en-GB" dirty="0" err="1">
+                <a:latin typeface="Consolas" panose="020B0609020204030204" pitchFamily="49" charset="0"/>
+              </a:rPr>
+              <a:t>stanova</a:t>
+            </a:r>
+            <a:r>
+              <a:rPr lang="en-GB" dirty="0"/>
+              <a:t> features</a:t>
+            </a:r>
+          </a:p>
+          <a:p>
+            <a:pPr lvl="1"/>
+            <a:r>
+              <a:rPr lang="en-GB" dirty="0" err="1">
+                <a:latin typeface="Consolas" panose="020B0609020204030204" pitchFamily="49" charset="0"/>
+              </a:rPr>
+              <a:t>stanova</a:t>
+            </a:r>
+            <a:r>
+              <a:rPr lang="en-GB" dirty="0">
+                <a:latin typeface="Consolas" panose="020B0609020204030204" pitchFamily="49" charset="0"/>
+              </a:rPr>
+              <a:t>(..., </a:t>
+            </a:r>
+            <a:r>
+              <a:rPr lang="en-GB" dirty="0" err="1">
+                <a:latin typeface="Consolas" panose="020B0609020204030204" pitchFamily="49" charset="0"/>
+              </a:rPr>
+              <a:t>model_fun</a:t>
+            </a:r>
+            <a:r>
+              <a:rPr lang="en-GB" dirty="0">
+                <a:latin typeface="Consolas" panose="020B0609020204030204" pitchFamily="49" charset="0"/>
+              </a:rPr>
+              <a:t>)</a:t>
+            </a:r>
+            <a:r>
+              <a:rPr lang="en-GB" dirty="0"/>
+              <a:t> allows fitting any </a:t>
+            </a:r>
+            <a:r>
+              <a:rPr lang="en-GB" dirty="0" err="1">
+                <a:latin typeface="Consolas" panose="020B0609020204030204" pitchFamily="49" charset="0"/>
+              </a:rPr>
+              <a:t>rstanarm</a:t>
+            </a:r>
+            <a:r>
+              <a:rPr lang="en-GB" dirty="0"/>
+              <a:t> function (e.g., </a:t>
+            </a:r>
+            <a:r>
+              <a:rPr lang="en-GB" dirty="0" err="1">
+                <a:latin typeface="Consolas" panose="020B0609020204030204" pitchFamily="49" charset="0"/>
+              </a:rPr>
+              <a:t>model_fun</a:t>
+            </a:r>
+            <a:r>
+              <a:rPr lang="en-GB" dirty="0">
+                <a:latin typeface="Consolas" panose="020B0609020204030204" pitchFamily="49" charset="0"/>
+              </a:rPr>
+              <a:t> = "</a:t>
+            </a:r>
+            <a:r>
+              <a:rPr lang="en-GB" dirty="0" err="1">
+                <a:latin typeface="Consolas" panose="020B0609020204030204" pitchFamily="49" charset="0"/>
+              </a:rPr>
+              <a:t>glm</a:t>
+            </a:r>
+            <a:r>
+              <a:rPr lang="en-GB" dirty="0">
+                <a:latin typeface="Consolas" panose="020B0609020204030204" pitchFamily="49" charset="0"/>
+              </a:rPr>
+              <a:t>"</a:t>
+            </a:r>
+            <a:r>
+              <a:rPr lang="en-GB" dirty="0"/>
+              <a:t>).</a:t>
+            </a:r>
+          </a:p>
+          <a:p>
             <a:pPr lvl="1"/>
             <a:r>
               <a:rPr lang="en-GB" dirty="0">
@@ -3283,6 +4232,72 @@
             <a:r>
               <a:rPr lang="en-GB" dirty="0"/>
               <a:t> back-transforms results to factor levels</a:t>
+            </a:r>
+          </a:p>
+          <a:p>
+            <a:pPr lvl="1"/>
+            <a:r>
+              <a:rPr lang="en-GB" dirty="0" err="1">
+                <a:latin typeface="Consolas" panose="020B0609020204030204" pitchFamily="49" charset="0"/>
+              </a:rPr>
+              <a:t>stanova_samples</a:t>
+            </a:r>
+            <a:r>
+              <a:rPr lang="en-GB" dirty="0">
+                <a:latin typeface="Consolas" panose="020B0609020204030204" pitchFamily="49" charset="0"/>
+              </a:rPr>
+              <a:t>()</a:t>
+            </a:r>
+            <a:r>
+              <a:rPr lang="en-GB" dirty="0"/>
+              <a:t> returns samples back-transformed to factor levels.</a:t>
+            </a:r>
+          </a:p>
+          <a:p>
+            <a:pPr lvl="1"/>
+            <a:r>
+              <a:rPr lang="en-GB" dirty="0"/>
+              <a:t>Fully compatible with </a:t>
+            </a:r>
+            <a:r>
+              <a:rPr lang="en-GB" dirty="0">
+                <a:latin typeface="Consolas" panose="020B0609020204030204" pitchFamily="49" charset="0"/>
+              </a:rPr>
+              <a:t>R</a:t>
+            </a:r>
+            <a:r>
+              <a:rPr lang="en-GB" dirty="0"/>
+              <a:t> package ecosystem: </a:t>
+            </a:r>
+            <a:r>
+              <a:rPr lang="en-GB" dirty="0" err="1">
+                <a:latin typeface="Consolas" panose="020B0609020204030204" pitchFamily="49" charset="0"/>
+              </a:rPr>
+              <a:t>emmeans</a:t>
+            </a:r>
+            <a:r>
+              <a:rPr lang="en-GB" dirty="0"/>
+              <a:t>, </a:t>
+            </a:r>
+            <a:r>
+              <a:rPr lang="en-GB" dirty="0" err="1">
+                <a:latin typeface="Consolas" panose="020B0609020204030204" pitchFamily="49" charset="0"/>
+              </a:rPr>
+              <a:t>tidybayes</a:t>
+            </a:r>
+            <a:r>
+              <a:rPr lang="en-GB" dirty="0"/>
+              <a:t>, </a:t>
+            </a:r>
+            <a:r>
+              <a:rPr lang="en-GB" dirty="0" err="1">
+                <a:latin typeface="Consolas" panose="020B0609020204030204" pitchFamily="49" charset="0"/>
+              </a:rPr>
+              <a:t>bayesplot</a:t>
+            </a:r>
+            <a:r>
+              <a:rPr lang="en-GB" dirty="0"/>
+              <a:t>, …</a:t>
             </a:r>
           </a:p>
         </p:txBody>
@@ -3290,13 +4305,1332 @@
     </p:spTree>
     <p:extLst>
       <p:ext uri="{BB962C8B-B14F-4D97-AF65-F5344CB8AC3E}">
-        <p14:creationId xmlns:p14="http://schemas.microsoft.com/office/powerpoint/2010/main" val="2097644618"/>
+        <p14:creationId xmlns:p14="http://schemas.microsoft.com/office/powerpoint/2010/main" val="339595707"/>
       </p:ext>
     </p:extLst>
   </p:cSld>
   <p:clrMapOvr>
     <a:masterClrMapping/>
   </p:clrMapOvr>
+  <p:timing>
+    <p:tnLst>
+      <p:par>
+        <p:cTn id="1" dur="indefinite" restart="never" nodeType="tmRoot">
+          <p:childTnLst>
+            <p:seq concurrent="1" nextAc="seek">
+              <p:cTn id="2" dur="indefinite" nodeType="mainSeq">
+                <p:childTnLst>
+                  <p:par>
+                    <p:cTn id="3" fill="hold">
+                      <p:stCondLst>
+                        <p:cond delay="indefinite"/>
+                      </p:stCondLst>
+                      <p:childTnLst>
+                        <p:par>
+                          <p:cTn id="4" fill="hold">
+                            <p:stCondLst>
+                              <p:cond delay="0"/>
+                            </p:stCondLst>
+                            <p:childTnLst>
+                              <p:par>
+                                <p:cTn id="5" presetID="1" presetClass="entr" presetSubtype="0" fill="hold" grpId="0" nodeType="clickEffect">
+                                  <p:stCondLst>
+                                    <p:cond delay="0"/>
+                                  </p:stCondLst>
+                                  <p:childTnLst>
+                                    <p:set>
+                                      <p:cBhvr>
+                                        <p:cTn id="6" dur="1" fill="hold">
+                                          <p:stCondLst>
+                                            <p:cond delay="0"/>
+                                          </p:stCondLst>
+                                        </p:cTn>
+                                        <p:tgtEl>
+                                          <p:spTgt spid="3">
+                                            <p:txEl>
+                                              <p:pRg st="0" end="0"/>
+                                            </p:txEl>
+                                          </p:spTgt>
+                                        </p:tgtEl>
+                                        <p:attrNameLst>
+                                          <p:attrName>style.visibility</p:attrName>
+                                        </p:attrNameLst>
+                                      </p:cBhvr>
+                                      <p:to>
+                                        <p:strVal val="visible"/>
+                                      </p:to>
+                                    </p:set>
+                                  </p:childTnLst>
+                                </p:cTn>
+                              </p:par>
+                              <p:par>
+                                <p:cTn id="7" presetID="1" presetClass="entr" presetSubtype="0" fill="hold" grpId="0" nodeType="withEffect">
+                                  <p:stCondLst>
+                                    <p:cond delay="0"/>
+                                  </p:stCondLst>
+                                  <p:childTnLst>
+                                    <p:set>
+                                      <p:cBhvr>
+                                        <p:cTn id="8" dur="1" fill="hold">
+                                          <p:stCondLst>
+                                            <p:cond delay="0"/>
+                                          </p:stCondLst>
+                                        </p:cTn>
+                                        <p:tgtEl>
+                                          <p:spTgt spid="3">
+                                            <p:txEl>
+                                              <p:pRg st="1" end="1"/>
+                                            </p:txEl>
+                                          </p:spTgt>
+                                        </p:tgtEl>
+                                        <p:attrNameLst>
+                                          <p:attrName>style.visibility</p:attrName>
+                                        </p:attrNameLst>
+                                      </p:cBhvr>
+                                      <p:to>
+                                        <p:strVal val="visible"/>
+                                      </p:to>
+                                    </p:set>
+                                  </p:childTnLst>
+                                </p:cTn>
+                              </p:par>
+                              <p:par>
+                                <p:cTn id="9" presetID="1" presetClass="entr" presetSubtype="0" fill="hold" grpId="0" nodeType="withEffect">
+                                  <p:stCondLst>
+                                    <p:cond delay="0"/>
+                                  </p:stCondLst>
+                                  <p:childTnLst>
+                                    <p:set>
+                                      <p:cBhvr>
+                                        <p:cTn id="10" dur="1" fill="hold">
+                                          <p:stCondLst>
+                                            <p:cond delay="0"/>
+                                          </p:stCondLst>
+                                        </p:cTn>
+                                        <p:tgtEl>
+                                          <p:spTgt spid="3">
+                                            <p:txEl>
+                                              <p:pRg st="2" end="2"/>
+                                            </p:txEl>
+                                          </p:spTgt>
+                                        </p:tgtEl>
+                                        <p:attrNameLst>
+                                          <p:attrName>style.visibility</p:attrName>
+                                        </p:attrNameLst>
+                                      </p:cBhvr>
+                                      <p:to>
+                                        <p:strVal val="visible"/>
+                                      </p:to>
+                                    </p:set>
+                                  </p:childTnLst>
+                                </p:cTn>
+                              </p:par>
+                            </p:childTnLst>
+                          </p:cTn>
+                        </p:par>
+                      </p:childTnLst>
+                    </p:cTn>
+                  </p:par>
+                  <p:par>
+                    <p:cTn id="11" fill="hold">
+                      <p:stCondLst>
+                        <p:cond delay="indefinite"/>
+                      </p:stCondLst>
+                      <p:childTnLst>
+                        <p:par>
+                          <p:cTn id="12" fill="hold">
+                            <p:stCondLst>
+                              <p:cond delay="0"/>
+                            </p:stCondLst>
+                            <p:childTnLst>
+                              <p:par>
+                                <p:cTn id="13" presetID="1" presetClass="entr" presetSubtype="0" fill="hold" grpId="0" nodeType="clickEffect">
+                                  <p:stCondLst>
+                                    <p:cond delay="0"/>
+                                  </p:stCondLst>
+                                  <p:childTnLst>
+                                    <p:set>
+                                      <p:cBhvr>
+                                        <p:cTn id="14" dur="1" fill="hold">
+                                          <p:stCondLst>
+                                            <p:cond delay="0"/>
+                                          </p:stCondLst>
+                                        </p:cTn>
+                                        <p:tgtEl>
+                                          <p:spTgt spid="3">
+                                            <p:txEl>
+                                              <p:pRg st="3" end="3"/>
+                                            </p:txEl>
+                                          </p:spTgt>
+                                        </p:tgtEl>
+                                        <p:attrNameLst>
+                                          <p:attrName>style.visibility</p:attrName>
+                                        </p:attrNameLst>
+                                      </p:cBhvr>
+                                      <p:to>
+                                        <p:strVal val="visible"/>
+                                      </p:to>
+                                    </p:set>
+                                  </p:childTnLst>
+                                </p:cTn>
+                              </p:par>
+                              <p:par>
+                                <p:cTn id="15" presetID="1" presetClass="entr" presetSubtype="0" fill="hold" grpId="0" nodeType="withEffect">
+                                  <p:stCondLst>
+                                    <p:cond delay="0"/>
+                                  </p:stCondLst>
+                                  <p:childTnLst>
+                                    <p:set>
+                                      <p:cBhvr>
+                                        <p:cTn id="16" dur="1" fill="hold">
+                                          <p:stCondLst>
+                                            <p:cond delay="0"/>
+                                          </p:stCondLst>
+                                        </p:cTn>
+                                        <p:tgtEl>
+                                          <p:spTgt spid="3">
+                                            <p:txEl>
+                                              <p:pRg st="4" end="4"/>
+                                            </p:txEl>
+                                          </p:spTgt>
+                                        </p:tgtEl>
+                                        <p:attrNameLst>
+                                          <p:attrName>style.visibility</p:attrName>
+                                        </p:attrNameLst>
+                                      </p:cBhvr>
+                                      <p:to>
+                                        <p:strVal val="visible"/>
+                                      </p:to>
+                                    </p:set>
+                                  </p:childTnLst>
+                                </p:cTn>
+                              </p:par>
+                              <p:par>
+                                <p:cTn id="17" presetID="1" presetClass="entr" presetSubtype="0" fill="hold" grpId="0" nodeType="withEffect">
+                                  <p:stCondLst>
+                                    <p:cond delay="0"/>
+                                  </p:stCondLst>
+                                  <p:childTnLst>
+                                    <p:set>
+                                      <p:cBhvr>
+                                        <p:cTn id="18" dur="1" fill="hold">
+                                          <p:stCondLst>
+                                            <p:cond delay="0"/>
+                                          </p:stCondLst>
+                                        </p:cTn>
+                                        <p:tgtEl>
+                                          <p:spTgt spid="3">
+                                            <p:txEl>
+                                              <p:pRg st="5" end="5"/>
+                                            </p:txEl>
+                                          </p:spTgt>
+                                        </p:tgtEl>
+                                        <p:attrNameLst>
+                                          <p:attrName>style.visibility</p:attrName>
+                                        </p:attrNameLst>
+                                      </p:cBhvr>
+                                      <p:to>
+                                        <p:strVal val="visible"/>
+                                      </p:to>
+                                    </p:set>
+                                  </p:childTnLst>
+                                </p:cTn>
+                              </p:par>
+                              <p:par>
+                                <p:cTn id="19" presetID="1" presetClass="entr" presetSubtype="0" fill="hold" grpId="0" nodeType="withEffect">
+                                  <p:stCondLst>
+                                    <p:cond delay="0"/>
+                                  </p:stCondLst>
+                                  <p:childTnLst>
+                                    <p:set>
+                                      <p:cBhvr>
+                                        <p:cTn id="20" dur="1" fill="hold">
+                                          <p:stCondLst>
+                                            <p:cond delay="0"/>
+                                          </p:stCondLst>
+                                        </p:cTn>
+                                        <p:tgtEl>
+                                          <p:spTgt spid="3">
+                                            <p:txEl>
+                                              <p:pRg st="6" end="6"/>
+                                            </p:txEl>
+                                          </p:spTgt>
+                                        </p:tgtEl>
+                                        <p:attrNameLst>
+                                          <p:attrName>style.visibility</p:attrName>
+                                        </p:attrNameLst>
+                                      </p:cBhvr>
+                                      <p:to>
+                                        <p:strVal val="visible"/>
+                                      </p:to>
+                                    </p:set>
+                                  </p:childTnLst>
+                                </p:cTn>
+                              </p:par>
+                            </p:childTnLst>
+                          </p:cTn>
+                        </p:par>
+                      </p:childTnLst>
+                    </p:cTn>
+                  </p:par>
+                  <p:par>
+                    <p:cTn id="21" fill="hold">
+                      <p:stCondLst>
+                        <p:cond delay="indefinite"/>
+                      </p:stCondLst>
+                      <p:childTnLst>
+                        <p:par>
+                          <p:cTn id="22" fill="hold">
+                            <p:stCondLst>
+                              <p:cond delay="0"/>
+                            </p:stCondLst>
+                            <p:childTnLst>
+                              <p:par>
+                                <p:cTn id="23" presetID="1" presetClass="entr" presetSubtype="0" fill="hold" grpId="0" nodeType="clickEffect">
+                                  <p:stCondLst>
+                                    <p:cond delay="0"/>
+                                  </p:stCondLst>
+                                  <p:childTnLst>
+                                    <p:set>
+                                      <p:cBhvr>
+                                        <p:cTn id="24" dur="1" fill="hold">
+                                          <p:stCondLst>
+                                            <p:cond delay="0"/>
+                                          </p:stCondLst>
+                                        </p:cTn>
+                                        <p:tgtEl>
+                                          <p:spTgt spid="3">
+                                            <p:txEl>
+                                              <p:pRg st="7" end="7"/>
+                                            </p:txEl>
+                                          </p:spTgt>
+                                        </p:tgtEl>
+                                        <p:attrNameLst>
+                                          <p:attrName>style.visibility</p:attrName>
+                                        </p:attrNameLst>
+                                      </p:cBhvr>
+                                      <p:to>
+                                        <p:strVal val="visible"/>
+                                      </p:to>
+                                    </p:set>
+                                  </p:childTnLst>
+                                </p:cTn>
+                              </p:par>
+                              <p:par>
+                                <p:cTn id="25" presetID="1" presetClass="entr" presetSubtype="0" fill="hold" grpId="0" nodeType="withEffect">
+                                  <p:stCondLst>
+                                    <p:cond delay="0"/>
+                                  </p:stCondLst>
+                                  <p:childTnLst>
+                                    <p:set>
+                                      <p:cBhvr>
+                                        <p:cTn id="26" dur="1" fill="hold">
+                                          <p:stCondLst>
+                                            <p:cond delay="0"/>
+                                          </p:stCondLst>
+                                        </p:cTn>
+                                        <p:tgtEl>
+                                          <p:spTgt spid="3">
+                                            <p:txEl>
+                                              <p:pRg st="8" end="8"/>
+                                            </p:txEl>
+                                          </p:spTgt>
+                                        </p:tgtEl>
+                                        <p:attrNameLst>
+                                          <p:attrName>style.visibility</p:attrName>
+                                        </p:attrNameLst>
+                                      </p:cBhvr>
+                                      <p:to>
+                                        <p:strVal val="visible"/>
+                                      </p:to>
+                                    </p:set>
+                                  </p:childTnLst>
+                                </p:cTn>
+                              </p:par>
+                              <p:par>
+                                <p:cTn id="27" presetID="1" presetClass="entr" presetSubtype="0" fill="hold" grpId="0" nodeType="withEffect">
+                                  <p:stCondLst>
+                                    <p:cond delay="0"/>
+                                  </p:stCondLst>
+                                  <p:childTnLst>
+                                    <p:set>
+                                      <p:cBhvr>
+                                        <p:cTn id="28" dur="1" fill="hold">
+                                          <p:stCondLst>
+                                            <p:cond delay="0"/>
+                                          </p:stCondLst>
+                                        </p:cTn>
+                                        <p:tgtEl>
+                                          <p:spTgt spid="3">
+                                            <p:txEl>
+                                              <p:pRg st="9" end="9"/>
+                                            </p:txEl>
+                                          </p:spTgt>
+                                        </p:tgtEl>
+                                        <p:attrNameLst>
+                                          <p:attrName>style.visibility</p:attrName>
+                                        </p:attrNameLst>
+                                      </p:cBhvr>
+                                      <p:to>
+                                        <p:strVal val="visible"/>
+                                      </p:to>
+                                    </p:set>
+                                  </p:childTnLst>
+                                </p:cTn>
+                              </p:par>
+                              <p:par>
+                                <p:cTn id="29" presetID="1" presetClass="entr" presetSubtype="0" fill="hold" grpId="0" nodeType="withEffect">
+                                  <p:stCondLst>
+                                    <p:cond delay="0"/>
+                                  </p:stCondLst>
+                                  <p:childTnLst>
+                                    <p:set>
+                                      <p:cBhvr>
+                                        <p:cTn id="30" dur="1" fill="hold">
+                                          <p:stCondLst>
+                                            <p:cond delay="0"/>
+                                          </p:stCondLst>
+                                        </p:cTn>
+                                        <p:tgtEl>
+                                          <p:spTgt spid="3">
+                                            <p:txEl>
+                                              <p:pRg st="10" end="10"/>
+                                            </p:txEl>
+                                          </p:spTgt>
+                                        </p:tgtEl>
+                                        <p:attrNameLst>
+                                          <p:attrName>style.visibility</p:attrName>
+                                        </p:attrNameLst>
+                                      </p:cBhvr>
+                                      <p:to>
+                                        <p:strVal val="visible"/>
+                                      </p:to>
+                                    </p:set>
+                                  </p:childTnLst>
+                                </p:cTn>
+                              </p:par>
+                            </p:childTnLst>
+                          </p:cTn>
+                        </p:par>
+                      </p:childTnLst>
+                    </p:cTn>
+                  </p:par>
+                  <p:par>
+                    <p:cTn id="31" fill="hold">
+                      <p:stCondLst>
+                        <p:cond delay="indefinite"/>
+                      </p:stCondLst>
+                      <p:childTnLst>
+                        <p:par>
+                          <p:cTn id="32" fill="hold">
+                            <p:stCondLst>
+                              <p:cond delay="0"/>
+                            </p:stCondLst>
+                            <p:childTnLst>
+                              <p:par>
+                                <p:cTn id="33" presetID="1" presetClass="entr" presetSubtype="0" fill="hold" grpId="0" nodeType="clickEffect">
+                                  <p:stCondLst>
+                                    <p:cond delay="0"/>
+                                  </p:stCondLst>
+                                  <p:childTnLst>
+                                    <p:set>
+                                      <p:cBhvr>
+                                        <p:cTn id="34" dur="1" fill="hold">
+                                          <p:stCondLst>
+                                            <p:cond delay="0"/>
+                                          </p:stCondLst>
+                                        </p:cTn>
+                                        <p:tgtEl>
+                                          <p:spTgt spid="3">
+                                            <p:txEl>
+                                              <p:pRg st="11" end="11"/>
+                                            </p:txEl>
+                                          </p:spTgt>
+                                        </p:tgtEl>
+                                        <p:attrNameLst>
+                                          <p:attrName>style.visibility</p:attrName>
+                                        </p:attrNameLst>
+                                      </p:cBhvr>
+                                      <p:to>
+                                        <p:strVal val="visible"/>
+                                      </p:to>
+                                    </p:set>
+                                  </p:childTnLst>
+                                </p:cTn>
+                              </p:par>
+                              <p:par>
+                                <p:cTn id="35" presetID="1" presetClass="entr" presetSubtype="0" fill="hold" grpId="0" nodeType="withEffect">
+                                  <p:stCondLst>
+                                    <p:cond delay="0"/>
+                                  </p:stCondLst>
+                                  <p:childTnLst>
+                                    <p:set>
+                                      <p:cBhvr>
+                                        <p:cTn id="36" dur="1" fill="hold">
+                                          <p:stCondLst>
+                                            <p:cond delay="0"/>
+                                          </p:stCondLst>
+                                        </p:cTn>
+                                        <p:tgtEl>
+                                          <p:spTgt spid="3">
+                                            <p:txEl>
+                                              <p:pRg st="12" end="12"/>
+                                            </p:txEl>
+                                          </p:spTgt>
+                                        </p:tgtEl>
+                                        <p:attrNameLst>
+                                          <p:attrName>style.visibility</p:attrName>
+                                        </p:attrNameLst>
+                                      </p:cBhvr>
+                                      <p:to>
+                                        <p:strVal val="visible"/>
+                                      </p:to>
+                                    </p:set>
+                                  </p:childTnLst>
+                                </p:cTn>
+                              </p:par>
+                              <p:par>
+                                <p:cTn id="37" presetID="1" presetClass="entr" presetSubtype="0" fill="hold" grpId="0" nodeType="withEffect">
+                                  <p:stCondLst>
+                                    <p:cond delay="0"/>
+                                  </p:stCondLst>
+                                  <p:childTnLst>
+                                    <p:set>
+                                      <p:cBhvr>
+                                        <p:cTn id="38" dur="1" fill="hold">
+                                          <p:stCondLst>
+                                            <p:cond delay="0"/>
+                                          </p:stCondLst>
+                                        </p:cTn>
+                                        <p:tgtEl>
+                                          <p:spTgt spid="3">
+                                            <p:txEl>
+                                              <p:pRg st="13" end="13"/>
+                                            </p:txEl>
+                                          </p:spTgt>
+                                        </p:tgtEl>
+                                        <p:attrNameLst>
+                                          <p:attrName>style.visibility</p:attrName>
+                                        </p:attrNameLst>
+                                      </p:cBhvr>
+                                      <p:to>
+                                        <p:strVal val="visible"/>
+                                      </p:to>
+                                    </p:set>
+                                  </p:childTnLst>
+                                </p:cTn>
+                              </p:par>
+                              <p:par>
+                                <p:cTn id="39" presetID="1" presetClass="entr" presetSubtype="0" fill="hold" grpId="0" nodeType="withEffect">
+                                  <p:stCondLst>
+                                    <p:cond delay="0"/>
+                                  </p:stCondLst>
+                                  <p:childTnLst>
+                                    <p:set>
+                                      <p:cBhvr>
+                                        <p:cTn id="40" dur="1" fill="hold">
+                                          <p:stCondLst>
+                                            <p:cond delay="0"/>
+                                          </p:stCondLst>
+                                        </p:cTn>
+                                        <p:tgtEl>
+                                          <p:spTgt spid="3">
+                                            <p:txEl>
+                                              <p:pRg st="14" end="14"/>
+                                            </p:txEl>
+                                          </p:spTgt>
+                                        </p:tgtEl>
+                                        <p:attrNameLst>
+                                          <p:attrName>style.visibility</p:attrName>
+                                        </p:attrNameLst>
+                                      </p:cBhvr>
+                                      <p:to>
+                                        <p:strVal val="visible"/>
+                                      </p:to>
+                                    </p:set>
+                                  </p:childTnLst>
+                                </p:cTn>
+                              </p:par>
+                              <p:par>
+                                <p:cTn id="41" presetID="1" presetClass="entr" presetSubtype="0" fill="hold" grpId="0" nodeType="withEffect">
+                                  <p:stCondLst>
+                                    <p:cond delay="0"/>
+                                  </p:stCondLst>
+                                  <p:childTnLst>
+                                    <p:set>
+                                      <p:cBhvr>
+                                        <p:cTn id="42" dur="1" fill="hold">
+                                          <p:stCondLst>
+                                            <p:cond delay="0"/>
+                                          </p:stCondLst>
+                                        </p:cTn>
+                                        <p:tgtEl>
+                                          <p:spTgt spid="3">
+                                            <p:txEl>
+                                              <p:pRg st="15" end="15"/>
+                                            </p:txEl>
+                                          </p:spTgt>
+                                        </p:tgtEl>
+                                        <p:attrNameLst>
+                                          <p:attrName>style.visibility</p:attrName>
+                                        </p:attrNameLst>
+                                      </p:cBhvr>
+                                      <p:to>
+                                        <p:strVal val="visible"/>
+                                      </p:to>
+                                    </p:set>
+                                  </p:childTnLst>
+                                </p:cTn>
+                              </p:par>
+                            </p:childTnLst>
+                          </p:cTn>
+                        </p:par>
+                      </p:childTnLst>
+                    </p:cTn>
+                  </p:par>
+                </p:childTnLst>
+              </p:cTn>
+              <p:prevCondLst>
+                <p:cond evt="onPrev" delay="0">
+                  <p:tgtEl>
+                    <p:sldTgt/>
+                  </p:tgtEl>
+                </p:cond>
+              </p:prevCondLst>
+              <p:nextCondLst>
+                <p:cond evt="onNext" delay="0">
+                  <p:tgtEl>
+                    <p:sldTgt/>
+                  </p:tgtEl>
+                </p:cond>
+              </p:nextCondLst>
+            </p:seq>
+          </p:childTnLst>
+        </p:cTn>
+      </p:par>
+    </p:tnLst>
+    <p:bldLst>
+      <p:bldP spid="3" grpId="0" build="p"/>
+    </p:bldLst>
+  </p:timing>
+</p:sld>
+</file>
+
+<file path=ppt/slides/slide12.xml><?xml version="1.0" encoding="utf-8"?>
+<p:sld xmlns:a="http://schemas.openxmlformats.org/drawingml/2006/main" xmlns:r="http://schemas.openxmlformats.org/officeDocument/2006/relationships" xmlns:p="http://schemas.openxmlformats.org/presentationml/2006/main">
+  <p:cSld>
+    <p:spTree>
+      <p:nvGrpSpPr>
+        <p:cNvPr id="1" name=""/>
+        <p:cNvGrpSpPr/>
+        <p:nvPr/>
+      </p:nvGrpSpPr>
+      <p:grpSpPr>
+        <a:xfrm>
+          <a:off x="0" y="0"/>
+          <a:ext cx="0" cy="0"/>
+          <a:chOff x="0" y="0"/>
+          <a:chExt cx="0" cy="0"/>
+        </a:xfrm>
+      </p:grpSpPr>
+      <p:sp>
+        <p:nvSpPr>
+          <p:cNvPr id="2" name="Title 1">
+            <a:extLst>
+              <a:ext uri="{FF2B5EF4-FFF2-40B4-BE49-F238E27FC236}">
+                <a16:creationId xmlns:a16="http://schemas.microsoft.com/office/drawing/2014/main" id="{7AF21C41-5414-4FAF-BC36-BE5BBC5984E5}"/>
+              </a:ext>
+            </a:extLst>
+          </p:cNvPr>
+          <p:cNvSpPr>
+            <a:spLocks noGrp="1"/>
+          </p:cNvSpPr>
+          <p:nvPr>
+            <p:ph type="title"/>
+          </p:nvPr>
+        </p:nvSpPr>
+        <p:spPr/>
+        <p:txBody>
+          <a:bodyPr/>
+          <a:lstStyle/>
+          <a:p>
+            <a:r>
+              <a:rPr lang="en-GB" dirty="0"/>
+              <a:t>Installation</a:t>
+            </a:r>
+          </a:p>
+        </p:txBody>
+      </p:sp>
+      <p:sp>
+        <p:nvSpPr>
+          <p:cNvPr id="3" name="Content Placeholder 2">
+            <a:extLst>
+              <a:ext uri="{FF2B5EF4-FFF2-40B4-BE49-F238E27FC236}">
+                <a16:creationId xmlns:a16="http://schemas.microsoft.com/office/drawing/2014/main" id="{013D20CF-1E7A-47E5-B747-63D8CCFA8F2A}"/>
+              </a:ext>
+            </a:extLst>
+          </p:cNvPr>
+          <p:cNvSpPr>
+            <a:spLocks noGrp="1"/>
+          </p:cNvSpPr>
+          <p:nvPr>
+            <p:ph idx="1"/>
+          </p:nvPr>
+        </p:nvSpPr>
+        <p:spPr/>
+        <p:txBody>
+          <a:bodyPr/>
+          <a:lstStyle/>
+          <a:p>
+            <a:r>
+              <a:rPr lang="en-GB" dirty="0"/>
+              <a:t>Not yet on CRAN, only GitHub:</a:t>
+            </a:r>
+          </a:p>
+          <a:p>
+            <a:endParaRPr lang="en-GB" dirty="0"/>
+          </a:p>
+          <a:p>
+            <a:endParaRPr lang="en-GB" dirty="0"/>
+          </a:p>
+          <a:p>
+            <a:r>
+              <a:rPr lang="en-GB" dirty="0"/>
+              <a:t>Currently, </a:t>
+            </a:r>
+            <a:r>
+              <a:rPr lang="en-GB" dirty="0" err="1">
+                <a:latin typeface="Consolas" panose="020B0609020204030204" pitchFamily="49" charset="0"/>
+              </a:rPr>
+              <a:t>stanova</a:t>
+            </a:r>
+            <a:r>
+              <a:rPr lang="en-GB" dirty="0"/>
+              <a:t> only works with </a:t>
+            </a:r>
+            <a:r>
+              <a:rPr lang="en-GB" dirty="0" err="1">
+                <a:latin typeface="Consolas" panose="020B0609020204030204" pitchFamily="49" charset="0"/>
+              </a:rPr>
+              <a:t>emmeans</a:t>
+            </a:r>
+            <a:r>
+              <a:rPr lang="en-GB" dirty="0"/>
+              <a:t> version </a:t>
+            </a:r>
+            <a:r>
+              <a:rPr lang="en-GB" dirty="0">
+                <a:latin typeface="Consolas" panose="020B0609020204030204" pitchFamily="49" charset="0"/>
+              </a:rPr>
+              <a:t>1.4.7</a:t>
+            </a:r>
+            <a:r>
+              <a:rPr lang="en-GB" dirty="0"/>
+              <a:t> or older.</a:t>
+            </a:r>
+          </a:p>
+          <a:p>
+            <a:endParaRPr lang="en-GB" dirty="0"/>
+          </a:p>
+          <a:p>
+            <a:endParaRPr lang="en-GB" dirty="0"/>
+          </a:p>
+          <a:p>
+            <a:r>
+              <a:rPr lang="en-GB" dirty="0"/>
+              <a:t>After installation attach once per </a:t>
+            </a:r>
+            <a:r>
+              <a:rPr lang="en-GB" dirty="0">
+                <a:latin typeface="Consolas" panose="020B0609020204030204" pitchFamily="49" charset="0"/>
+              </a:rPr>
+              <a:t>R</a:t>
+            </a:r>
+            <a:r>
+              <a:rPr lang="en-GB" dirty="0"/>
+              <a:t> session:</a:t>
+            </a:r>
+          </a:p>
+          <a:p>
+            <a:endParaRPr lang="en-GB" dirty="0"/>
+          </a:p>
+        </p:txBody>
+      </p:sp>
+      <p:sp>
+        <p:nvSpPr>
+          <p:cNvPr id="5" name="TextBox 4">
+            <a:extLst>
+              <a:ext uri="{FF2B5EF4-FFF2-40B4-BE49-F238E27FC236}">
+                <a16:creationId xmlns:a16="http://schemas.microsoft.com/office/drawing/2014/main" id="{1FC0B0C8-2733-4015-A003-E06F54E13B7A}"/>
+              </a:ext>
+            </a:extLst>
+          </p:cNvPr>
+          <p:cNvSpPr txBox="1"/>
+          <p:nvPr/>
+        </p:nvSpPr>
+        <p:spPr>
+          <a:xfrm>
+            <a:off x="611397" y="2353891"/>
+            <a:ext cx="7886700" cy="707886"/>
+          </a:xfrm>
+          <a:prstGeom prst="rect">
+            <a:avLst/>
+          </a:prstGeom>
+          <a:solidFill>
+            <a:schemeClr val="bg1">
+              <a:lumMod val="95000"/>
+            </a:schemeClr>
+          </a:solidFill>
+          <a:ln>
+            <a:solidFill>
+              <a:schemeClr val="bg1">
+                <a:lumMod val="85000"/>
+              </a:schemeClr>
+            </a:solidFill>
+          </a:ln>
+        </p:spPr>
+        <p:txBody>
+          <a:bodyPr wrap="square">
+            <a:spAutoFit/>
+          </a:bodyPr>
+          <a:lstStyle/>
+          <a:p>
+            <a:r>
+              <a:rPr lang="en-GB" sz="2000" dirty="0" err="1">
+                <a:latin typeface="Consolas" panose="020B0609020204030204" pitchFamily="49" charset="0"/>
+              </a:rPr>
+              <a:t>install.packages</a:t>
+            </a:r>
+            <a:r>
+              <a:rPr lang="en-GB" sz="2000" dirty="0">
+                <a:latin typeface="Consolas" panose="020B0609020204030204" pitchFamily="49" charset="0"/>
+              </a:rPr>
+              <a:t>("</a:t>
+            </a:r>
+            <a:r>
+              <a:rPr lang="en-GB" sz="2000" dirty="0" err="1">
+                <a:latin typeface="Consolas" panose="020B0609020204030204" pitchFamily="49" charset="0"/>
+              </a:rPr>
+              <a:t>devtools</a:t>
+            </a:r>
+            <a:r>
+              <a:rPr lang="en-GB" sz="2000" dirty="0">
+                <a:latin typeface="Consolas" panose="020B0609020204030204" pitchFamily="49" charset="0"/>
+              </a:rPr>
+              <a:t>")</a:t>
+            </a:r>
+          </a:p>
+          <a:p>
+            <a:r>
+              <a:rPr lang="en-GB" sz="2000" dirty="0" err="1">
+                <a:latin typeface="Consolas" panose="020B0609020204030204" pitchFamily="49" charset="0"/>
+              </a:rPr>
+              <a:t>devtools</a:t>
+            </a:r>
+            <a:r>
+              <a:rPr lang="en-GB" sz="2000" dirty="0">
+                <a:latin typeface="Consolas" panose="020B0609020204030204" pitchFamily="49" charset="0"/>
+              </a:rPr>
+              <a:t>::</a:t>
+            </a:r>
+            <a:r>
+              <a:rPr lang="en-GB" sz="2000" dirty="0" err="1">
+                <a:latin typeface="Consolas" panose="020B0609020204030204" pitchFamily="49" charset="0"/>
+              </a:rPr>
+              <a:t>install_github</a:t>
+            </a:r>
+            <a:r>
+              <a:rPr lang="en-GB" sz="2000" dirty="0">
+                <a:latin typeface="Consolas" panose="020B0609020204030204" pitchFamily="49" charset="0"/>
+              </a:rPr>
+              <a:t>("</a:t>
+            </a:r>
+            <a:r>
+              <a:rPr lang="en-GB" sz="2000" dirty="0" err="1">
+                <a:latin typeface="Consolas" panose="020B0609020204030204" pitchFamily="49" charset="0"/>
+              </a:rPr>
+              <a:t>bayesstuff</a:t>
+            </a:r>
+            <a:r>
+              <a:rPr lang="en-GB" sz="2000" dirty="0">
+                <a:latin typeface="Consolas" panose="020B0609020204030204" pitchFamily="49" charset="0"/>
+              </a:rPr>
+              <a:t>/</a:t>
+            </a:r>
+            <a:r>
+              <a:rPr lang="en-GB" sz="2000" dirty="0" err="1">
+                <a:latin typeface="Consolas" panose="020B0609020204030204" pitchFamily="49" charset="0"/>
+              </a:rPr>
+              <a:t>stanova</a:t>
+            </a:r>
+            <a:r>
+              <a:rPr lang="en-GB" sz="2000" dirty="0">
+                <a:latin typeface="Consolas" panose="020B0609020204030204" pitchFamily="49" charset="0"/>
+              </a:rPr>
+              <a:t>")</a:t>
+            </a:r>
+          </a:p>
+        </p:txBody>
+      </p:sp>
+      <p:sp>
+        <p:nvSpPr>
+          <p:cNvPr id="8" name="TextBox 7">
+            <a:extLst>
+              <a:ext uri="{FF2B5EF4-FFF2-40B4-BE49-F238E27FC236}">
+                <a16:creationId xmlns:a16="http://schemas.microsoft.com/office/drawing/2014/main" id="{AF9F5CA1-B26E-4378-9EE6-2BC958BDC8C9}"/>
+              </a:ext>
+            </a:extLst>
+          </p:cNvPr>
+          <p:cNvSpPr txBox="1"/>
+          <p:nvPr/>
+        </p:nvSpPr>
+        <p:spPr>
+          <a:xfrm>
+            <a:off x="628650" y="4339178"/>
+            <a:ext cx="7886700" cy="707886"/>
+          </a:xfrm>
+          <a:prstGeom prst="rect">
+            <a:avLst/>
+          </a:prstGeom>
+          <a:solidFill>
+            <a:schemeClr val="bg1">
+              <a:lumMod val="95000"/>
+            </a:schemeClr>
+          </a:solidFill>
+          <a:ln>
+            <a:solidFill>
+              <a:schemeClr val="bg1">
+                <a:lumMod val="85000"/>
+              </a:schemeClr>
+            </a:solidFill>
+          </a:ln>
+        </p:spPr>
+        <p:txBody>
+          <a:bodyPr wrap="square">
+            <a:spAutoFit/>
+          </a:bodyPr>
+          <a:lstStyle/>
+          <a:p>
+            <a:r>
+              <a:rPr lang="en-GB" sz="2000" dirty="0" err="1">
+                <a:latin typeface="Consolas" panose="020B0609020204030204" pitchFamily="49" charset="0"/>
+              </a:rPr>
+              <a:t>devtools</a:t>
+            </a:r>
+            <a:r>
+              <a:rPr lang="en-GB" sz="2000" dirty="0">
+                <a:latin typeface="Consolas" panose="020B0609020204030204" pitchFamily="49" charset="0"/>
+              </a:rPr>
+              <a:t>::</a:t>
+            </a:r>
+            <a:r>
+              <a:rPr lang="en-GB" sz="2000" dirty="0" err="1">
+                <a:latin typeface="Consolas" panose="020B0609020204030204" pitchFamily="49" charset="0"/>
+              </a:rPr>
+              <a:t>install_version</a:t>
+            </a:r>
+            <a:r>
+              <a:rPr lang="en-GB" sz="2000" dirty="0">
+                <a:latin typeface="Consolas" panose="020B0609020204030204" pitchFamily="49" charset="0"/>
+              </a:rPr>
+              <a:t>("</a:t>
+            </a:r>
+            <a:r>
+              <a:rPr lang="en-GB" sz="2000" dirty="0" err="1">
+                <a:latin typeface="Consolas" panose="020B0609020204030204" pitchFamily="49" charset="0"/>
+              </a:rPr>
+              <a:t>emmeans</a:t>
+            </a:r>
+            <a:r>
+              <a:rPr lang="en-GB" sz="2000" dirty="0">
+                <a:latin typeface="Consolas" panose="020B0609020204030204" pitchFamily="49" charset="0"/>
+              </a:rPr>
+              <a:t>", version = "1.4.7", </a:t>
+            </a:r>
+          </a:p>
+          <a:p>
+            <a:r>
+              <a:rPr lang="en-GB" sz="2000" dirty="0">
+                <a:latin typeface="Consolas" panose="020B0609020204030204" pitchFamily="49" charset="0"/>
+              </a:rPr>
+              <a:t>								upgrade = "never")</a:t>
+            </a:r>
+          </a:p>
+        </p:txBody>
+      </p:sp>
+      <p:sp>
+        <p:nvSpPr>
+          <p:cNvPr id="9" name="TextBox 8">
+            <a:extLst>
+              <a:ext uri="{FF2B5EF4-FFF2-40B4-BE49-F238E27FC236}">
+                <a16:creationId xmlns:a16="http://schemas.microsoft.com/office/drawing/2014/main" id="{6A2BD8A6-C713-4E40-968B-7261A20798E3}"/>
+              </a:ext>
+            </a:extLst>
+          </p:cNvPr>
+          <p:cNvSpPr txBox="1"/>
+          <p:nvPr/>
+        </p:nvSpPr>
+        <p:spPr>
+          <a:xfrm>
+            <a:off x="645903" y="5753834"/>
+            <a:ext cx="7886700" cy="400110"/>
+          </a:xfrm>
+          <a:prstGeom prst="rect">
+            <a:avLst/>
+          </a:prstGeom>
+          <a:solidFill>
+            <a:schemeClr val="bg1">
+              <a:lumMod val="95000"/>
+            </a:schemeClr>
+          </a:solidFill>
+          <a:ln>
+            <a:solidFill>
+              <a:schemeClr val="bg1">
+                <a:lumMod val="85000"/>
+              </a:schemeClr>
+            </a:solidFill>
+          </a:ln>
+        </p:spPr>
+        <p:txBody>
+          <a:bodyPr wrap="square">
+            <a:spAutoFit/>
+          </a:bodyPr>
+          <a:lstStyle/>
+          <a:p>
+            <a:r>
+              <a:rPr lang="en-GB" sz="2000" dirty="0">
+                <a:latin typeface="Consolas" panose="020B0609020204030204" pitchFamily="49" charset="0"/>
+              </a:rPr>
+              <a:t>library("</a:t>
+            </a:r>
+            <a:r>
+              <a:rPr lang="en-GB" sz="2000" dirty="0" err="1">
+                <a:latin typeface="Consolas" panose="020B0609020204030204" pitchFamily="49" charset="0"/>
+              </a:rPr>
+              <a:t>stanova</a:t>
+            </a:r>
+            <a:r>
+              <a:rPr lang="en-GB" sz="2000" dirty="0">
+                <a:latin typeface="Consolas" panose="020B0609020204030204" pitchFamily="49" charset="0"/>
+              </a:rPr>
+              <a:t>")</a:t>
+            </a:r>
+          </a:p>
+        </p:txBody>
+      </p:sp>
+      <p:pic>
+        <p:nvPicPr>
+          <p:cNvPr id="10" name="Graphic 9">
+            <a:extLst>
+              <a:ext uri="{FF2B5EF4-FFF2-40B4-BE49-F238E27FC236}">
+                <a16:creationId xmlns:a16="http://schemas.microsoft.com/office/drawing/2014/main" id="{0FFD7384-21E6-431D-A471-425D5BF89AE4}"/>
+              </a:ext>
+            </a:extLst>
+          </p:cNvPr>
+          <p:cNvPicPr>
+            <a:picLocks noChangeAspect="1"/>
+          </p:cNvPicPr>
+          <p:nvPr/>
+        </p:nvPicPr>
+        <p:blipFill>
+          <a:blip r:embed="rId2">
+            <a:extLst>
+              <a:ext uri="{28A0092B-C50C-407E-A947-70E740481C1C}">
+                <a14:useLocalDpi xmlns:a14="http://schemas.microsoft.com/office/drawing/2010/main" val="0"/>
+              </a:ext>
+              <a:ext uri="{96DAC541-7B7A-43D3-8B79-37D633B846F1}">
+                <asvg:svgBlip xmlns:asvg="http://schemas.microsoft.com/office/drawing/2016/SVG/main" r:embed="rId3"/>
+              </a:ext>
+            </a:extLst>
+          </a:blip>
+          <a:stretch>
+            <a:fillRect/>
+          </a:stretch>
+        </p:blipFill>
+        <p:spPr>
+          <a:xfrm>
+            <a:off x="7812297" y="764392"/>
+            <a:ext cx="685800" cy="531400"/>
+          </a:xfrm>
+          <a:prstGeom prst="rect">
+            <a:avLst/>
+          </a:prstGeom>
+        </p:spPr>
+      </p:pic>
+    </p:spTree>
+    <p:extLst>
+      <p:ext uri="{BB962C8B-B14F-4D97-AF65-F5344CB8AC3E}">
+        <p14:creationId xmlns:p14="http://schemas.microsoft.com/office/powerpoint/2010/main" val="701405396"/>
+      </p:ext>
+    </p:extLst>
+  </p:cSld>
+  <p:clrMapOvr>
+    <a:masterClrMapping/>
+  </p:clrMapOvr>
+  <p:timing>
+    <p:tnLst>
+      <p:par>
+        <p:cTn id="1" dur="indefinite" restart="never" nodeType="tmRoot">
+          <p:childTnLst>
+            <p:seq concurrent="1" nextAc="seek">
+              <p:cTn id="2" dur="indefinite" nodeType="mainSeq">
+                <p:childTnLst>
+                  <p:par>
+                    <p:cTn id="3" fill="hold">
+                      <p:stCondLst>
+                        <p:cond delay="indefinite"/>
+                      </p:stCondLst>
+                      <p:childTnLst>
+                        <p:par>
+                          <p:cTn id="4" fill="hold">
+                            <p:stCondLst>
+                              <p:cond delay="0"/>
+                            </p:stCondLst>
+                            <p:childTnLst>
+                              <p:par>
+                                <p:cTn id="5" presetID="1" presetClass="entr" presetSubtype="0" fill="hold" grpId="0" nodeType="clickEffect">
+                                  <p:stCondLst>
+                                    <p:cond delay="0"/>
+                                  </p:stCondLst>
+                                  <p:childTnLst>
+                                    <p:set>
+                                      <p:cBhvr>
+                                        <p:cTn id="6" dur="1" fill="hold">
+                                          <p:stCondLst>
+                                            <p:cond delay="0"/>
+                                          </p:stCondLst>
+                                        </p:cTn>
+                                        <p:tgtEl>
+                                          <p:spTgt spid="3">
+                                            <p:txEl>
+                                              <p:pRg st="0" end="0"/>
+                                            </p:txEl>
+                                          </p:spTgt>
+                                        </p:tgtEl>
+                                        <p:attrNameLst>
+                                          <p:attrName>style.visibility</p:attrName>
+                                        </p:attrNameLst>
+                                      </p:cBhvr>
+                                      <p:to>
+                                        <p:strVal val="visible"/>
+                                      </p:to>
+                                    </p:set>
+                                  </p:childTnLst>
+                                </p:cTn>
+                              </p:par>
+                              <p:par>
+                                <p:cTn id="7" presetID="1" presetClass="entr" presetSubtype="0" fill="hold" grpId="0" nodeType="withEffect">
+                                  <p:stCondLst>
+                                    <p:cond delay="0"/>
+                                  </p:stCondLst>
+                                  <p:childTnLst>
+                                    <p:set>
+                                      <p:cBhvr>
+                                        <p:cTn id="8" dur="1" fill="hold">
+                                          <p:stCondLst>
+                                            <p:cond delay="0"/>
+                                          </p:stCondLst>
+                                        </p:cTn>
+                                        <p:tgtEl>
+                                          <p:spTgt spid="5"/>
+                                        </p:tgtEl>
+                                        <p:attrNameLst>
+                                          <p:attrName>style.visibility</p:attrName>
+                                        </p:attrNameLst>
+                                      </p:cBhvr>
+                                      <p:to>
+                                        <p:strVal val="visible"/>
+                                      </p:to>
+                                    </p:set>
+                                  </p:childTnLst>
+                                </p:cTn>
+                              </p:par>
+                            </p:childTnLst>
+                          </p:cTn>
+                        </p:par>
+                      </p:childTnLst>
+                    </p:cTn>
+                  </p:par>
+                  <p:par>
+                    <p:cTn id="9" fill="hold">
+                      <p:stCondLst>
+                        <p:cond delay="indefinite"/>
+                      </p:stCondLst>
+                      <p:childTnLst>
+                        <p:par>
+                          <p:cTn id="10" fill="hold">
+                            <p:stCondLst>
+                              <p:cond delay="0"/>
+                            </p:stCondLst>
+                            <p:childTnLst>
+                              <p:par>
+                                <p:cTn id="11" presetID="1" presetClass="entr" presetSubtype="0" fill="hold" grpId="0" nodeType="clickEffect">
+                                  <p:stCondLst>
+                                    <p:cond delay="0"/>
+                                  </p:stCondLst>
+                                  <p:childTnLst>
+                                    <p:set>
+                                      <p:cBhvr>
+                                        <p:cTn id="12" dur="1" fill="hold">
+                                          <p:stCondLst>
+                                            <p:cond delay="0"/>
+                                          </p:stCondLst>
+                                        </p:cTn>
+                                        <p:tgtEl>
+                                          <p:spTgt spid="3">
+                                            <p:txEl>
+                                              <p:pRg st="3" end="3"/>
+                                            </p:txEl>
+                                          </p:spTgt>
+                                        </p:tgtEl>
+                                        <p:attrNameLst>
+                                          <p:attrName>style.visibility</p:attrName>
+                                        </p:attrNameLst>
+                                      </p:cBhvr>
+                                      <p:to>
+                                        <p:strVal val="visible"/>
+                                      </p:to>
+                                    </p:set>
+                                  </p:childTnLst>
+                                </p:cTn>
+                              </p:par>
+                              <p:par>
+                                <p:cTn id="13" presetID="1" presetClass="entr" presetSubtype="0" fill="hold" grpId="0" nodeType="withEffect">
+                                  <p:stCondLst>
+                                    <p:cond delay="0"/>
+                                  </p:stCondLst>
+                                  <p:childTnLst>
+                                    <p:set>
+                                      <p:cBhvr>
+                                        <p:cTn id="14" dur="1" fill="hold">
+                                          <p:stCondLst>
+                                            <p:cond delay="0"/>
+                                          </p:stCondLst>
+                                        </p:cTn>
+                                        <p:tgtEl>
+                                          <p:spTgt spid="8"/>
+                                        </p:tgtEl>
+                                        <p:attrNameLst>
+                                          <p:attrName>style.visibility</p:attrName>
+                                        </p:attrNameLst>
+                                      </p:cBhvr>
+                                      <p:to>
+                                        <p:strVal val="visible"/>
+                                      </p:to>
+                                    </p:set>
+                                  </p:childTnLst>
+                                </p:cTn>
+                              </p:par>
+                            </p:childTnLst>
+                          </p:cTn>
+                        </p:par>
+                      </p:childTnLst>
+                    </p:cTn>
+                  </p:par>
+                  <p:par>
+                    <p:cTn id="15" fill="hold">
+                      <p:stCondLst>
+                        <p:cond delay="indefinite"/>
+                      </p:stCondLst>
+                      <p:childTnLst>
+                        <p:par>
+                          <p:cTn id="16" fill="hold">
+                            <p:stCondLst>
+                              <p:cond delay="0"/>
+                            </p:stCondLst>
+                            <p:childTnLst>
+                              <p:par>
+                                <p:cTn id="17" presetID="1" presetClass="entr" presetSubtype="0" fill="hold" grpId="0" nodeType="clickEffect">
+                                  <p:stCondLst>
+                                    <p:cond delay="0"/>
+                                  </p:stCondLst>
+                                  <p:childTnLst>
+                                    <p:set>
+                                      <p:cBhvr>
+                                        <p:cTn id="18" dur="1" fill="hold">
+                                          <p:stCondLst>
+                                            <p:cond delay="0"/>
+                                          </p:stCondLst>
+                                        </p:cTn>
+                                        <p:tgtEl>
+                                          <p:spTgt spid="3">
+                                            <p:txEl>
+                                              <p:pRg st="6" end="6"/>
+                                            </p:txEl>
+                                          </p:spTgt>
+                                        </p:tgtEl>
+                                        <p:attrNameLst>
+                                          <p:attrName>style.visibility</p:attrName>
+                                        </p:attrNameLst>
+                                      </p:cBhvr>
+                                      <p:to>
+                                        <p:strVal val="visible"/>
+                                      </p:to>
+                                    </p:set>
+                                  </p:childTnLst>
+                                </p:cTn>
+                              </p:par>
+                              <p:par>
+                                <p:cTn id="19" presetID="1" presetClass="entr" presetSubtype="0" fill="hold" grpId="0" nodeType="withEffect">
+                                  <p:stCondLst>
+                                    <p:cond delay="0"/>
+                                  </p:stCondLst>
+                                  <p:childTnLst>
+                                    <p:set>
+                                      <p:cBhvr>
+                                        <p:cTn id="20" dur="1" fill="hold">
+                                          <p:stCondLst>
+                                            <p:cond delay="0"/>
+                                          </p:stCondLst>
+                                        </p:cTn>
+                                        <p:tgtEl>
+                                          <p:spTgt spid="9"/>
+                                        </p:tgtEl>
+                                        <p:attrNameLst>
+                                          <p:attrName>style.visibility</p:attrName>
+                                        </p:attrNameLst>
+                                      </p:cBhvr>
+                                      <p:to>
+                                        <p:strVal val="visible"/>
+                                      </p:to>
+                                    </p:set>
+                                  </p:childTnLst>
+                                </p:cTn>
+                              </p:par>
+                            </p:childTnLst>
+                          </p:cTn>
+                        </p:par>
+                      </p:childTnLst>
+                    </p:cTn>
+                  </p:par>
+                </p:childTnLst>
+              </p:cTn>
+              <p:prevCondLst>
+                <p:cond evt="onPrev" delay="0">
+                  <p:tgtEl>
+                    <p:sldTgt/>
+                  </p:tgtEl>
+                </p:cond>
+              </p:prevCondLst>
+              <p:nextCondLst>
+                <p:cond evt="onNext" delay="0">
+                  <p:tgtEl>
+                    <p:sldTgt/>
+                  </p:tgtEl>
+                </p:cond>
+              </p:nextCondLst>
+            </p:seq>
+          </p:childTnLst>
+        </p:cTn>
+      </p:par>
+    </p:tnLst>
+    <p:bldLst>
+      <p:bldP spid="3" grpId="0" uiExpand="1" build="p"/>
+      <p:bldP spid="5" grpId="0" animBg="1"/>
+      <p:bldP spid="8" grpId="0" animBg="1"/>
+      <p:bldP spid="9" grpId="0" animBg="1"/>
+    </p:bldLst>
+  </p:timing>
 </p:sld>
 </file>
 
@@ -3508,7 +5842,7 @@
         </p:spPr>
         <p:txBody>
           <a:bodyPr>
-            <a:normAutofit fontScale="85000" lnSpcReduction="20000"/>
+            <a:normAutofit fontScale="77500" lnSpcReduction="20000"/>
           </a:bodyPr>
           <a:lstStyle/>
           <a:p>
@@ -3629,7 +5963,21 @@
           <a:p>
             <a:r>
               <a:rPr lang="en-GB" dirty="0"/>
-              <a:t>Script for talk available at: URL</a:t>
+              <a:t>Script for talk available at:</a:t>
+            </a:r>
+          </a:p>
+          <a:p>
+            <a:pPr lvl="1"/>
+            <a:r>
+              <a:rPr lang="en-GB" dirty="0"/>
+              <a:t>http://singmann.org/download/r/stanova_mathpsych2020.html</a:t>
+            </a:r>
+          </a:p>
+          <a:p>
+            <a:pPr lvl="1"/>
+            <a:r>
+              <a:rPr lang="en-GB" dirty="0"/>
+              <a:t>http://singmann.org/download/r/stanova_mathpsych2020.Rmd</a:t>
             </a:r>
           </a:p>
         </p:txBody>
@@ -3644,6 +5992,434 @@
   <p:clrMapOvr>
     <a:masterClrMapping/>
   </p:clrMapOvr>
+  <p:timing>
+    <p:tnLst>
+      <p:par>
+        <p:cTn id="1" dur="indefinite" restart="never" nodeType="tmRoot">
+          <p:childTnLst>
+            <p:seq concurrent="1" nextAc="seek">
+              <p:cTn id="2" dur="indefinite" nodeType="mainSeq">
+                <p:childTnLst>
+                  <p:par>
+                    <p:cTn id="3" fill="hold">
+                      <p:stCondLst>
+                        <p:cond delay="indefinite"/>
+                      </p:stCondLst>
+                      <p:childTnLst>
+                        <p:par>
+                          <p:cTn id="4" fill="hold">
+                            <p:stCondLst>
+                              <p:cond delay="0"/>
+                            </p:stCondLst>
+                            <p:childTnLst>
+                              <p:par>
+                                <p:cTn id="5" presetID="1" presetClass="entr" presetSubtype="0" fill="hold" grpId="0" nodeType="clickEffect">
+                                  <p:stCondLst>
+                                    <p:cond delay="0"/>
+                                  </p:stCondLst>
+                                  <p:childTnLst>
+                                    <p:set>
+                                      <p:cBhvr>
+                                        <p:cTn id="6" dur="1" fill="hold">
+                                          <p:stCondLst>
+                                            <p:cond delay="0"/>
+                                          </p:stCondLst>
+                                        </p:cTn>
+                                        <p:tgtEl>
+                                          <p:spTgt spid="3">
+                                            <p:txEl>
+                                              <p:pRg st="0" end="0"/>
+                                            </p:txEl>
+                                          </p:spTgt>
+                                        </p:tgtEl>
+                                        <p:attrNameLst>
+                                          <p:attrName>style.visibility</p:attrName>
+                                        </p:attrNameLst>
+                                      </p:cBhvr>
+                                      <p:to>
+                                        <p:strVal val="visible"/>
+                                      </p:to>
+                                    </p:set>
+                                  </p:childTnLst>
+                                </p:cTn>
+                              </p:par>
+                              <p:par>
+                                <p:cTn id="7" presetID="1" presetClass="entr" presetSubtype="0" fill="hold" grpId="0" nodeType="withEffect">
+                                  <p:stCondLst>
+                                    <p:cond delay="0"/>
+                                  </p:stCondLst>
+                                  <p:childTnLst>
+                                    <p:set>
+                                      <p:cBhvr>
+                                        <p:cTn id="8" dur="1" fill="hold">
+                                          <p:stCondLst>
+                                            <p:cond delay="0"/>
+                                          </p:stCondLst>
+                                        </p:cTn>
+                                        <p:tgtEl>
+                                          <p:spTgt spid="3">
+                                            <p:txEl>
+                                              <p:pRg st="1" end="1"/>
+                                            </p:txEl>
+                                          </p:spTgt>
+                                        </p:tgtEl>
+                                        <p:attrNameLst>
+                                          <p:attrName>style.visibility</p:attrName>
+                                        </p:attrNameLst>
+                                      </p:cBhvr>
+                                      <p:to>
+                                        <p:strVal val="visible"/>
+                                      </p:to>
+                                    </p:set>
+                                  </p:childTnLst>
+                                </p:cTn>
+                              </p:par>
+                              <p:par>
+                                <p:cTn id="9" presetID="1" presetClass="entr" presetSubtype="0" fill="hold" grpId="0" nodeType="withEffect">
+                                  <p:stCondLst>
+                                    <p:cond delay="0"/>
+                                  </p:stCondLst>
+                                  <p:childTnLst>
+                                    <p:set>
+                                      <p:cBhvr>
+                                        <p:cTn id="10" dur="1" fill="hold">
+                                          <p:stCondLst>
+                                            <p:cond delay="0"/>
+                                          </p:stCondLst>
+                                        </p:cTn>
+                                        <p:tgtEl>
+                                          <p:spTgt spid="3">
+                                            <p:txEl>
+                                              <p:pRg st="2" end="2"/>
+                                            </p:txEl>
+                                          </p:spTgt>
+                                        </p:tgtEl>
+                                        <p:attrNameLst>
+                                          <p:attrName>style.visibility</p:attrName>
+                                        </p:attrNameLst>
+                                      </p:cBhvr>
+                                      <p:to>
+                                        <p:strVal val="visible"/>
+                                      </p:to>
+                                    </p:set>
+                                  </p:childTnLst>
+                                </p:cTn>
+                              </p:par>
+                              <p:par>
+                                <p:cTn id="11" presetID="1" presetClass="entr" presetSubtype="0" fill="hold" grpId="0" nodeType="withEffect">
+                                  <p:stCondLst>
+                                    <p:cond delay="0"/>
+                                  </p:stCondLst>
+                                  <p:childTnLst>
+                                    <p:set>
+                                      <p:cBhvr>
+                                        <p:cTn id="12" dur="1" fill="hold">
+                                          <p:stCondLst>
+                                            <p:cond delay="0"/>
+                                          </p:stCondLst>
+                                        </p:cTn>
+                                        <p:tgtEl>
+                                          <p:spTgt spid="3">
+                                            <p:txEl>
+                                              <p:pRg st="3" end="3"/>
+                                            </p:txEl>
+                                          </p:spTgt>
+                                        </p:tgtEl>
+                                        <p:attrNameLst>
+                                          <p:attrName>style.visibility</p:attrName>
+                                        </p:attrNameLst>
+                                      </p:cBhvr>
+                                      <p:to>
+                                        <p:strVal val="visible"/>
+                                      </p:to>
+                                    </p:set>
+                                  </p:childTnLst>
+                                </p:cTn>
+                              </p:par>
+                            </p:childTnLst>
+                          </p:cTn>
+                        </p:par>
+                      </p:childTnLst>
+                    </p:cTn>
+                  </p:par>
+                  <p:par>
+                    <p:cTn id="13" fill="hold">
+                      <p:stCondLst>
+                        <p:cond delay="indefinite"/>
+                      </p:stCondLst>
+                      <p:childTnLst>
+                        <p:par>
+                          <p:cTn id="14" fill="hold">
+                            <p:stCondLst>
+                              <p:cond delay="0"/>
+                            </p:stCondLst>
+                            <p:childTnLst>
+                              <p:par>
+                                <p:cTn id="15" presetID="1" presetClass="entr" presetSubtype="0" fill="hold" grpId="0" nodeType="clickEffect">
+                                  <p:stCondLst>
+                                    <p:cond delay="0"/>
+                                  </p:stCondLst>
+                                  <p:childTnLst>
+                                    <p:set>
+                                      <p:cBhvr>
+                                        <p:cTn id="16" dur="1" fill="hold">
+                                          <p:stCondLst>
+                                            <p:cond delay="0"/>
+                                          </p:stCondLst>
+                                        </p:cTn>
+                                        <p:tgtEl>
+                                          <p:spTgt spid="3">
+                                            <p:txEl>
+                                              <p:pRg st="4" end="4"/>
+                                            </p:txEl>
+                                          </p:spTgt>
+                                        </p:tgtEl>
+                                        <p:attrNameLst>
+                                          <p:attrName>style.visibility</p:attrName>
+                                        </p:attrNameLst>
+                                      </p:cBhvr>
+                                      <p:to>
+                                        <p:strVal val="visible"/>
+                                      </p:to>
+                                    </p:set>
+                                  </p:childTnLst>
+                                </p:cTn>
+                              </p:par>
+                              <p:par>
+                                <p:cTn id="17" presetID="1" presetClass="entr" presetSubtype="0" fill="hold" grpId="0" nodeType="withEffect">
+                                  <p:stCondLst>
+                                    <p:cond delay="0"/>
+                                  </p:stCondLst>
+                                  <p:childTnLst>
+                                    <p:set>
+                                      <p:cBhvr>
+                                        <p:cTn id="18" dur="1" fill="hold">
+                                          <p:stCondLst>
+                                            <p:cond delay="0"/>
+                                          </p:stCondLst>
+                                        </p:cTn>
+                                        <p:tgtEl>
+                                          <p:spTgt spid="3">
+                                            <p:txEl>
+                                              <p:pRg st="5" end="5"/>
+                                            </p:txEl>
+                                          </p:spTgt>
+                                        </p:tgtEl>
+                                        <p:attrNameLst>
+                                          <p:attrName>style.visibility</p:attrName>
+                                        </p:attrNameLst>
+                                      </p:cBhvr>
+                                      <p:to>
+                                        <p:strVal val="visible"/>
+                                      </p:to>
+                                    </p:set>
+                                  </p:childTnLst>
+                                </p:cTn>
+                              </p:par>
+                              <p:par>
+                                <p:cTn id="19" presetID="1" presetClass="entr" presetSubtype="0" fill="hold" grpId="0" nodeType="withEffect">
+                                  <p:stCondLst>
+                                    <p:cond delay="0"/>
+                                  </p:stCondLst>
+                                  <p:childTnLst>
+                                    <p:set>
+                                      <p:cBhvr>
+                                        <p:cTn id="20" dur="1" fill="hold">
+                                          <p:stCondLst>
+                                            <p:cond delay="0"/>
+                                          </p:stCondLst>
+                                        </p:cTn>
+                                        <p:tgtEl>
+                                          <p:spTgt spid="3">
+                                            <p:txEl>
+                                              <p:pRg st="6" end="6"/>
+                                            </p:txEl>
+                                          </p:spTgt>
+                                        </p:tgtEl>
+                                        <p:attrNameLst>
+                                          <p:attrName>style.visibility</p:attrName>
+                                        </p:attrNameLst>
+                                      </p:cBhvr>
+                                      <p:to>
+                                        <p:strVal val="visible"/>
+                                      </p:to>
+                                    </p:set>
+                                  </p:childTnLst>
+                                </p:cTn>
+                              </p:par>
+                              <p:par>
+                                <p:cTn id="21" presetID="1" presetClass="entr" presetSubtype="0" fill="hold" grpId="0" nodeType="withEffect">
+                                  <p:stCondLst>
+                                    <p:cond delay="0"/>
+                                  </p:stCondLst>
+                                  <p:childTnLst>
+                                    <p:set>
+                                      <p:cBhvr>
+                                        <p:cTn id="22" dur="1" fill="hold">
+                                          <p:stCondLst>
+                                            <p:cond delay="0"/>
+                                          </p:stCondLst>
+                                        </p:cTn>
+                                        <p:tgtEl>
+                                          <p:spTgt spid="3">
+                                            <p:txEl>
+                                              <p:pRg st="7" end="7"/>
+                                            </p:txEl>
+                                          </p:spTgt>
+                                        </p:tgtEl>
+                                        <p:attrNameLst>
+                                          <p:attrName>style.visibility</p:attrName>
+                                        </p:attrNameLst>
+                                      </p:cBhvr>
+                                      <p:to>
+                                        <p:strVal val="visible"/>
+                                      </p:to>
+                                    </p:set>
+                                  </p:childTnLst>
+                                </p:cTn>
+                              </p:par>
+                            </p:childTnLst>
+                          </p:cTn>
+                        </p:par>
+                      </p:childTnLst>
+                    </p:cTn>
+                  </p:par>
+                  <p:par>
+                    <p:cTn id="23" fill="hold">
+                      <p:stCondLst>
+                        <p:cond delay="indefinite"/>
+                      </p:stCondLst>
+                      <p:childTnLst>
+                        <p:par>
+                          <p:cTn id="24" fill="hold">
+                            <p:stCondLst>
+                              <p:cond delay="0"/>
+                            </p:stCondLst>
+                            <p:childTnLst>
+                              <p:par>
+                                <p:cTn id="25" presetID="1" presetClass="entr" presetSubtype="0" fill="hold" grpId="0" nodeType="clickEffect">
+                                  <p:stCondLst>
+                                    <p:cond delay="0"/>
+                                  </p:stCondLst>
+                                  <p:childTnLst>
+                                    <p:set>
+                                      <p:cBhvr>
+                                        <p:cTn id="26" dur="1" fill="hold">
+                                          <p:stCondLst>
+                                            <p:cond delay="0"/>
+                                          </p:stCondLst>
+                                        </p:cTn>
+                                        <p:tgtEl>
+                                          <p:spTgt spid="3">
+                                            <p:txEl>
+                                              <p:pRg st="8" end="8"/>
+                                            </p:txEl>
+                                          </p:spTgt>
+                                        </p:tgtEl>
+                                        <p:attrNameLst>
+                                          <p:attrName>style.visibility</p:attrName>
+                                        </p:attrNameLst>
+                                      </p:cBhvr>
+                                      <p:to>
+                                        <p:strVal val="visible"/>
+                                      </p:to>
+                                    </p:set>
+                                  </p:childTnLst>
+                                </p:cTn>
+                              </p:par>
+                              <p:par>
+                                <p:cTn id="27" presetID="1" presetClass="entr" presetSubtype="0" fill="hold" grpId="0" nodeType="withEffect">
+                                  <p:stCondLst>
+                                    <p:cond delay="0"/>
+                                  </p:stCondLst>
+                                  <p:childTnLst>
+                                    <p:set>
+                                      <p:cBhvr>
+                                        <p:cTn id="28" dur="1" fill="hold">
+                                          <p:stCondLst>
+                                            <p:cond delay="0"/>
+                                          </p:stCondLst>
+                                        </p:cTn>
+                                        <p:tgtEl>
+                                          <p:spTgt spid="3">
+                                            <p:txEl>
+                                              <p:pRg st="9" end="9"/>
+                                            </p:txEl>
+                                          </p:spTgt>
+                                        </p:tgtEl>
+                                        <p:attrNameLst>
+                                          <p:attrName>style.visibility</p:attrName>
+                                        </p:attrNameLst>
+                                      </p:cBhvr>
+                                      <p:to>
+                                        <p:strVal val="visible"/>
+                                      </p:to>
+                                    </p:set>
+                                  </p:childTnLst>
+                                </p:cTn>
+                              </p:par>
+                              <p:par>
+                                <p:cTn id="29" presetID="1" presetClass="entr" presetSubtype="0" fill="hold" grpId="0" nodeType="withEffect">
+                                  <p:stCondLst>
+                                    <p:cond delay="0"/>
+                                  </p:stCondLst>
+                                  <p:childTnLst>
+                                    <p:set>
+                                      <p:cBhvr>
+                                        <p:cTn id="30" dur="1" fill="hold">
+                                          <p:stCondLst>
+                                            <p:cond delay="0"/>
+                                          </p:stCondLst>
+                                        </p:cTn>
+                                        <p:tgtEl>
+                                          <p:spTgt spid="3">
+                                            <p:txEl>
+                                              <p:pRg st="10" end="10"/>
+                                            </p:txEl>
+                                          </p:spTgt>
+                                        </p:tgtEl>
+                                        <p:attrNameLst>
+                                          <p:attrName>style.visibility</p:attrName>
+                                        </p:attrNameLst>
+                                      </p:cBhvr>
+                                      <p:to>
+                                        <p:strVal val="visible"/>
+                                      </p:to>
+                                    </p:set>
+                                  </p:childTnLst>
+                                </p:cTn>
+                              </p:par>
+                            </p:childTnLst>
+                          </p:cTn>
+                        </p:par>
+                      </p:childTnLst>
+                    </p:cTn>
+                  </p:par>
+                </p:childTnLst>
+              </p:cTn>
+              <p:prevCondLst>
+                <p:cond evt="onPrev" delay="0">
+                  <p:tgtEl>
+                    <p:sldTgt/>
+                  </p:tgtEl>
+                </p:cond>
+              </p:prevCondLst>
+              <p:nextCondLst>
+                <p:cond evt="onNext" delay="0">
+                  <p:tgtEl>
+                    <p:sldTgt/>
+                  </p:tgtEl>
+                </p:cond>
+              </p:nextCondLst>
+            </p:seq>
+          </p:childTnLst>
+        </p:cTn>
+      </p:par>
+    </p:tnLst>
+    <p:bldLst>
+      <p:bldP spid="3" grpId="0" build="p"/>
+    </p:bldLst>
+  </p:timing>
 </p:sld>
 </file>
 
@@ -4375,6 +7151,419 @@
   <p:clrMapOvr>
     <a:masterClrMapping/>
   </p:clrMapOvr>
+  <p:timing>
+    <p:tnLst>
+      <p:par>
+        <p:cTn id="1" dur="indefinite" restart="never" nodeType="tmRoot">
+          <p:childTnLst>
+            <p:seq concurrent="1" nextAc="seek">
+              <p:cTn id="2" dur="indefinite" nodeType="mainSeq">
+                <p:childTnLst>
+                  <p:par>
+                    <p:cTn id="3" fill="hold">
+                      <p:stCondLst>
+                        <p:cond delay="indefinite"/>
+                      </p:stCondLst>
+                      <p:childTnLst>
+                        <p:par>
+                          <p:cTn id="4" fill="hold">
+                            <p:stCondLst>
+                              <p:cond delay="0"/>
+                            </p:stCondLst>
+                            <p:childTnLst>
+                              <p:par>
+                                <p:cTn id="5" presetID="1" presetClass="entr" presetSubtype="0" fill="hold" grpId="0" nodeType="clickEffect">
+                                  <p:stCondLst>
+                                    <p:cond delay="0"/>
+                                  </p:stCondLst>
+                                  <p:childTnLst>
+                                    <p:set>
+                                      <p:cBhvr>
+                                        <p:cTn id="6" dur="1" fill="hold">
+                                          <p:stCondLst>
+                                            <p:cond delay="0"/>
+                                          </p:stCondLst>
+                                        </p:cTn>
+                                        <p:tgtEl>
+                                          <p:spTgt spid="6">
+                                            <p:txEl>
+                                              <p:pRg st="0" end="0"/>
+                                            </p:txEl>
+                                          </p:spTgt>
+                                        </p:tgtEl>
+                                        <p:attrNameLst>
+                                          <p:attrName>style.visibility</p:attrName>
+                                        </p:attrNameLst>
+                                      </p:cBhvr>
+                                      <p:to>
+                                        <p:strVal val="visible"/>
+                                      </p:to>
+                                    </p:set>
+                                  </p:childTnLst>
+                                </p:cTn>
+                              </p:par>
+                            </p:childTnLst>
+                          </p:cTn>
+                        </p:par>
+                      </p:childTnLst>
+                    </p:cTn>
+                  </p:par>
+                  <p:par>
+                    <p:cTn id="7" fill="hold">
+                      <p:stCondLst>
+                        <p:cond delay="indefinite"/>
+                      </p:stCondLst>
+                      <p:childTnLst>
+                        <p:par>
+                          <p:cTn id="8" fill="hold">
+                            <p:stCondLst>
+                              <p:cond delay="0"/>
+                            </p:stCondLst>
+                            <p:childTnLst>
+                              <p:par>
+                                <p:cTn id="9" presetID="1" presetClass="entr" presetSubtype="0" fill="hold" nodeType="clickEffect">
+                                  <p:stCondLst>
+                                    <p:cond delay="0"/>
+                                  </p:stCondLst>
+                                  <p:childTnLst>
+                                    <p:set>
+                                      <p:cBhvr>
+                                        <p:cTn id="10" dur="1" fill="hold">
+                                          <p:stCondLst>
+                                            <p:cond delay="0"/>
+                                          </p:stCondLst>
+                                        </p:cTn>
+                                        <p:tgtEl>
+                                          <p:spTgt spid="5"/>
+                                        </p:tgtEl>
+                                        <p:attrNameLst>
+                                          <p:attrName>style.visibility</p:attrName>
+                                        </p:attrNameLst>
+                                      </p:cBhvr>
+                                      <p:to>
+                                        <p:strVal val="visible"/>
+                                      </p:to>
+                                    </p:set>
+                                  </p:childTnLst>
+                                </p:cTn>
+                              </p:par>
+                              <p:par>
+                                <p:cTn id="11" presetID="1" presetClass="entr" presetSubtype="0" fill="hold" grpId="0" nodeType="withEffect">
+                                  <p:stCondLst>
+                                    <p:cond delay="0"/>
+                                  </p:stCondLst>
+                                  <p:childTnLst>
+                                    <p:set>
+                                      <p:cBhvr>
+                                        <p:cTn id="12" dur="1" fill="hold">
+                                          <p:stCondLst>
+                                            <p:cond delay="0"/>
+                                          </p:stCondLst>
+                                        </p:cTn>
+                                        <p:tgtEl>
+                                          <p:spTgt spid="6">
+                                            <p:txEl>
+                                              <p:pRg st="6" end="6"/>
+                                            </p:txEl>
+                                          </p:spTgt>
+                                        </p:tgtEl>
+                                        <p:attrNameLst>
+                                          <p:attrName>style.visibility</p:attrName>
+                                        </p:attrNameLst>
+                                      </p:cBhvr>
+                                      <p:to>
+                                        <p:strVal val="visible"/>
+                                      </p:to>
+                                    </p:set>
+                                  </p:childTnLst>
+                                </p:cTn>
+                              </p:par>
+                              <p:par>
+                                <p:cTn id="13" presetID="1" presetClass="entr" presetSubtype="0" fill="hold" grpId="0" nodeType="withEffect">
+                                  <p:stCondLst>
+                                    <p:cond delay="0"/>
+                                  </p:stCondLst>
+                                  <p:childTnLst>
+                                    <p:set>
+                                      <p:cBhvr>
+                                        <p:cTn id="14" dur="1" fill="hold">
+                                          <p:stCondLst>
+                                            <p:cond delay="0"/>
+                                          </p:stCondLst>
+                                        </p:cTn>
+                                        <p:tgtEl>
+                                          <p:spTgt spid="6">
+                                            <p:txEl>
+                                              <p:pRg st="7" end="7"/>
+                                            </p:txEl>
+                                          </p:spTgt>
+                                        </p:tgtEl>
+                                        <p:attrNameLst>
+                                          <p:attrName>style.visibility</p:attrName>
+                                        </p:attrNameLst>
+                                      </p:cBhvr>
+                                      <p:to>
+                                        <p:strVal val="visible"/>
+                                      </p:to>
+                                    </p:set>
+                                  </p:childTnLst>
+                                </p:cTn>
+                              </p:par>
+                            </p:childTnLst>
+                          </p:cTn>
+                        </p:par>
+                      </p:childTnLst>
+                    </p:cTn>
+                  </p:par>
+                  <p:par>
+                    <p:cTn id="15" fill="hold">
+                      <p:stCondLst>
+                        <p:cond delay="indefinite"/>
+                      </p:stCondLst>
+                      <p:childTnLst>
+                        <p:par>
+                          <p:cTn id="16" fill="hold">
+                            <p:stCondLst>
+                              <p:cond delay="0"/>
+                            </p:stCondLst>
+                            <p:childTnLst>
+                              <p:par>
+                                <p:cTn id="17" presetID="1" presetClass="entr" presetSubtype="0" fill="hold" grpId="0" nodeType="clickEffect">
+                                  <p:stCondLst>
+                                    <p:cond delay="0"/>
+                                  </p:stCondLst>
+                                  <p:childTnLst>
+                                    <p:set>
+                                      <p:cBhvr>
+                                        <p:cTn id="18" dur="1" fill="hold">
+                                          <p:stCondLst>
+                                            <p:cond delay="0"/>
+                                          </p:stCondLst>
+                                        </p:cTn>
+                                        <p:tgtEl>
+                                          <p:spTgt spid="6">
+                                            <p:txEl>
+                                              <p:pRg st="1" end="1"/>
+                                            </p:txEl>
+                                          </p:spTgt>
+                                        </p:tgtEl>
+                                        <p:attrNameLst>
+                                          <p:attrName>style.visibility</p:attrName>
+                                        </p:attrNameLst>
+                                      </p:cBhvr>
+                                      <p:to>
+                                        <p:strVal val="visible"/>
+                                      </p:to>
+                                    </p:set>
+                                  </p:childTnLst>
+                                </p:cTn>
+                              </p:par>
+                            </p:childTnLst>
+                          </p:cTn>
+                        </p:par>
+                      </p:childTnLst>
+                    </p:cTn>
+                  </p:par>
+                  <p:par>
+                    <p:cTn id="19" fill="hold">
+                      <p:stCondLst>
+                        <p:cond delay="indefinite"/>
+                      </p:stCondLst>
+                      <p:childTnLst>
+                        <p:par>
+                          <p:cTn id="20" fill="hold">
+                            <p:stCondLst>
+                              <p:cond delay="0"/>
+                            </p:stCondLst>
+                            <p:childTnLst>
+                              <p:par>
+                                <p:cTn id="21" presetID="1" presetClass="entr" presetSubtype="0" fill="hold" grpId="0" nodeType="clickEffect">
+                                  <p:stCondLst>
+                                    <p:cond delay="0"/>
+                                  </p:stCondLst>
+                                  <p:childTnLst>
+                                    <p:set>
+                                      <p:cBhvr>
+                                        <p:cTn id="22" dur="1" fill="hold">
+                                          <p:stCondLst>
+                                            <p:cond delay="0"/>
+                                          </p:stCondLst>
+                                        </p:cTn>
+                                        <p:tgtEl>
+                                          <p:spTgt spid="6">
+                                            <p:txEl>
+                                              <p:pRg st="2" end="2"/>
+                                            </p:txEl>
+                                          </p:spTgt>
+                                        </p:tgtEl>
+                                        <p:attrNameLst>
+                                          <p:attrName>style.visibility</p:attrName>
+                                        </p:attrNameLst>
+                                      </p:cBhvr>
+                                      <p:to>
+                                        <p:strVal val="visible"/>
+                                      </p:to>
+                                    </p:set>
+                                  </p:childTnLst>
+                                </p:cTn>
+                              </p:par>
+                            </p:childTnLst>
+                          </p:cTn>
+                        </p:par>
+                      </p:childTnLst>
+                    </p:cTn>
+                  </p:par>
+                  <p:par>
+                    <p:cTn id="23" fill="hold">
+                      <p:stCondLst>
+                        <p:cond delay="indefinite"/>
+                      </p:stCondLst>
+                      <p:childTnLst>
+                        <p:par>
+                          <p:cTn id="24" fill="hold">
+                            <p:stCondLst>
+                              <p:cond delay="0"/>
+                            </p:stCondLst>
+                            <p:childTnLst>
+                              <p:par>
+                                <p:cTn id="25" presetID="1" presetClass="entr" presetSubtype="0" fill="hold" grpId="0" nodeType="clickEffect">
+                                  <p:stCondLst>
+                                    <p:cond delay="0"/>
+                                  </p:stCondLst>
+                                  <p:childTnLst>
+                                    <p:set>
+                                      <p:cBhvr>
+                                        <p:cTn id="26" dur="1" fill="hold">
+                                          <p:stCondLst>
+                                            <p:cond delay="0"/>
+                                          </p:stCondLst>
+                                        </p:cTn>
+                                        <p:tgtEl>
+                                          <p:spTgt spid="6">
+                                            <p:txEl>
+                                              <p:pRg st="3" end="3"/>
+                                            </p:txEl>
+                                          </p:spTgt>
+                                        </p:tgtEl>
+                                        <p:attrNameLst>
+                                          <p:attrName>style.visibility</p:attrName>
+                                        </p:attrNameLst>
+                                      </p:cBhvr>
+                                      <p:to>
+                                        <p:strVal val="visible"/>
+                                      </p:to>
+                                    </p:set>
+                                  </p:childTnLst>
+                                </p:cTn>
+                              </p:par>
+                            </p:childTnLst>
+                          </p:cTn>
+                        </p:par>
+                      </p:childTnLst>
+                    </p:cTn>
+                  </p:par>
+                  <p:par>
+                    <p:cTn id="27" fill="hold">
+                      <p:stCondLst>
+                        <p:cond delay="indefinite"/>
+                      </p:stCondLst>
+                      <p:childTnLst>
+                        <p:par>
+                          <p:cTn id="28" fill="hold">
+                            <p:stCondLst>
+                              <p:cond delay="0"/>
+                            </p:stCondLst>
+                            <p:childTnLst>
+                              <p:par>
+                                <p:cTn id="29" presetID="1" presetClass="entr" presetSubtype="0" fill="hold" grpId="0" nodeType="clickEffect">
+                                  <p:stCondLst>
+                                    <p:cond delay="0"/>
+                                  </p:stCondLst>
+                                  <p:childTnLst>
+                                    <p:set>
+                                      <p:cBhvr>
+                                        <p:cTn id="30" dur="1" fill="hold">
+                                          <p:stCondLst>
+                                            <p:cond delay="0"/>
+                                          </p:stCondLst>
+                                        </p:cTn>
+                                        <p:tgtEl>
+                                          <p:spTgt spid="6">
+                                            <p:txEl>
+                                              <p:pRg st="4" end="4"/>
+                                            </p:txEl>
+                                          </p:spTgt>
+                                        </p:tgtEl>
+                                        <p:attrNameLst>
+                                          <p:attrName>style.visibility</p:attrName>
+                                        </p:attrNameLst>
+                                      </p:cBhvr>
+                                      <p:to>
+                                        <p:strVal val="visible"/>
+                                      </p:to>
+                                    </p:set>
+                                  </p:childTnLst>
+                                </p:cTn>
+                              </p:par>
+                              <p:par>
+                                <p:cTn id="31" presetID="1" presetClass="entr" presetSubtype="0" fill="hold" grpId="0" nodeType="withEffect">
+                                  <p:stCondLst>
+                                    <p:cond delay="0"/>
+                                  </p:stCondLst>
+                                  <p:childTnLst>
+                                    <p:set>
+                                      <p:cBhvr>
+                                        <p:cTn id="32" dur="1" fill="hold">
+                                          <p:stCondLst>
+                                            <p:cond delay="0"/>
+                                          </p:stCondLst>
+                                        </p:cTn>
+                                        <p:tgtEl>
+                                          <p:spTgt spid="16"/>
+                                        </p:tgtEl>
+                                        <p:attrNameLst>
+                                          <p:attrName>style.visibility</p:attrName>
+                                        </p:attrNameLst>
+                                      </p:cBhvr>
+                                      <p:to>
+                                        <p:strVal val="visible"/>
+                                      </p:to>
+                                    </p:set>
+                                  </p:childTnLst>
+                                </p:cTn>
+                              </p:par>
+                            </p:childTnLst>
+                          </p:cTn>
+                        </p:par>
+                      </p:childTnLst>
+                    </p:cTn>
+                  </p:par>
+                </p:childTnLst>
+              </p:cTn>
+              <p:prevCondLst>
+                <p:cond evt="onPrev" delay="0">
+                  <p:tgtEl>
+                    <p:sldTgt/>
+                  </p:tgtEl>
+                </p:cond>
+              </p:prevCondLst>
+              <p:nextCondLst>
+                <p:cond evt="onNext" delay="0">
+                  <p:tgtEl>
+                    <p:sldTgt/>
+                  </p:tgtEl>
+                </p:cond>
+              </p:nextCondLst>
+            </p:seq>
+          </p:childTnLst>
+        </p:cTn>
+      </p:par>
+    </p:tnLst>
+    <p:bldLst>
+      <p:bldP spid="6" grpId="0" uiExpand="1" build="p"/>
+      <p:bldP spid="16" grpId="0" animBg="1"/>
+    </p:bldLst>
+  </p:timing>
 </p:sld>
 </file>
 
@@ -5553,10 +8742,1028 @@
             <a:r>
               <a:rPr lang="en-GB" dirty="0">
                 <a:solidFill>
+                  <a:schemeClr val="accent6">
+                    <a:lumMod val="75000"/>
+                  </a:schemeClr>
+                </a:solidFill>
+                <a:latin typeface="Consolas" panose="020B0609020204030204" pitchFamily="49" charset="0"/>
+              </a:rPr>
+              <a:t>## [...]</a:t>
+            </a:r>
+          </a:p>
+          <a:p>
+            <a:r>
+              <a:rPr lang="en-GB" b="1" dirty="0">
+                <a:solidFill>
+                  <a:schemeClr val="accent6">
+                    <a:lumMod val="75000"/>
+                  </a:schemeClr>
+                </a:solidFill>
+                <a:latin typeface="Consolas" panose="020B0609020204030204" pitchFamily="49" charset="0"/>
+              </a:rPr>
+              <a:t>## Estimates:</a:t>
+            </a:r>
+          </a:p>
+          <a:p>
+            <a:r>
+              <a:rPr lang="en-GB" b="1" dirty="0">
+                <a:solidFill>
+                  <a:schemeClr val="accent6">
+                    <a:lumMod val="75000"/>
+                  </a:schemeClr>
+                </a:solidFill>
+                <a:latin typeface="Consolas" panose="020B0609020204030204" pitchFamily="49" charset="0"/>
+              </a:rPr>
+              <a:t>##                           mean  </a:t>
+            </a:r>
+            <a:r>
+              <a:rPr lang="en-GB" dirty="0">
+                <a:solidFill>
+                  <a:schemeClr val="accent6">
+                    <a:lumMod val="75000"/>
+                  </a:schemeClr>
+                </a:solidFill>
+                <a:latin typeface="Consolas" panose="020B0609020204030204" pitchFamily="49" charset="0"/>
+              </a:rPr>
+              <a:t> </a:t>
+            </a:r>
+            <a:r>
+              <a:rPr lang="en-GB" dirty="0" err="1">
+                <a:solidFill>
+                  <a:schemeClr val="accent6">
+                    <a:lumMod val="75000"/>
+                  </a:schemeClr>
+                </a:solidFill>
+                <a:latin typeface="Consolas" panose="020B0609020204030204" pitchFamily="49" charset="0"/>
+              </a:rPr>
+              <a:t>sd</a:t>
+            </a:r>
+            <a:r>
+              <a:rPr lang="en-GB" dirty="0">
+                <a:solidFill>
+                  <a:schemeClr val="accent6">
+                    <a:lumMod val="75000"/>
+                  </a:schemeClr>
+                </a:solidFill>
+                <a:latin typeface="Consolas" panose="020B0609020204030204" pitchFamily="49" charset="0"/>
+              </a:rPr>
+              <a:t>    10%   50%   90%</a:t>
+            </a:r>
+          </a:p>
+          <a:p>
+            <a:r>
+              <a:rPr lang="en-GB" b="1" dirty="0">
+                <a:solidFill>
+                  <a:schemeClr val="accent6">
+                    <a:lumMod val="75000"/>
+                  </a:schemeClr>
+                </a:solidFill>
+                <a:latin typeface="Consolas" panose="020B0609020204030204" pitchFamily="49" charset="0"/>
+              </a:rPr>
+              <a:t>## (Intercept)              1.08   </a:t>
+            </a:r>
+            <a:r>
+              <a:rPr lang="en-GB" dirty="0">
+                <a:solidFill>
+                  <a:schemeClr val="accent6">
+                    <a:lumMod val="75000"/>
+                  </a:schemeClr>
+                </a:solidFill>
+                <a:latin typeface="Consolas" panose="020B0609020204030204" pitchFamily="49" charset="0"/>
+              </a:rPr>
+              <a:t>0.06  1.01  1.08  1.15</a:t>
+            </a:r>
+          </a:p>
+          <a:p>
+            <a:r>
+              <a:rPr lang="en-GB" b="1" dirty="0">
+                <a:solidFill>
+                  <a:schemeClr val="accent6">
+                    <a:lumMod val="75000"/>
+                  </a:schemeClr>
+                </a:solidFill>
+                <a:latin typeface="Consolas" panose="020B0609020204030204" pitchFamily="49" charset="0"/>
+              </a:rPr>
+              <a:t>## length5                  0.01   </a:t>
+            </a:r>
+            <a:r>
+              <a:rPr lang="en-GB" dirty="0">
+                <a:solidFill>
+                  <a:schemeClr val="accent6">
+                    <a:lumMod val="75000"/>
+                  </a:schemeClr>
+                </a:solidFill>
+                <a:latin typeface="Consolas" panose="020B0609020204030204" pitchFamily="49" charset="0"/>
+              </a:rPr>
+              <a:t>0.02 -0.02  0.01  0.04</a:t>
+            </a:r>
+          </a:p>
+          <a:p>
+            <a:r>
+              <a:rPr lang="en-GB" b="1" dirty="0">
+                <a:solidFill>
+                  <a:schemeClr val="accent6">
+                    <a:lumMod val="75000"/>
+                  </a:schemeClr>
+                </a:solidFill>
+                <a:latin typeface="Consolas" panose="020B0609020204030204" pitchFamily="49" charset="0"/>
+              </a:rPr>
+              <a:t>## length6                  0.03   </a:t>
+            </a:r>
+            <a:r>
+              <a:rPr lang="en-GB" dirty="0">
+                <a:solidFill>
+                  <a:schemeClr val="accent6">
+                    <a:lumMod val="75000"/>
+                  </a:schemeClr>
+                </a:solidFill>
+                <a:latin typeface="Consolas" panose="020B0609020204030204" pitchFamily="49" charset="0"/>
+              </a:rPr>
+              <a:t>0.02  0.00  0.03  0.06</a:t>
+            </a:r>
+          </a:p>
+          <a:p>
+            <a:r>
+              <a:rPr lang="en-GB" b="1" dirty="0">
+                <a:solidFill>
+                  <a:schemeClr val="accent6">
+                    <a:lumMod val="75000"/>
+                  </a:schemeClr>
+                </a:solidFill>
+                <a:latin typeface="Consolas" panose="020B0609020204030204" pitchFamily="49" charset="0"/>
+              </a:rPr>
+              <a:t>## </a:t>
+            </a:r>
+            <a:r>
+              <a:rPr lang="en-GB" b="1" dirty="0" err="1">
+                <a:solidFill>
+                  <a:schemeClr val="accent6">
+                    <a:lumMod val="75000"/>
+                  </a:schemeClr>
+                </a:solidFill>
+                <a:latin typeface="Consolas" panose="020B0609020204030204" pitchFamily="49" charset="0"/>
+              </a:rPr>
+              <a:t>stimulusnonword</a:t>
+            </a:r>
+            <a:r>
+              <a:rPr lang="en-GB" b="1" dirty="0">
+                <a:solidFill>
+                  <a:schemeClr val="accent6">
+                    <a:lumMod val="75000"/>
+                  </a:schemeClr>
+                </a:solidFill>
+                <a:latin typeface="Consolas" panose="020B0609020204030204" pitchFamily="49" charset="0"/>
+              </a:rPr>
+              <a:t>          0.03   </a:t>
+            </a:r>
+            <a:r>
+              <a:rPr lang="en-GB" dirty="0">
+                <a:solidFill>
+                  <a:schemeClr val="accent6">
+                    <a:lumMod val="75000"/>
+                  </a:schemeClr>
+                </a:solidFill>
+                <a:latin typeface="Consolas" panose="020B0609020204030204" pitchFamily="49" charset="0"/>
+              </a:rPr>
+              <a:t>0.03 -0.01  0.03  0.07</a:t>
+            </a:r>
+          </a:p>
+          <a:p>
+            <a:r>
+              <a:rPr lang="en-GB" b="1" dirty="0">
+                <a:solidFill>
+                  <a:schemeClr val="accent6">
+                    <a:lumMod val="75000"/>
+                  </a:schemeClr>
+                </a:solidFill>
+                <a:latin typeface="Consolas" panose="020B0609020204030204" pitchFamily="49" charset="0"/>
+              </a:rPr>
+              <a:t>## length5:stimulusnonword  0.04   </a:t>
+            </a:r>
+            <a:r>
+              <a:rPr lang="en-GB" dirty="0">
+                <a:solidFill>
+                  <a:schemeClr val="accent6">
+                    <a:lumMod val="75000"/>
+                  </a:schemeClr>
+                </a:solidFill>
+                <a:latin typeface="Consolas" panose="020B0609020204030204" pitchFamily="49" charset="0"/>
+              </a:rPr>
+              <a:t>0.03 -0.01  0.04  0.08</a:t>
+            </a:r>
+          </a:p>
+          <a:p>
+            <a:r>
+              <a:rPr lang="en-GB" b="1" dirty="0">
+                <a:solidFill>
+                  <a:schemeClr val="accent6">
+                    <a:lumMod val="75000"/>
+                  </a:schemeClr>
+                </a:solidFill>
+                <a:latin typeface="Consolas" panose="020B0609020204030204" pitchFamily="49" charset="0"/>
+              </a:rPr>
+              <a:t>## length6:stimulusnonword  0.06   </a:t>
+            </a:r>
+            <a:r>
+              <a:rPr lang="en-GB" dirty="0">
+                <a:solidFill>
+                  <a:schemeClr val="accent6">
+                    <a:lumMod val="75000"/>
+                  </a:schemeClr>
+                </a:solidFill>
+                <a:latin typeface="Consolas" panose="020B0609020204030204" pitchFamily="49" charset="0"/>
+              </a:rPr>
+              <a:t>0.03  0.01  0.06  0.10</a:t>
+            </a:r>
+          </a:p>
+          <a:p>
+            <a:r>
+              <a:rPr lang="en-GB" dirty="0">
+                <a:solidFill>
+                  <a:schemeClr val="accent6">
+                    <a:lumMod val="75000"/>
+                  </a:schemeClr>
+                </a:solidFill>
+                <a:latin typeface="Consolas" panose="020B0609020204030204" pitchFamily="49" charset="0"/>
+              </a:rPr>
+              <a:t>## [...]</a:t>
+            </a:r>
+          </a:p>
+        </p:txBody>
+      </p:sp>
+    </p:spTree>
+    <p:extLst>
+      <p:ext uri="{BB962C8B-B14F-4D97-AF65-F5344CB8AC3E}">
+        <p14:creationId xmlns:p14="http://schemas.microsoft.com/office/powerpoint/2010/main" val="1641673662"/>
+      </p:ext>
+    </p:extLst>
+  </p:cSld>
+  <p:clrMapOvr>
+    <a:masterClrMapping/>
+  </p:clrMapOvr>
+  <p:timing>
+    <p:tnLst>
+      <p:par>
+        <p:cTn id="1" dur="indefinite" restart="never" nodeType="tmRoot">
+          <p:childTnLst>
+            <p:seq concurrent="1" nextAc="seek">
+              <p:cTn id="2" dur="indefinite" nodeType="mainSeq">
+                <p:childTnLst>
+                  <p:par>
+                    <p:cTn id="3" fill="hold">
+                      <p:stCondLst>
+                        <p:cond delay="indefinite"/>
+                      </p:stCondLst>
+                      <p:childTnLst>
+                        <p:par>
+                          <p:cTn id="4" fill="hold">
+                            <p:stCondLst>
+                              <p:cond delay="0"/>
+                            </p:stCondLst>
+                            <p:childTnLst>
+                              <p:par>
+                                <p:cTn id="5" presetID="1" presetClass="entr" presetSubtype="0" fill="hold" nodeType="clickEffect">
+                                  <p:stCondLst>
+                                    <p:cond delay="0"/>
+                                  </p:stCondLst>
+                                  <p:childTnLst>
+                                    <p:set>
+                                      <p:cBhvr>
+                                        <p:cTn id="6" dur="1" fill="hold">
+                                          <p:stCondLst>
+                                            <p:cond delay="0"/>
+                                          </p:stCondLst>
+                                        </p:cTn>
+                                        <p:tgtEl>
+                                          <p:spTgt spid="6">
+                                            <p:txEl>
+                                              <p:pRg st="0" end="0"/>
+                                            </p:txEl>
+                                          </p:spTgt>
+                                        </p:tgtEl>
+                                        <p:attrNameLst>
+                                          <p:attrName>style.visibility</p:attrName>
+                                        </p:attrNameLst>
+                                      </p:cBhvr>
+                                      <p:to>
+                                        <p:strVal val="visible"/>
+                                      </p:to>
+                                    </p:set>
+                                  </p:childTnLst>
+                                </p:cTn>
+                              </p:par>
+                            </p:childTnLst>
+                          </p:cTn>
+                        </p:par>
+                      </p:childTnLst>
+                    </p:cTn>
+                  </p:par>
+                  <p:par>
+                    <p:cTn id="7" fill="hold">
+                      <p:stCondLst>
+                        <p:cond delay="indefinite"/>
+                      </p:stCondLst>
+                      <p:childTnLst>
+                        <p:par>
+                          <p:cTn id="8" fill="hold">
+                            <p:stCondLst>
+                              <p:cond delay="0"/>
+                            </p:stCondLst>
+                            <p:childTnLst>
+                              <p:par>
+                                <p:cTn id="9" presetID="1" presetClass="entr" presetSubtype="0" fill="hold" nodeType="clickEffect">
+                                  <p:stCondLst>
+                                    <p:cond delay="0"/>
+                                  </p:stCondLst>
+                                  <p:childTnLst>
+                                    <p:set>
+                                      <p:cBhvr>
+                                        <p:cTn id="10" dur="1" fill="hold">
+                                          <p:stCondLst>
+                                            <p:cond delay="0"/>
+                                          </p:stCondLst>
+                                        </p:cTn>
+                                        <p:tgtEl>
+                                          <p:spTgt spid="6">
+                                            <p:txEl>
+                                              <p:pRg st="2" end="2"/>
+                                            </p:txEl>
+                                          </p:spTgt>
+                                        </p:tgtEl>
+                                        <p:attrNameLst>
+                                          <p:attrName>style.visibility</p:attrName>
+                                        </p:attrNameLst>
+                                      </p:cBhvr>
+                                      <p:to>
+                                        <p:strVal val="visible"/>
+                                      </p:to>
+                                    </p:set>
+                                  </p:childTnLst>
+                                </p:cTn>
+                              </p:par>
+                              <p:par>
+                                <p:cTn id="11" presetID="1" presetClass="entr" presetSubtype="0" fill="hold" nodeType="withEffect">
+                                  <p:stCondLst>
+                                    <p:cond delay="0"/>
+                                  </p:stCondLst>
+                                  <p:childTnLst>
+                                    <p:set>
+                                      <p:cBhvr>
+                                        <p:cTn id="12" dur="1" fill="hold">
+                                          <p:stCondLst>
+                                            <p:cond delay="0"/>
+                                          </p:stCondLst>
+                                        </p:cTn>
+                                        <p:tgtEl>
+                                          <p:spTgt spid="6">
+                                            <p:txEl>
+                                              <p:pRg st="3" end="3"/>
+                                            </p:txEl>
+                                          </p:spTgt>
+                                        </p:tgtEl>
+                                        <p:attrNameLst>
+                                          <p:attrName>style.visibility</p:attrName>
+                                        </p:attrNameLst>
+                                      </p:cBhvr>
+                                      <p:to>
+                                        <p:strVal val="visible"/>
+                                      </p:to>
+                                    </p:set>
+                                  </p:childTnLst>
+                                </p:cTn>
+                              </p:par>
+                            </p:childTnLst>
+                          </p:cTn>
+                        </p:par>
+                      </p:childTnLst>
+                    </p:cTn>
+                  </p:par>
+                  <p:par>
+                    <p:cTn id="13" fill="hold">
+                      <p:stCondLst>
+                        <p:cond delay="indefinite"/>
+                      </p:stCondLst>
+                      <p:childTnLst>
+                        <p:par>
+                          <p:cTn id="14" fill="hold">
+                            <p:stCondLst>
+                              <p:cond delay="0"/>
+                            </p:stCondLst>
+                            <p:childTnLst>
+                              <p:par>
+                                <p:cTn id="15" presetID="1" presetClass="entr" presetSubtype="0" fill="hold" nodeType="clickEffect">
+                                  <p:stCondLst>
+                                    <p:cond delay="0"/>
+                                  </p:stCondLst>
+                                  <p:childTnLst>
+                                    <p:set>
+                                      <p:cBhvr>
+                                        <p:cTn id="16" dur="1" fill="hold">
+                                          <p:stCondLst>
+                                            <p:cond delay="0"/>
+                                          </p:stCondLst>
+                                        </p:cTn>
+                                        <p:tgtEl>
+                                          <p:spTgt spid="6">
+                                            <p:txEl>
+                                              <p:pRg st="4" end="4"/>
+                                            </p:txEl>
+                                          </p:spTgt>
+                                        </p:tgtEl>
+                                        <p:attrNameLst>
+                                          <p:attrName>style.visibility</p:attrName>
+                                        </p:attrNameLst>
+                                      </p:cBhvr>
+                                      <p:to>
+                                        <p:strVal val="visible"/>
+                                      </p:to>
+                                    </p:set>
+                                  </p:childTnLst>
+                                </p:cTn>
+                              </p:par>
+                              <p:par>
+                                <p:cTn id="17" presetID="1" presetClass="entr" presetSubtype="0" fill="hold" nodeType="withEffect">
+                                  <p:stCondLst>
+                                    <p:cond delay="0"/>
+                                  </p:stCondLst>
+                                  <p:childTnLst>
+                                    <p:set>
+                                      <p:cBhvr>
+                                        <p:cTn id="18" dur="1" fill="hold">
+                                          <p:stCondLst>
+                                            <p:cond delay="0"/>
+                                          </p:stCondLst>
+                                        </p:cTn>
+                                        <p:tgtEl>
+                                          <p:spTgt spid="6">
+                                            <p:txEl>
+                                              <p:pRg st="5" end="5"/>
+                                            </p:txEl>
+                                          </p:spTgt>
+                                        </p:tgtEl>
+                                        <p:attrNameLst>
+                                          <p:attrName>style.visibility</p:attrName>
+                                        </p:attrNameLst>
+                                      </p:cBhvr>
+                                      <p:to>
+                                        <p:strVal val="visible"/>
+                                      </p:to>
+                                    </p:set>
+                                  </p:childTnLst>
+                                </p:cTn>
+                              </p:par>
+                            </p:childTnLst>
+                          </p:cTn>
+                        </p:par>
+                      </p:childTnLst>
+                    </p:cTn>
+                  </p:par>
+                  <p:par>
+                    <p:cTn id="19" fill="hold">
+                      <p:stCondLst>
+                        <p:cond delay="indefinite"/>
+                      </p:stCondLst>
+                      <p:childTnLst>
+                        <p:par>
+                          <p:cTn id="20" fill="hold">
+                            <p:stCondLst>
+                              <p:cond delay="0"/>
+                            </p:stCondLst>
+                            <p:childTnLst>
+                              <p:par>
+                                <p:cTn id="21" presetID="1" presetClass="entr" presetSubtype="0" fill="hold" nodeType="clickEffect">
+                                  <p:stCondLst>
+                                    <p:cond delay="0"/>
+                                  </p:stCondLst>
+                                  <p:childTnLst>
+                                    <p:set>
+                                      <p:cBhvr>
+                                        <p:cTn id="22" dur="1" fill="hold">
+                                          <p:stCondLst>
+                                            <p:cond delay="0"/>
+                                          </p:stCondLst>
+                                        </p:cTn>
+                                        <p:tgtEl>
+                                          <p:spTgt spid="6">
+                                            <p:txEl>
+                                              <p:pRg st="7" end="7"/>
+                                            </p:txEl>
+                                          </p:spTgt>
+                                        </p:tgtEl>
+                                        <p:attrNameLst>
+                                          <p:attrName>style.visibility</p:attrName>
+                                        </p:attrNameLst>
+                                      </p:cBhvr>
+                                      <p:to>
+                                        <p:strVal val="visible"/>
+                                      </p:to>
+                                    </p:set>
+                                  </p:childTnLst>
+                                </p:cTn>
+                              </p:par>
+                              <p:par>
+                                <p:cTn id="23" presetID="1" presetClass="entr" presetSubtype="0" fill="hold" nodeType="withEffect">
+                                  <p:stCondLst>
+                                    <p:cond delay="0"/>
+                                  </p:stCondLst>
+                                  <p:childTnLst>
+                                    <p:set>
+                                      <p:cBhvr>
+                                        <p:cTn id="24" dur="1" fill="hold">
+                                          <p:stCondLst>
+                                            <p:cond delay="0"/>
+                                          </p:stCondLst>
+                                        </p:cTn>
+                                        <p:tgtEl>
+                                          <p:spTgt spid="6">
+                                            <p:txEl>
+                                              <p:pRg st="8" end="8"/>
+                                            </p:txEl>
+                                          </p:spTgt>
+                                        </p:tgtEl>
+                                        <p:attrNameLst>
+                                          <p:attrName>style.visibility</p:attrName>
+                                        </p:attrNameLst>
+                                      </p:cBhvr>
+                                      <p:to>
+                                        <p:strVal val="visible"/>
+                                      </p:to>
+                                    </p:set>
+                                  </p:childTnLst>
+                                </p:cTn>
+                              </p:par>
+                              <p:par>
+                                <p:cTn id="25" presetID="1" presetClass="entr" presetSubtype="0" fill="hold" nodeType="withEffect">
+                                  <p:stCondLst>
+                                    <p:cond delay="0"/>
+                                  </p:stCondLst>
+                                  <p:childTnLst>
+                                    <p:set>
+                                      <p:cBhvr>
+                                        <p:cTn id="26" dur="1" fill="hold">
+                                          <p:stCondLst>
+                                            <p:cond delay="0"/>
+                                          </p:stCondLst>
+                                        </p:cTn>
+                                        <p:tgtEl>
+                                          <p:spTgt spid="6">
+                                            <p:txEl>
+                                              <p:pRg st="9" end="9"/>
+                                            </p:txEl>
+                                          </p:spTgt>
+                                        </p:tgtEl>
+                                        <p:attrNameLst>
+                                          <p:attrName>style.visibility</p:attrName>
+                                        </p:attrNameLst>
+                                      </p:cBhvr>
+                                      <p:to>
+                                        <p:strVal val="visible"/>
+                                      </p:to>
+                                    </p:set>
+                                  </p:childTnLst>
+                                </p:cTn>
+                              </p:par>
+                              <p:par>
+                                <p:cTn id="27" presetID="1" presetClass="entr" presetSubtype="0" fill="hold" nodeType="withEffect">
+                                  <p:stCondLst>
+                                    <p:cond delay="0"/>
+                                  </p:stCondLst>
+                                  <p:childTnLst>
+                                    <p:set>
+                                      <p:cBhvr>
+                                        <p:cTn id="28" dur="1" fill="hold">
+                                          <p:stCondLst>
+                                            <p:cond delay="0"/>
+                                          </p:stCondLst>
+                                        </p:cTn>
+                                        <p:tgtEl>
+                                          <p:spTgt spid="6">
+                                            <p:txEl>
+                                              <p:pRg st="10" end="10"/>
+                                            </p:txEl>
+                                          </p:spTgt>
+                                        </p:tgtEl>
+                                        <p:attrNameLst>
+                                          <p:attrName>style.visibility</p:attrName>
+                                        </p:attrNameLst>
+                                      </p:cBhvr>
+                                      <p:to>
+                                        <p:strVal val="visible"/>
+                                      </p:to>
+                                    </p:set>
+                                  </p:childTnLst>
+                                </p:cTn>
+                              </p:par>
+                              <p:par>
+                                <p:cTn id="29" presetID="1" presetClass="entr" presetSubtype="0" fill="hold" nodeType="withEffect">
+                                  <p:stCondLst>
+                                    <p:cond delay="0"/>
+                                  </p:stCondLst>
+                                  <p:childTnLst>
+                                    <p:set>
+                                      <p:cBhvr>
+                                        <p:cTn id="30" dur="1" fill="hold">
+                                          <p:stCondLst>
+                                            <p:cond delay="0"/>
+                                          </p:stCondLst>
+                                        </p:cTn>
+                                        <p:tgtEl>
+                                          <p:spTgt spid="6">
+                                            <p:txEl>
+                                              <p:pRg st="11" end="11"/>
+                                            </p:txEl>
+                                          </p:spTgt>
+                                        </p:tgtEl>
+                                        <p:attrNameLst>
+                                          <p:attrName>style.visibility</p:attrName>
+                                        </p:attrNameLst>
+                                      </p:cBhvr>
+                                      <p:to>
+                                        <p:strVal val="visible"/>
+                                      </p:to>
+                                    </p:set>
+                                  </p:childTnLst>
+                                </p:cTn>
+                              </p:par>
+                              <p:par>
+                                <p:cTn id="31" presetID="1" presetClass="entr" presetSubtype="0" fill="hold" nodeType="withEffect">
+                                  <p:stCondLst>
+                                    <p:cond delay="0"/>
+                                  </p:stCondLst>
+                                  <p:childTnLst>
+                                    <p:set>
+                                      <p:cBhvr>
+                                        <p:cTn id="32" dur="1" fill="hold">
+                                          <p:stCondLst>
+                                            <p:cond delay="0"/>
+                                          </p:stCondLst>
+                                        </p:cTn>
+                                        <p:tgtEl>
+                                          <p:spTgt spid="6">
+                                            <p:txEl>
+                                              <p:pRg st="12" end="12"/>
+                                            </p:txEl>
+                                          </p:spTgt>
+                                        </p:tgtEl>
+                                        <p:attrNameLst>
+                                          <p:attrName>style.visibility</p:attrName>
+                                        </p:attrNameLst>
+                                      </p:cBhvr>
+                                      <p:to>
+                                        <p:strVal val="visible"/>
+                                      </p:to>
+                                    </p:set>
+                                  </p:childTnLst>
+                                </p:cTn>
+                              </p:par>
+                              <p:par>
+                                <p:cTn id="33" presetID="1" presetClass="entr" presetSubtype="0" fill="hold" nodeType="withEffect">
+                                  <p:stCondLst>
+                                    <p:cond delay="0"/>
+                                  </p:stCondLst>
+                                  <p:childTnLst>
+                                    <p:set>
+                                      <p:cBhvr>
+                                        <p:cTn id="34" dur="1" fill="hold">
+                                          <p:stCondLst>
+                                            <p:cond delay="0"/>
+                                          </p:stCondLst>
+                                        </p:cTn>
+                                        <p:tgtEl>
+                                          <p:spTgt spid="6">
+                                            <p:txEl>
+                                              <p:pRg st="13" end="13"/>
+                                            </p:txEl>
+                                          </p:spTgt>
+                                        </p:tgtEl>
+                                        <p:attrNameLst>
+                                          <p:attrName>style.visibility</p:attrName>
+                                        </p:attrNameLst>
+                                      </p:cBhvr>
+                                      <p:to>
+                                        <p:strVal val="visible"/>
+                                      </p:to>
+                                    </p:set>
+                                  </p:childTnLst>
+                                </p:cTn>
+                              </p:par>
+                              <p:par>
+                                <p:cTn id="35" presetID="1" presetClass="entr" presetSubtype="0" fill="hold" nodeType="withEffect">
+                                  <p:stCondLst>
+                                    <p:cond delay="0"/>
+                                  </p:stCondLst>
+                                  <p:childTnLst>
+                                    <p:set>
+                                      <p:cBhvr>
+                                        <p:cTn id="36" dur="1" fill="hold">
+                                          <p:stCondLst>
+                                            <p:cond delay="0"/>
+                                          </p:stCondLst>
+                                        </p:cTn>
+                                        <p:tgtEl>
+                                          <p:spTgt spid="6">
+                                            <p:txEl>
+                                              <p:pRg st="14" end="14"/>
+                                            </p:txEl>
+                                          </p:spTgt>
+                                        </p:tgtEl>
+                                        <p:attrNameLst>
+                                          <p:attrName>style.visibility</p:attrName>
+                                        </p:attrNameLst>
+                                      </p:cBhvr>
+                                      <p:to>
+                                        <p:strVal val="visible"/>
+                                      </p:to>
+                                    </p:set>
+                                  </p:childTnLst>
+                                </p:cTn>
+                              </p:par>
+                              <p:par>
+                                <p:cTn id="37" presetID="1" presetClass="entr" presetSubtype="0" fill="hold" nodeType="withEffect">
+                                  <p:stCondLst>
+                                    <p:cond delay="0"/>
+                                  </p:stCondLst>
+                                  <p:childTnLst>
+                                    <p:set>
+                                      <p:cBhvr>
+                                        <p:cTn id="38" dur="1" fill="hold">
+                                          <p:stCondLst>
+                                            <p:cond delay="0"/>
+                                          </p:stCondLst>
+                                        </p:cTn>
+                                        <p:tgtEl>
+                                          <p:spTgt spid="6">
+                                            <p:txEl>
+                                              <p:pRg st="15" end="15"/>
+                                            </p:txEl>
+                                          </p:spTgt>
+                                        </p:tgtEl>
+                                        <p:attrNameLst>
+                                          <p:attrName>style.visibility</p:attrName>
+                                        </p:attrNameLst>
+                                      </p:cBhvr>
+                                      <p:to>
+                                        <p:strVal val="visible"/>
+                                      </p:to>
+                                    </p:set>
+                                  </p:childTnLst>
+                                </p:cTn>
+                              </p:par>
+                              <p:par>
+                                <p:cTn id="39" presetID="1" presetClass="entr" presetSubtype="0" fill="hold" nodeType="withEffect">
+                                  <p:stCondLst>
+                                    <p:cond delay="0"/>
+                                  </p:stCondLst>
+                                  <p:childTnLst>
+                                    <p:set>
+                                      <p:cBhvr>
+                                        <p:cTn id="40" dur="1" fill="hold">
+                                          <p:stCondLst>
+                                            <p:cond delay="0"/>
+                                          </p:stCondLst>
+                                        </p:cTn>
+                                        <p:tgtEl>
+                                          <p:spTgt spid="6">
+                                            <p:txEl>
+                                              <p:pRg st="16" end="16"/>
+                                            </p:txEl>
+                                          </p:spTgt>
+                                        </p:tgtEl>
+                                        <p:attrNameLst>
+                                          <p:attrName>style.visibility</p:attrName>
+                                        </p:attrNameLst>
+                                      </p:cBhvr>
+                                      <p:to>
+                                        <p:strVal val="visible"/>
+                                      </p:to>
+                                    </p:set>
+                                  </p:childTnLst>
+                                </p:cTn>
+                              </p:par>
+                            </p:childTnLst>
+                          </p:cTn>
+                        </p:par>
+                      </p:childTnLst>
+                    </p:cTn>
+                  </p:par>
+                </p:childTnLst>
+              </p:cTn>
+              <p:prevCondLst>
+                <p:cond evt="onPrev" delay="0">
+                  <p:tgtEl>
+                    <p:sldTgt/>
+                  </p:tgtEl>
+                </p:cond>
+              </p:prevCondLst>
+              <p:nextCondLst>
+                <p:cond evt="onNext" delay="0">
+                  <p:tgtEl>
+                    <p:sldTgt/>
+                  </p:tgtEl>
+                </p:cond>
+              </p:nextCondLst>
+            </p:seq>
+          </p:childTnLst>
+        </p:cTn>
+      </p:par>
+    </p:tnLst>
+  </p:timing>
+</p:sld>
+</file>
+
+<file path=ppt/slides/slide6.xml><?xml version="1.0" encoding="utf-8"?>
+<p:sld xmlns:a="http://schemas.openxmlformats.org/drawingml/2006/main" xmlns:r="http://schemas.openxmlformats.org/officeDocument/2006/relationships" xmlns:p="http://schemas.openxmlformats.org/presentationml/2006/main">
+  <p:cSld>
+    <p:spTree>
+      <p:nvGrpSpPr>
+        <p:cNvPr id="1" name=""/>
+        <p:cNvGrpSpPr/>
+        <p:nvPr/>
+      </p:nvGrpSpPr>
+      <p:grpSpPr>
+        <a:xfrm>
+          <a:off x="0" y="0"/>
+          <a:ext cx="0" cy="0"/>
+          <a:chOff x="0" y="0"/>
+          <a:chExt cx="0" cy="0"/>
+        </a:xfrm>
+      </p:grpSpPr>
+      <p:sp>
+        <p:nvSpPr>
+          <p:cNvPr id="6" name="TextBox 5">
+            <a:extLst>
+              <a:ext uri="{FF2B5EF4-FFF2-40B4-BE49-F238E27FC236}">
+                <a16:creationId xmlns:a16="http://schemas.microsoft.com/office/drawing/2014/main" id="{15C4154D-10AE-47D6-90B1-E86ABB763DFC}"/>
+              </a:ext>
+            </a:extLst>
+          </p:cNvPr>
+          <p:cNvSpPr txBox="1"/>
+          <p:nvPr/>
+        </p:nvSpPr>
+        <p:spPr>
+          <a:xfrm>
+            <a:off x="319177" y="162846"/>
+            <a:ext cx="8505645" cy="4801314"/>
+          </a:xfrm>
+          <a:prstGeom prst="rect">
+            <a:avLst/>
+          </a:prstGeom>
+          <a:solidFill>
+            <a:schemeClr val="bg1">
+              <a:lumMod val="95000"/>
+            </a:schemeClr>
+          </a:solidFill>
+          <a:ln>
+            <a:solidFill>
+              <a:schemeClr val="bg1">
+                <a:lumMod val="85000"/>
+              </a:schemeClr>
+            </a:solidFill>
+          </a:ln>
+        </p:spPr>
+        <p:txBody>
+          <a:bodyPr wrap="square">
+            <a:spAutoFit/>
+          </a:bodyPr>
+          <a:lstStyle/>
+          <a:p>
+            <a:r>
+              <a:rPr lang="en-GB" dirty="0">
+                <a:latin typeface="Consolas" panose="020B0609020204030204" pitchFamily="49" charset="0"/>
+              </a:rPr>
+              <a:t>library("</a:t>
+            </a:r>
+            <a:r>
+              <a:rPr lang="en-GB" dirty="0" err="1">
+                <a:latin typeface="Consolas" panose="020B0609020204030204" pitchFamily="49" charset="0"/>
+              </a:rPr>
+              <a:t>rstanarm</a:t>
+            </a:r>
+            <a:r>
+              <a:rPr lang="en-GB" dirty="0">
+                <a:latin typeface="Consolas" panose="020B0609020204030204" pitchFamily="49" charset="0"/>
+              </a:rPr>
+              <a:t>")  </a:t>
+            </a:r>
+            <a:r>
+              <a:rPr lang="en-GB" dirty="0">
+                <a:solidFill>
                   <a:srgbClr val="00B050"/>
                 </a:solidFill>
                 <a:latin typeface="Consolas" panose="020B0609020204030204" pitchFamily="49" charset="0"/>
               </a:rPr>
+              <a:t># Bayesian regression modelling using Stan</a:t>
+            </a:r>
+          </a:p>
+          <a:p>
+            <a:endParaRPr lang="en-GB" dirty="0">
+              <a:solidFill>
+                <a:srgbClr val="00B050"/>
+              </a:solidFill>
+              <a:latin typeface="Consolas" panose="020B0609020204030204" pitchFamily="49" charset="0"/>
+            </a:endParaRPr>
+          </a:p>
+          <a:p>
+            <a:r>
+              <a:rPr lang="en-GB" dirty="0" err="1">
+                <a:latin typeface="Consolas" panose="020B0609020204030204" pitchFamily="49" charset="0"/>
+              </a:rPr>
+              <a:t>m_def</a:t>
+            </a:r>
+            <a:r>
+              <a:rPr lang="en-GB" dirty="0">
+                <a:latin typeface="Consolas" panose="020B0609020204030204" pitchFamily="49" charset="0"/>
+              </a:rPr>
+              <a:t> &lt;- </a:t>
+            </a:r>
+            <a:r>
+              <a:rPr lang="en-GB" dirty="0" err="1">
+                <a:latin typeface="Consolas" panose="020B0609020204030204" pitchFamily="49" charset="0"/>
+              </a:rPr>
+              <a:t>stan_lmer</a:t>
+            </a:r>
+            <a:r>
+              <a:rPr lang="en-GB" dirty="0">
+                <a:latin typeface="Consolas" panose="020B0609020204030204" pitchFamily="49" charset="0"/>
+              </a:rPr>
+              <a:t>(rt ~ length*stimulus + (length*stimulus | id),</a:t>
+            </a:r>
+          </a:p>
+          <a:p>
+            <a:r>
+              <a:rPr lang="en-GB" dirty="0">
+                <a:latin typeface="Consolas" panose="020B0609020204030204" pitchFamily="49" charset="0"/>
+              </a:rPr>
+              <a:t>					 </a:t>
+            </a:r>
+            <a:r>
+              <a:rPr lang="en-GB" dirty="0" err="1">
+                <a:latin typeface="Consolas" panose="020B0609020204030204" pitchFamily="49" charset="0"/>
+              </a:rPr>
+              <a:t>fhch</a:t>
+            </a:r>
+            <a:r>
+              <a:rPr lang="en-GB" dirty="0">
+                <a:latin typeface="Consolas" panose="020B0609020204030204" pitchFamily="49" charset="0"/>
+              </a:rPr>
+              <a:t>)</a:t>
+            </a:r>
+          </a:p>
+          <a:p>
+            <a:r>
+              <a:rPr lang="en-GB" dirty="0">
+                <a:latin typeface="Consolas" panose="020B0609020204030204" pitchFamily="49" charset="0"/>
+              </a:rPr>
+              <a:t>summary(</a:t>
+            </a:r>
+            <a:r>
+              <a:rPr lang="en-GB" dirty="0" err="1">
+                <a:latin typeface="Consolas" panose="020B0609020204030204" pitchFamily="49" charset="0"/>
+              </a:rPr>
+              <a:t>m_def</a:t>
+            </a:r>
+            <a:r>
+              <a:rPr lang="en-GB" dirty="0">
+                <a:latin typeface="Consolas" panose="020B0609020204030204" pitchFamily="49" charset="0"/>
+              </a:rPr>
+              <a:t>, pars = "(Intercept)", </a:t>
+            </a:r>
+            <a:r>
+              <a:rPr lang="en-GB" dirty="0" err="1">
+                <a:latin typeface="Consolas" panose="020B0609020204030204" pitchFamily="49" charset="0"/>
+              </a:rPr>
+              <a:t>regex_pars</a:t>
+            </a:r>
+            <a:r>
+              <a:rPr lang="en-GB" dirty="0">
+                <a:latin typeface="Consolas" panose="020B0609020204030204" pitchFamily="49" charset="0"/>
+              </a:rPr>
+              <a:t> = c("^length",</a:t>
+            </a:r>
+          </a:p>
+          <a:p>
+            <a:r>
+              <a:rPr lang="en-GB" dirty="0">
+                <a:latin typeface="Consolas" panose="020B0609020204030204" pitchFamily="49" charset="0"/>
+              </a:rPr>
+              <a:t>		 "^stimulus"), digits = 2)</a:t>
+            </a:r>
+          </a:p>
+          <a:p>
+            <a:endParaRPr lang="en-GB" dirty="0">
+              <a:latin typeface="Consolas" panose="020B0609020204030204" pitchFamily="49" charset="0"/>
+            </a:endParaRPr>
+          </a:p>
+          <a:p>
+            <a:r>
+              <a:rPr lang="en-GB" dirty="0">
+                <a:solidFill>
+                  <a:schemeClr val="accent6">
+                    <a:lumMod val="75000"/>
+                  </a:schemeClr>
+                </a:solidFill>
+                <a:latin typeface="Consolas" panose="020B0609020204030204" pitchFamily="49" charset="0"/>
+              </a:rPr>
               <a:t>## [...]</a:t>
             </a:r>
           </a:p>
@@ -5564,7 +9771,9 @@
             <a:r>
               <a:rPr lang="en-GB" b="1" dirty="0">
                 <a:solidFill>
-                  <a:srgbClr val="00B050"/>
+                  <a:schemeClr val="accent6">
+                    <a:lumMod val="75000"/>
+                  </a:schemeClr>
                 </a:solidFill>
                 <a:latin typeface="Consolas" panose="020B0609020204030204" pitchFamily="49" charset="0"/>
               </a:rPr>
@@ -5575,7 +9784,9 @@
             <a:r>
               <a:rPr lang="en-GB" b="1" dirty="0">
                 <a:solidFill>
-                  <a:srgbClr val="00B050"/>
+                  <a:schemeClr val="accent6">
+                    <a:lumMod val="75000"/>
+                  </a:schemeClr>
                 </a:solidFill>
                 <a:latin typeface="Consolas" panose="020B0609020204030204" pitchFamily="49" charset="0"/>
               </a:rPr>
@@ -5584,7 +9795,9 @@
             <a:r>
               <a:rPr lang="en-GB" dirty="0">
                 <a:solidFill>
-                  <a:srgbClr val="00B050"/>
+                  <a:schemeClr val="accent6">
+                    <a:lumMod val="75000"/>
+                  </a:schemeClr>
                 </a:solidFill>
                 <a:latin typeface="Consolas" panose="020B0609020204030204" pitchFamily="49" charset="0"/>
               </a:rPr>
@@ -5593,7 +9806,9 @@
             <a:r>
               <a:rPr lang="en-GB" dirty="0" err="1">
                 <a:solidFill>
-                  <a:srgbClr val="00B050"/>
+                  <a:schemeClr val="accent6">
+                    <a:lumMod val="75000"/>
+                  </a:schemeClr>
                 </a:solidFill>
                 <a:latin typeface="Consolas" panose="020B0609020204030204" pitchFamily="49" charset="0"/>
               </a:rPr>
@@ -5602,7 +9817,9 @@
             <a:r>
               <a:rPr lang="en-GB" dirty="0">
                 <a:solidFill>
-                  <a:srgbClr val="00B050"/>
+                  <a:schemeClr val="accent6">
+                    <a:lumMod val="75000"/>
+                  </a:schemeClr>
                 </a:solidFill>
                 <a:latin typeface="Consolas" panose="020B0609020204030204" pitchFamily="49" charset="0"/>
               </a:rPr>
@@ -5613,7 +9830,9 @@
             <a:r>
               <a:rPr lang="en-GB" b="1" dirty="0">
                 <a:solidFill>
-                  <a:srgbClr val="00B050"/>
+                  <a:schemeClr val="accent6">
+                    <a:lumMod val="75000"/>
+                  </a:schemeClr>
                 </a:solidFill>
                 <a:latin typeface="Consolas" panose="020B0609020204030204" pitchFamily="49" charset="0"/>
               </a:rPr>
@@ -5622,7 +9841,9 @@
             <a:r>
               <a:rPr lang="en-GB" dirty="0">
                 <a:solidFill>
-                  <a:srgbClr val="00B050"/>
+                  <a:schemeClr val="accent6">
+                    <a:lumMod val="75000"/>
+                  </a:schemeClr>
                 </a:solidFill>
                 <a:latin typeface="Consolas" panose="020B0609020204030204" pitchFamily="49" charset="0"/>
               </a:rPr>
@@ -5633,7 +9854,9 @@
             <a:r>
               <a:rPr lang="en-GB" b="1" dirty="0">
                 <a:solidFill>
-                  <a:srgbClr val="00B050"/>
+                  <a:schemeClr val="accent6">
+                    <a:lumMod val="75000"/>
+                  </a:schemeClr>
                 </a:solidFill>
                 <a:latin typeface="Consolas" panose="020B0609020204030204" pitchFamily="49" charset="0"/>
               </a:rPr>
@@ -5642,7 +9865,9 @@
             <a:r>
               <a:rPr lang="en-GB" dirty="0">
                 <a:solidFill>
-                  <a:srgbClr val="00B050"/>
+                  <a:schemeClr val="accent6">
+                    <a:lumMod val="75000"/>
+                  </a:schemeClr>
                 </a:solidFill>
                 <a:latin typeface="Consolas" panose="020B0609020204030204" pitchFamily="49" charset="0"/>
               </a:rPr>
@@ -5653,7 +9878,9 @@
             <a:r>
               <a:rPr lang="en-GB" b="1" dirty="0">
                 <a:solidFill>
-                  <a:srgbClr val="00B050"/>
+                  <a:schemeClr val="accent6">
+                    <a:lumMod val="75000"/>
+                  </a:schemeClr>
                 </a:solidFill>
                 <a:latin typeface="Consolas" panose="020B0609020204030204" pitchFamily="49" charset="0"/>
               </a:rPr>
@@ -5662,7 +9889,9 @@
             <a:r>
               <a:rPr lang="en-GB" dirty="0">
                 <a:solidFill>
-                  <a:srgbClr val="00B050"/>
+                  <a:schemeClr val="accent6">
+                    <a:lumMod val="75000"/>
+                  </a:schemeClr>
                 </a:solidFill>
                 <a:latin typeface="Consolas" panose="020B0609020204030204" pitchFamily="49" charset="0"/>
               </a:rPr>
@@ -5673,7 +9902,9 @@
             <a:r>
               <a:rPr lang="en-GB" b="1" dirty="0">
                 <a:solidFill>
-                  <a:srgbClr val="00B050"/>
+                  <a:schemeClr val="accent6">
+                    <a:lumMod val="75000"/>
+                  </a:schemeClr>
                 </a:solidFill>
                 <a:latin typeface="Consolas" panose="020B0609020204030204" pitchFamily="49" charset="0"/>
               </a:rPr>
@@ -5682,7 +9913,9 @@
             <a:r>
               <a:rPr lang="en-GB" b="1" dirty="0" err="1">
                 <a:solidFill>
-                  <a:srgbClr val="00B050"/>
+                  <a:schemeClr val="accent6">
+                    <a:lumMod val="75000"/>
+                  </a:schemeClr>
                 </a:solidFill>
                 <a:latin typeface="Consolas" panose="020B0609020204030204" pitchFamily="49" charset="0"/>
               </a:rPr>
@@ -5691,7 +9924,9 @@
             <a:r>
               <a:rPr lang="en-GB" b="1" dirty="0">
                 <a:solidFill>
-                  <a:srgbClr val="00B050"/>
+                  <a:schemeClr val="accent6">
+                    <a:lumMod val="75000"/>
+                  </a:schemeClr>
                 </a:solidFill>
                 <a:latin typeface="Consolas" panose="020B0609020204030204" pitchFamily="49" charset="0"/>
               </a:rPr>
@@ -5700,7 +9935,9 @@
             <a:r>
               <a:rPr lang="en-GB" dirty="0">
                 <a:solidFill>
-                  <a:srgbClr val="00B050"/>
+                  <a:schemeClr val="accent6">
+                    <a:lumMod val="75000"/>
+                  </a:schemeClr>
                 </a:solidFill>
                 <a:latin typeface="Consolas" panose="020B0609020204030204" pitchFamily="49" charset="0"/>
               </a:rPr>
@@ -5711,7 +9948,9 @@
             <a:r>
               <a:rPr lang="en-GB" b="1" dirty="0">
                 <a:solidFill>
-                  <a:srgbClr val="00B050"/>
+                  <a:schemeClr val="accent6">
+                    <a:lumMod val="75000"/>
+                  </a:schemeClr>
                 </a:solidFill>
                 <a:latin typeface="Consolas" panose="020B0609020204030204" pitchFamily="49" charset="0"/>
               </a:rPr>
@@ -5720,7 +9959,9 @@
             <a:r>
               <a:rPr lang="en-GB" dirty="0">
                 <a:solidFill>
-                  <a:srgbClr val="00B050"/>
+                  <a:schemeClr val="accent6">
+                    <a:lumMod val="75000"/>
+                  </a:schemeClr>
                 </a:solidFill>
                 <a:latin typeface="Consolas" panose="020B0609020204030204" pitchFamily="49" charset="0"/>
               </a:rPr>
@@ -5731,7 +9972,9 @@
             <a:r>
               <a:rPr lang="en-GB" b="1" dirty="0">
                 <a:solidFill>
-                  <a:srgbClr val="00B050"/>
+                  <a:schemeClr val="accent6">
+                    <a:lumMod val="75000"/>
+                  </a:schemeClr>
                 </a:solidFill>
                 <a:latin typeface="Consolas" panose="020B0609020204030204" pitchFamily="49" charset="0"/>
               </a:rPr>
@@ -5740,7 +9983,9 @@
             <a:r>
               <a:rPr lang="en-GB" dirty="0">
                 <a:solidFill>
-                  <a:srgbClr val="00B050"/>
+                  <a:schemeClr val="accent6">
+                    <a:lumMod val="75000"/>
+                  </a:schemeClr>
                 </a:solidFill>
                 <a:latin typeface="Consolas" panose="020B0609020204030204" pitchFamily="49" charset="0"/>
               </a:rPr>
@@ -5751,7 +9996,9 @@
             <a:r>
               <a:rPr lang="en-GB" dirty="0">
                 <a:solidFill>
-                  <a:srgbClr val="00B050"/>
+                  <a:schemeClr val="accent6">
+                    <a:lumMod val="75000"/>
+                  </a:schemeClr>
                 </a:solidFill>
                 <a:latin typeface="Consolas" panose="020B0609020204030204" pitchFamily="49" charset="0"/>
               </a:rPr>
@@ -5772,13 +10019,7 @@
           <p:cNvGraphicFramePr>
             <a:graphicFrameLocks noGrp="1"/>
           </p:cNvGraphicFramePr>
-          <p:nvPr>
-            <p:extLst>
-              <p:ext uri="{D42A27DB-BD31-4B8C-83A1-F6EECF244321}">
-                <p14:modId xmlns:p14="http://schemas.microsoft.com/office/powerpoint/2010/main" val="4016865781"/>
-              </p:ext>
-            </p:extLst>
-          </p:nvPr>
+          <p:nvPr/>
         </p:nvGraphicFramePr>
         <p:xfrm>
           <a:off x="1892059" y="5165786"/>
@@ -6130,20 +10371,230 @@
           </a:graphicData>
         </a:graphic>
       </p:graphicFrame>
+      <p:sp>
+        <p:nvSpPr>
+          <p:cNvPr id="2" name="Rectangle 1">
+            <a:extLst>
+              <a:ext uri="{FF2B5EF4-FFF2-40B4-BE49-F238E27FC236}">
+                <a16:creationId xmlns:a16="http://schemas.microsoft.com/office/drawing/2014/main" id="{FCEF95F2-625E-4CCB-A11D-019A91AC104A}"/>
+              </a:ext>
+            </a:extLst>
+          </p:cNvPr>
+          <p:cNvSpPr/>
+          <p:nvPr/>
+        </p:nvSpPr>
+        <p:spPr>
+          <a:xfrm>
+            <a:off x="6188015" y="5101087"/>
+            <a:ext cx="1242204" cy="1627517"/>
+          </a:xfrm>
+          <a:prstGeom prst="rect">
+            <a:avLst/>
+          </a:prstGeom>
+          <a:solidFill>
+            <a:schemeClr val="bg1"/>
+          </a:solidFill>
+          <a:ln>
+            <a:noFill/>
+          </a:ln>
+        </p:spPr>
+        <p:style>
+          <a:lnRef idx="2">
+            <a:schemeClr val="accent1">
+              <a:shade val="50000"/>
+            </a:schemeClr>
+          </a:lnRef>
+          <a:fillRef idx="1">
+            <a:schemeClr val="accent1"/>
+          </a:fillRef>
+          <a:effectRef idx="0">
+            <a:schemeClr val="accent1"/>
+          </a:effectRef>
+          <a:fontRef idx="minor">
+            <a:schemeClr val="lt1"/>
+          </a:fontRef>
+        </p:style>
+        <p:txBody>
+          <a:bodyPr rtlCol="0" anchor="ctr"/>
+          <a:lstStyle/>
+          <a:p>
+            <a:pPr algn="ctr"/>
+            <a:endParaRPr lang="en-GB"/>
+          </a:p>
+        </p:txBody>
+      </p:sp>
+      <p:sp>
+        <p:nvSpPr>
+          <p:cNvPr id="5" name="Rectangle 4">
+            <a:extLst>
+              <a:ext uri="{FF2B5EF4-FFF2-40B4-BE49-F238E27FC236}">
+                <a16:creationId xmlns:a16="http://schemas.microsoft.com/office/drawing/2014/main" id="{C5F4A9DD-E5F9-4F0E-B7A8-2E0A3C2DF1D0}"/>
+              </a:ext>
+            </a:extLst>
+          </p:cNvPr>
+          <p:cNvSpPr/>
+          <p:nvPr/>
+        </p:nvSpPr>
+        <p:spPr>
+          <a:xfrm>
+            <a:off x="1713781" y="6291532"/>
+            <a:ext cx="5868838" cy="357614"/>
+          </a:xfrm>
+          <a:prstGeom prst="rect">
+            <a:avLst/>
+          </a:prstGeom>
+          <a:solidFill>
+            <a:schemeClr val="bg1"/>
+          </a:solidFill>
+          <a:ln>
+            <a:noFill/>
+          </a:ln>
+        </p:spPr>
+        <p:style>
+          <a:lnRef idx="2">
+            <a:schemeClr val="accent1">
+              <a:shade val="50000"/>
+            </a:schemeClr>
+          </a:lnRef>
+          <a:fillRef idx="1">
+            <a:schemeClr val="accent1"/>
+          </a:fillRef>
+          <a:effectRef idx="0">
+            <a:schemeClr val="accent1"/>
+          </a:effectRef>
+          <a:fontRef idx="minor">
+            <a:schemeClr val="lt1"/>
+          </a:fontRef>
+        </p:style>
+        <p:txBody>
+          <a:bodyPr rtlCol="0" anchor="ctr"/>
+          <a:lstStyle/>
+          <a:p>
+            <a:pPr algn="ctr"/>
+            <a:endParaRPr lang="en-GB"/>
+          </a:p>
+        </p:txBody>
+      </p:sp>
     </p:spTree>
     <p:extLst>
       <p:ext uri="{BB962C8B-B14F-4D97-AF65-F5344CB8AC3E}">
-        <p14:creationId xmlns:p14="http://schemas.microsoft.com/office/powerpoint/2010/main" val="1641673662"/>
+        <p14:creationId xmlns:p14="http://schemas.microsoft.com/office/powerpoint/2010/main" val="1565613601"/>
       </p:ext>
     </p:extLst>
   </p:cSld>
   <p:clrMapOvr>
     <a:masterClrMapping/>
   </p:clrMapOvr>
+  <p:timing>
+    <p:tnLst>
+      <p:par>
+        <p:cTn id="1" dur="indefinite" restart="never" nodeType="tmRoot">
+          <p:childTnLst>
+            <p:seq concurrent="1" nextAc="seek">
+              <p:cTn id="2" dur="indefinite" nodeType="mainSeq">
+                <p:childTnLst>
+                  <p:par>
+                    <p:cTn id="3" fill="hold">
+                      <p:stCondLst>
+                        <p:cond delay="indefinite"/>
+                      </p:stCondLst>
+                      <p:childTnLst>
+                        <p:par>
+                          <p:cTn id="4" fill="hold">
+                            <p:stCondLst>
+                              <p:cond delay="0"/>
+                            </p:stCondLst>
+                            <p:childTnLst>
+                              <p:par>
+                                <p:cTn id="5" presetID="1" presetClass="exit" presetSubtype="0" fill="hold" grpId="0" nodeType="clickEffect">
+                                  <p:stCondLst>
+                                    <p:cond delay="0"/>
+                                  </p:stCondLst>
+                                  <p:childTnLst>
+                                    <p:set>
+                                      <p:cBhvr>
+                                        <p:cTn id="6" dur="1" fill="hold">
+                                          <p:stCondLst>
+                                            <p:cond delay="0"/>
+                                          </p:stCondLst>
+                                        </p:cTn>
+                                        <p:tgtEl>
+                                          <p:spTgt spid="5"/>
+                                        </p:tgtEl>
+                                        <p:attrNameLst>
+                                          <p:attrName>style.visibility</p:attrName>
+                                        </p:attrNameLst>
+                                      </p:cBhvr>
+                                      <p:to>
+                                        <p:strVal val="hidden"/>
+                                      </p:to>
+                                    </p:set>
+                                  </p:childTnLst>
+                                </p:cTn>
+                              </p:par>
+                              <p:par>
+                                <p:cTn id="7" presetID="1" presetClass="exit" presetSubtype="0" fill="hold" grpId="0" nodeType="withEffect">
+                                  <p:stCondLst>
+                                    <p:cond delay="0"/>
+                                  </p:stCondLst>
+                                  <p:childTnLst>
+                                    <p:set>
+                                      <p:cBhvr>
+                                        <p:cTn id="8" dur="1" fill="hold">
+                                          <p:stCondLst>
+                                            <p:cond delay="0"/>
+                                          </p:stCondLst>
+                                        </p:cTn>
+                                        <p:tgtEl>
+                                          <p:spTgt spid="2"/>
+                                        </p:tgtEl>
+                                        <p:attrNameLst>
+                                          <p:attrName>style.visibility</p:attrName>
+                                        </p:attrNameLst>
+                                      </p:cBhvr>
+                                      <p:to>
+                                        <p:strVal val="hidden"/>
+                                      </p:to>
+                                    </p:set>
+                                  </p:childTnLst>
+                                </p:cTn>
+                              </p:par>
+                            </p:childTnLst>
+                          </p:cTn>
+                        </p:par>
+                      </p:childTnLst>
+                    </p:cTn>
+                  </p:par>
+                </p:childTnLst>
+              </p:cTn>
+              <p:prevCondLst>
+                <p:cond evt="onPrev" delay="0">
+                  <p:tgtEl>
+                    <p:sldTgt/>
+                  </p:tgtEl>
+                </p:cond>
+              </p:prevCondLst>
+              <p:nextCondLst>
+                <p:cond evt="onNext" delay="0">
+                  <p:tgtEl>
+                    <p:sldTgt/>
+                  </p:tgtEl>
+                </p:cond>
+              </p:nextCondLst>
+            </p:seq>
+          </p:childTnLst>
+        </p:cTn>
+      </p:par>
+    </p:tnLst>
+    <p:bldLst>
+      <p:bldP spid="2" grpId="0" animBg="1"/>
+      <p:bldP spid="5" grpId="0" animBg="1"/>
+    </p:bldLst>
+  </p:timing>
 </p:sld>
 </file>
 
-<file path=ppt/slides/slide6.xml><?xml version="1.0" encoding="utf-8"?>
+<file path=ppt/slides/slide7.xml><?xml version="1.0" encoding="utf-8"?>
 <p:sld xmlns:a="http://schemas.openxmlformats.org/drawingml/2006/main" xmlns:r="http://schemas.openxmlformats.org/officeDocument/2006/relationships" xmlns:p="http://schemas.openxmlformats.org/presentationml/2006/main">
   <p:cSld>
     <p:spTree>
@@ -6320,7 +10771,9 @@
             <a:r>
               <a:rPr lang="en-GB" dirty="0">
                 <a:solidFill>
-                  <a:srgbClr val="00B050"/>
+                  <a:schemeClr val="accent6">
+                    <a:lumMod val="75000"/>
+                  </a:schemeClr>
                 </a:solidFill>
                 <a:latin typeface="Consolas" panose="020B0609020204030204" pitchFamily="49" charset="0"/>
               </a:rPr>
@@ -6331,7 +10784,9 @@
             <a:r>
               <a:rPr lang="en-GB" b="1" dirty="0">
                 <a:solidFill>
-                  <a:srgbClr val="00B050"/>
+                  <a:schemeClr val="accent6">
+                    <a:lumMod val="75000"/>
+                  </a:schemeClr>
                 </a:solidFill>
                 <a:latin typeface="Consolas" panose="020B0609020204030204" pitchFamily="49" charset="0"/>
               </a:rPr>
@@ -6342,7 +10797,9 @@
             <a:r>
               <a:rPr lang="en-GB" b="1" dirty="0">
                 <a:solidFill>
-                  <a:srgbClr val="00B050"/>
+                  <a:schemeClr val="accent6">
+                    <a:lumMod val="75000"/>
+                  </a:schemeClr>
                 </a:solidFill>
                 <a:latin typeface="Consolas" panose="020B0609020204030204" pitchFamily="49" charset="0"/>
               </a:rPr>
@@ -6351,7 +10808,9 @@
             <a:r>
               <a:rPr lang="en-GB" dirty="0" err="1">
                 <a:solidFill>
-                  <a:srgbClr val="00B050"/>
+                  <a:schemeClr val="accent6">
+                    <a:lumMod val="75000"/>
+                  </a:schemeClr>
                 </a:solidFill>
                 <a:latin typeface="Consolas" panose="020B0609020204030204" pitchFamily="49" charset="0"/>
               </a:rPr>
@@ -6360,7 +10819,9 @@
             <a:r>
               <a:rPr lang="en-GB" dirty="0">
                 <a:solidFill>
-                  <a:srgbClr val="00B050"/>
+                  <a:schemeClr val="accent6">
+                    <a:lumMod val="75000"/>
+                  </a:schemeClr>
                 </a:solidFill>
                 <a:latin typeface="Consolas" panose="020B0609020204030204" pitchFamily="49" charset="0"/>
               </a:rPr>
@@ -6371,7 +10832,9 @@
             <a:r>
               <a:rPr lang="en-GB" b="1" dirty="0">
                 <a:solidFill>
-                  <a:srgbClr val="00B050"/>
+                  <a:schemeClr val="accent6">
+                    <a:lumMod val="75000"/>
+                  </a:schemeClr>
                 </a:solidFill>
                 <a:latin typeface="Consolas" panose="020B0609020204030204" pitchFamily="49" charset="0"/>
               </a:rPr>
@@ -6380,7 +10843,9 @@
             <a:r>
               <a:rPr lang="en-GB" dirty="0">
                 <a:solidFill>
-                  <a:srgbClr val="00B050"/>
+                  <a:schemeClr val="accent6">
+                    <a:lumMod val="75000"/>
+                  </a:schemeClr>
                 </a:solidFill>
                 <a:latin typeface="Consolas" panose="020B0609020204030204" pitchFamily="49" charset="0"/>
               </a:rPr>
@@ -6391,7 +10856,9 @@
             <a:r>
               <a:rPr lang="en-GB" b="1" dirty="0">
                 <a:solidFill>
-                  <a:srgbClr val="00B050"/>
+                  <a:schemeClr val="accent6">
+                    <a:lumMod val="75000"/>
+                  </a:schemeClr>
                 </a:solidFill>
                 <a:latin typeface="Consolas" panose="020B0609020204030204" pitchFamily="49" charset="0"/>
               </a:rPr>
@@ -6400,7 +10867,9 @@
             <a:r>
               <a:rPr lang="en-GB" dirty="0">
                 <a:solidFill>
-                  <a:srgbClr val="00B050"/>
+                  <a:schemeClr val="accent6">
+                    <a:lumMod val="75000"/>
+                  </a:schemeClr>
                 </a:solidFill>
                 <a:latin typeface="Consolas" panose="020B0609020204030204" pitchFamily="49" charset="0"/>
               </a:rPr>
@@ -6411,7 +10880,9 @@
             <a:r>
               <a:rPr lang="en-GB" b="1" dirty="0">
                 <a:solidFill>
-                  <a:srgbClr val="00B050"/>
+                  <a:schemeClr val="accent6">
+                    <a:lumMod val="75000"/>
+                  </a:schemeClr>
                 </a:solidFill>
                 <a:latin typeface="Consolas" panose="020B0609020204030204" pitchFamily="49" charset="0"/>
               </a:rPr>
@@ -6420,7 +10891,9 @@
             <a:r>
               <a:rPr lang="en-GB" dirty="0">
                 <a:solidFill>
-                  <a:srgbClr val="00B050"/>
+                  <a:schemeClr val="accent6">
+                    <a:lumMod val="75000"/>
+                  </a:schemeClr>
                 </a:solidFill>
                 <a:latin typeface="Consolas" panose="020B0609020204030204" pitchFamily="49" charset="0"/>
               </a:rPr>
@@ -6431,7 +10904,9 @@
             <a:r>
               <a:rPr lang="en-GB" b="1" dirty="0">
                 <a:solidFill>
-                  <a:srgbClr val="00B050"/>
+                  <a:schemeClr val="accent6">
+                    <a:lumMod val="75000"/>
+                  </a:schemeClr>
                 </a:solidFill>
                 <a:latin typeface="Consolas" panose="020B0609020204030204" pitchFamily="49" charset="0"/>
               </a:rPr>
@@ -6440,7 +10915,9 @@
             <a:r>
               <a:rPr lang="en-GB" dirty="0">
                 <a:solidFill>
-                  <a:srgbClr val="00B050"/>
+                  <a:schemeClr val="accent6">
+                    <a:lumMod val="75000"/>
+                  </a:schemeClr>
                 </a:solidFill>
                 <a:latin typeface="Consolas" panose="020B0609020204030204" pitchFamily="49" charset="0"/>
               </a:rPr>
@@ -6451,7 +10928,9 @@
             <a:r>
               <a:rPr lang="en-GB" b="1" dirty="0">
                 <a:solidFill>
-                  <a:srgbClr val="00B050"/>
+                  <a:schemeClr val="accent6">
+                    <a:lumMod val="75000"/>
+                  </a:schemeClr>
                 </a:solidFill>
                 <a:latin typeface="Consolas" panose="020B0609020204030204" pitchFamily="49" charset="0"/>
               </a:rPr>
@@ -6460,7 +10939,9 @@
             <a:r>
               <a:rPr lang="en-GB" dirty="0">
                 <a:solidFill>
-                  <a:srgbClr val="00B050"/>
+                  <a:schemeClr val="accent6">
+                    <a:lumMod val="75000"/>
+                  </a:schemeClr>
                 </a:solidFill>
                 <a:latin typeface="Consolas" panose="020B0609020204030204" pitchFamily="49" charset="0"/>
               </a:rPr>
@@ -6471,7 +10952,9 @@
             <a:r>
               <a:rPr lang="en-GB" b="1" dirty="0">
                 <a:solidFill>
-                  <a:srgbClr val="00B050"/>
+                  <a:schemeClr val="accent6">
+                    <a:lumMod val="75000"/>
+                  </a:schemeClr>
                 </a:solidFill>
                 <a:latin typeface="Consolas" panose="020B0609020204030204" pitchFamily="49" charset="0"/>
               </a:rPr>
@@ -6480,7 +10963,9 @@
             <a:r>
               <a:rPr lang="en-GB" dirty="0">
                 <a:solidFill>
-                  <a:srgbClr val="00B050"/>
+                  <a:schemeClr val="accent6">
+                    <a:lumMod val="75000"/>
+                  </a:schemeClr>
                 </a:solidFill>
                 <a:latin typeface="Consolas" panose="020B0609020204030204" pitchFamily="49" charset="0"/>
               </a:rPr>
@@ -6491,7 +10976,9 @@
             <a:r>
               <a:rPr lang="en-GB" dirty="0">
                 <a:solidFill>
-                  <a:srgbClr val="00B050"/>
+                  <a:schemeClr val="accent6">
+                    <a:lumMod val="75000"/>
+                  </a:schemeClr>
                 </a:solidFill>
                 <a:latin typeface="Consolas" panose="020B0609020204030204" pitchFamily="49" charset="0"/>
               </a:rPr>
@@ -6880,10 +11367,560 @@
   <p:clrMapOvr>
     <a:masterClrMapping/>
   </p:clrMapOvr>
+  <p:timing>
+    <p:tnLst>
+      <p:par>
+        <p:cTn id="1" dur="indefinite" restart="never" nodeType="tmRoot">
+          <p:childTnLst>
+            <p:seq concurrent="1" nextAc="seek">
+              <p:cTn id="2" dur="indefinite" nodeType="mainSeq">
+                <p:childTnLst>
+                  <p:par>
+                    <p:cTn id="3" fill="hold">
+                      <p:stCondLst>
+                        <p:cond delay="indefinite"/>
+                      </p:stCondLst>
+                      <p:childTnLst>
+                        <p:par>
+                          <p:cTn id="4" fill="hold">
+                            <p:stCondLst>
+                              <p:cond delay="0"/>
+                            </p:stCondLst>
+                            <p:childTnLst>
+                              <p:par>
+                                <p:cTn id="5" presetID="1" presetClass="entr" presetSubtype="0" fill="hold" nodeType="clickEffect">
+                                  <p:stCondLst>
+                                    <p:cond delay="0"/>
+                                  </p:stCondLst>
+                                  <p:childTnLst>
+                                    <p:set>
+                                      <p:cBhvr>
+                                        <p:cTn id="6" dur="1" fill="hold">
+                                          <p:stCondLst>
+                                            <p:cond delay="0"/>
+                                          </p:stCondLst>
+                                        </p:cTn>
+                                        <p:tgtEl>
+                                          <p:spTgt spid="6">
+                                            <p:txEl>
+                                              <p:pRg st="0" end="0"/>
+                                            </p:txEl>
+                                          </p:spTgt>
+                                        </p:tgtEl>
+                                        <p:attrNameLst>
+                                          <p:attrName>style.visibility</p:attrName>
+                                        </p:attrNameLst>
+                                      </p:cBhvr>
+                                      <p:to>
+                                        <p:strVal val="visible"/>
+                                      </p:to>
+                                    </p:set>
+                                  </p:childTnLst>
+                                </p:cTn>
+                              </p:par>
+                            </p:childTnLst>
+                          </p:cTn>
+                        </p:par>
+                      </p:childTnLst>
+                    </p:cTn>
+                  </p:par>
+                  <p:par>
+                    <p:cTn id="7" fill="hold">
+                      <p:stCondLst>
+                        <p:cond delay="indefinite"/>
+                      </p:stCondLst>
+                      <p:childTnLst>
+                        <p:par>
+                          <p:cTn id="8" fill="hold">
+                            <p:stCondLst>
+                              <p:cond delay="0"/>
+                            </p:stCondLst>
+                            <p:childTnLst>
+                              <p:par>
+                                <p:cTn id="9" presetID="1" presetClass="entr" presetSubtype="0" fill="hold" nodeType="clickEffect">
+                                  <p:stCondLst>
+                                    <p:cond delay="0"/>
+                                  </p:stCondLst>
+                                  <p:childTnLst>
+                                    <p:set>
+                                      <p:cBhvr>
+                                        <p:cTn id="10" dur="1" fill="hold">
+                                          <p:stCondLst>
+                                            <p:cond delay="0"/>
+                                          </p:stCondLst>
+                                        </p:cTn>
+                                        <p:tgtEl>
+                                          <p:spTgt spid="6">
+                                            <p:txEl>
+                                              <p:pRg st="2" end="2"/>
+                                            </p:txEl>
+                                          </p:spTgt>
+                                        </p:tgtEl>
+                                        <p:attrNameLst>
+                                          <p:attrName>style.visibility</p:attrName>
+                                        </p:attrNameLst>
+                                      </p:cBhvr>
+                                      <p:to>
+                                        <p:strVal val="visible"/>
+                                      </p:to>
+                                    </p:set>
+                                  </p:childTnLst>
+                                </p:cTn>
+                              </p:par>
+                            </p:childTnLst>
+                          </p:cTn>
+                        </p:par>
+                      </p:childTnLst>
+                    </p:cTn>
+                  </p:par>
+                  <p:par>
+                    <p:cTn id="11" fill="hold">
+                      <p:stCondLst>
+                        <p:cond delay="indefinite"/>
+                      </p:stCondLst>
+                      <p:childTnLst>
+                        <p:par>
+                          <p:cTn id="12" fill="hold">
+                            <p:stCondLst>
+                              <p:cond delay="0"/>
+                            </p:stCondLst>
+                            <p:childTnLst>
+                              <p:par>
+                                <p:cTn id="13" presetID="1" presetClass="entr" presetSubtype="0" fill="hold" nodeType="clickEffect">
+                                  <p:stCondLst>
+                                    <p:cond delay="0"/>
+                                  </p:stCondLst>
+                                  <p:childTnLst>
+                                    <p:set>
+                                      <p:cBhvr>
+                                        <p:cTn id="14" dur="1" fill="hold">
+                                          <p:stCondLst>
+                                            <p:cond delay="0"/>
+                                          </p:stCondLst>
+                                        </p:cTn>
+                                        <p:tgtEl>
+                                          <p:spTgt spid="6">
+                                            <p:txEl>
+                                              <p:pRg st="3" end="3"/>
+                                            </p:txEl>
+                                          </p:spTgt>
+                                        </p:tgtEl>
+                                        <p:attrNameLst>
+                                          <p:attrName>style.visibility</p:attrName>
+                                        </p:attrNameLst>
+                                      </p:cBhvr>
+                                      <p:to>
+                                        <p:strVal val="visible"/>
+                                      </p:to>
+                                    </p:set>
+                                  </p:childTnLst>
+                                </p:cTn>
+                              </p:par>
+                            </p:childTnLst>
+                          </p:cTn>
+                        </p:par>
+                      </p:childTnLst>
+                    </p:cTn>
+                  </p:par>
+                  <p:par>
+                    <p:cTn id="15" fill="hold">
+                      <p:stCondLst>
+                        <p:cond delay="indefinite"/>
+                      </p:stCondLst>
+                      <p:childTnLst>
+                        <p:par>
+                          <p:cTn id="16" fill="hold">
+                            <p:stCondLst>
+                              <p:cond delay="0"/>
+                            </p:stCondLst>
+                            <p:childTnLst>
+                              <p:par>
+                                <p:cTn id="17" presetID="1" presetClass="entr" presetSubtype="0" fill="hold" nodeType="clickEffect">
+                                  <p:stCondLst>
+                                    <p:cond delay="0"/>
+                                  </p:stCondLst>
+                                  <p:childTnLst>
+                                    <p:set>
+                                      <p:cBhvr>
+                                        <p:cTn id="18" dur="1" fill="hold">
+                                          <p:stCondLst>
+                                            <p:cond delay="0"/>
+                                          </p:stCondLst>
+                                        </p:cTn>
+                                        <p:tgtEl>
+                                          <p:spTgt spid="6">
+                                            <p:txEl>
+                                              <p:pRg st="5" end="5"/>
+                                            </p:txEl>
+                                          </p:spTgt>
+                                        </p:tgtEl>
+                                        <p:attrNameLst>
+                                          <p:attrName>style.visibility</p:attrName>
+                                        </p:attrNameLst>
+                                      </p:cBhvr>
+                                      <p:to>
+                                        <p:strVal val="visible"/>
+                                      </p:to>
+                                    </p:set>
+                                  </p:childTnLst>
+                                </p:cTn>
+                              </p:par>
+                              <p:par>
+                                <p:cTn id="19" presetID="1" presetClass="entr" presetSubtype="0" fill="hold" nodeType="withEffect">
+                                  <p:stCondLst>
+                                    <p:cond delay="0"/>
+                                  </p:stCondLst>
+                                  <p:childTnLst>
+                                    <p:set>
+                                      <p:cBhvr>
+                                        <p:cTn id="20" dur="1" fill="hold">
+                                          <p:stCondLst>
+                                            <p:cond delay="0"/>
+                                          </p:stCondLst>
+                                        </p:cTn>
+                                        <p:tgtEl>
+                                          <p:spTgt spid="6">
+                                            <p:txEl>
+                                              <p:pRg st="6" end="6"/>
+                                            </p:txEl>
+                                          </p:spTgt>
+                                        </p:tgtEl>
+                                        <p:attrNameLst>
+                                          <p:attrName>style.visibility</p:attrName>
+                                        </p:attrNameLst>
+                                      </p:cBhvr>
+                                      <p:to>
+                                        <p:strVal val="visible"/>
+                                      </p:to>
+                                    </p:set>
+                                  </p:childTnLst>
+                                </p:cTn>
+                              </p:par>
+                              <p:par>
+                                <p:cTn id="21" presetID="1" presetClass="entr" presetSubtype="0" fill="hold" nodeType="withEffect">
+                                  <p:stCondLst>
+                                    <p:cond delay="0"/>
+                                  </p:stCondLst>
+                                  <p:childTnLst>
+                                    <p:set>
+                                      <p:cBhvr>
+                                        <p:cTn id="22" dur="1" fill="hold">
+                                          <p:stCondLst>
+                                            <p:cond delay="0"/>
+                                          </p:stCondLst>
+                                        </p:cTn>
+                                        <p:tgtEl>
+                                          <p:spTgt spid="6">
+                                            <p:txEl>
+                                              <p:pRg st="7" end="7"/>
+                                            </p:txEl>
+                                          </p:spTgt>
+                                        </p:tgtEl>
+                                        <p:attrNameLst>
+                                          <p:attrName>style.visibility</p:attrName>
+                                        </p:attrNameLst>
+                                      </p:cBhvr>
+                                      <p:to>
+                                        <p:strVal val="visible"/>
+                                      </p:to>
+                                    </p:set>
+                                  </p:childTnLst>
+                                </p:cTn>
+                              </p:par>
+                              <p:par>
+                                <p:cTn id="23" presetID="1" presetClass="entr" presetSubtype="0" fill="hold" nodeType="withEffect">
+                                  <p:stCondLst>
+                                    <p:cond delay="0"/>
+                                  </p:stCondLst>
+                                  <p:childTnLst>
+                                    <p:set>
+                                      <p:cBhvr>
+                                        <p:cTn id="24" dur="1" fill="hold">
+                                          <p:stCondLst>
+                                            <p:cond delay="0"/>
+                                          </p:stCondLst>
+                                        </p:cTn>
+                                        <p:tgtEl>
+                                          <p:spTgt spid="6">
+                                            <p:txEl>
+                                              <p:pRg st="8" end="8"/>
+                                            </p:txEl>
+                                          </p:spTgt>
+                                        </p:tgtEl>
+                                        <p:attrNameLst>
+                                          <p:attrName>style.visibility</p:attrName>
+                                        </p:attrNameLst>
+                                      </p:cBhvr>
+                                      <p:to>
+                                        <p:strVal val="visible"/>
+                                      </p:to>
+                                    </p:set>
+                                  </p:childTnLst>
+                                </p:cTn>
+                              </p:par>
+                              <p:par>
+                                <p:cTn id="25" presetID="1" presetClass="entr" presetSubtype="0" fill="hold" nodeType="withEffect">
+                                  <p:stCondLst>
+                                    <p:cond delay="0"/>
+                                  </p:stCondLst>
+                                  <p:childTnLst>
+                                    <p:set>
+                                      <p:cBhvr>
+                                        <p:cTn id="26" dur="1" fill="hold">
+                                          <p:stCondLst>
+                                            <p:cond delay="0"/>
+                                          </p:stCondLst>
+                                        </p:cTn>
+                                        <p:tgtEl>
+                                          <p:spTgt spid="6">
+                                            <p:txEl>
+                                              <p:pRg st="9" end="9"/>
+                                            </p:txEl>
+                                          </p:spTgt>
+                                        </p:tgtEl>
+                                        <p:attrNameLst>
+                                          <p:attrName>style.visibility</p:attrName>
+                                        </p:attrNameLst>
+                                      </p:cBhvr>
+                                      <p:to>
+                                        <p:strVal val="visible"/>
+                                      </p:to>
+                                    </p:set>
+                                  </p:childTnLst>
+                                </p:cTn>
+                              </p:par>
+                              <p:par>
+                                <p:cTn id="27" presetID="1" presetClass="entr" presetSubtype="0" fill="hold" nodeType="withEffect">
+                                  <p:stCondLst>
+                                    <p:cond delay="0"/>
+                                  </p:stCondLst>
+                                  <p:childTnLst>
+                                    <p:set>
+                                      <p:cBhvr>
+                                        <p:cTn id="28" dur="1" fill="hold">
+                                          <p:stCondLst>
+                                            <p:cond delay="0"/>
+                                          </p:stCondLst>
+                                        </p:cTn>
+                                        <p:tgtEl>
+                                          <p:spTgt spid="6">
+                                            <p:txEl>
+                                              <p:pRg st="10" end="10"/>
+                                            </p:txEl>
+                                          </p:spTgt>
+                                        </p:tgtEl>
+                                        <p:attrNameLst>
+                                          <p:attrName>style.visibility</p:attrName>
+                                        </p:attrNameLst>
+                                      </p:cBhvr>
+                                      <p:to>
+                                        <p:strVal val="visible"/>
+                                      </p:to>
+                                    </p:set>
+                                  </p:childTnLst>
+                                </p:cTn>
+                              </p:par>
+                              <p:par>
+                                <p:cTn id="29" presetID="1" presetClass="entr" presetSubtype="0" fill="hold" nodeType="withEffect">
+                                  <p:stCondLst>
+                                    <p:cond delay="0"/>
+                                  </p:stCondLst>
+                                  <p:childTnLst>
+                                    <p:set>
+                                      <p:cBhvr>
+                                        <p:cTn id="30" dur="1" fill="hold">
+                                          <p:stCondLst>
+                                            <p:cond delay="0"/>
+                                          </p:stCondLst>
+                                        </p:cTn>
+                                        <p:tgtEl>
+                                          <p:spTgt spid="6">
+                                            <p:txEl>
+                                              <p:pRg st="11" end="11"/>
+                                            </p:txEl>
+                                          </p:spTgt>
+                                        </p:tgtEl>
+                                        <p:attrNameLst>
+                                          <p:attrName>style.visibility</p:attrName>
+                                        </p:attrNameLst>
+                                      </p:cBhvr>
+                                      <p:to>
+                                        <p:strVal val="visible"/>
+                                      </p:to>
+                                    </p:set>
+                                  </p:childTnLst>
+                                </p:cTn>
+                              </p:par>
+                              <p:par>
+                                <p:cTn id="31" presetID="1" presetClass="entr" presetSubtype="0" fill="hold" nodeType="withEffect">
+                                  <p:stCondLst>
+                                    <p:cond delay="0"/>
+                                  </p:stCondLst>
+                                  <p:childTnLst>
+                                    <p:set>
+                                      <p:cBhvr>
+                                        <p:cTn id="32" dur="1" fill="hold">
+                                          <p:stCondLst>
+                                            <p:cond delay="0"/>
+                                          </p:stCondLst>
+                                        </p:cTn>
+                                        <p:tgtEl>
+                                          <p:spTgt spid="6">
+                                            <p:txEl>
+                                              <p:pRg st="12" end="12"/>
+                                            </p:txEl>
+                                          </p:spTgt>
+                                        </p:tgtEl>
+                                        <p:attrNameLst>
+                                          <p:attrName>style.visibility</p:attrName>
+                                        </p:attrNameLst>
+                                      </p:cBhvr>
+                                      <p:to>
+                                        <p:strVal val="visible"/>
+                                      </p:to>
+                                    </p:set>
+                                  </p:childTnLst>
+                                </p:cTn>
+                              </p:par>
+                              <p:par>
+                                <p:cTn id="33" presetID="1" presetClass="entr" presetSubtype="0" fill="hold" nodeType="withEffect">
+                                  <p:stCondLst>
+                                    <p:cond delay="0"/>
+                                  </p:stCondLst>
+                                  <p:childTnLst>
+                                    <p:set>
+                                      <p:cBhvr>
+                                        <p:cTn id="34" dur="1" fill="hold">
+                                          <p:stCondLst>
+                                            <p:cond delay="0"/>
+                                          </p:stCondLst>
+                                        </p:cTn>
+                                        <p:tgtEl>
+                                          <p:spTgt spid="6">
+                                            <p:txEl>
+                                              <p:pRg st="13" end="13"/>
+                                            </p:txEl>
+                                          </p:spTgt>
+                                        </p:tgtEl>
+                                        <p:attrNameLst>
+                                          <p:attrName>style.visibility</p:attrName>
+                                        </p:attrNameLst>
+                                      </p:cBhvr>
+                                      <p:to>
+                                        <p:strVal val="visible"/>
+                                      </p:to>
+                                    </p:set>
+                                  </p:childTnLst>
+                                </p:cTn>
+                              </p:par>
+                              <p:par>
+                                <p:cTn id="35" presetID="1" presetClass="entr" presetSubtype="0" fill="hold" nodeType="withEffect">
+                                  <p:stCondLst>
+                                    <p:cond delay="0"/>
+                                  </p:stCondLst>
+                                  <p:childTnLst>
+                                    <p:set>
+                                      <p:cBhvr>
+                                        <p:cTn id="36" dur="1" fill="hold">
+                                          <p:stCondLst>
+                                            <p:cond delay="0"/>
+                                          </p:stCondLst>
+                                        </p:cTn>
+                                        <p:tgtEl>
+                                          <p:spTgt spid="6">
+                                            <p:txEl>
+                                              <p:pRg st="14" end="14"/>
+                                            </p:txEl>
+                                          </p:spTgt>
+                                        </p:tgtEl>
+                                        <p:attrNameLst>
+                                          <p:attrName>style.visibility</p:attrName>
+                                        </p:attrNameLst>
+                                      </p:cBhvr>
+                                      <p:to>
+                                        <p:strVal val="visible"/>
+                                      </p:to>
+                                    </p:set>
+                                  </p:childTnLst>
+                                </p:cTn>
+                              </p:par>
+                            </p:childTnLst>
+                          </p:cTn>
+                        </p:par>
+                      </p:childTnLst>
+                    </p:cTn>
+                  </p:par>
+                  <p:par>
+                    <p:cTn id="37" fill="hold">
+                      <p:stCondLst>
+                        <p:cond delay="indefinite"/>
+                      </p:stCondLst>
+                      <p:childTnLst>
+                        <p:par>
+                          <p:cTn id="38" fill="hold">
+                            <p:stCondLst>
+                              <p:cond delay="0"/>
+                            </p:stCondLst>
+                            <p:childTnLst>
+                              <p:par>
+                                <p:cTn id="39" presetID="1" presetClass="entr" presetSubtype="0" fill="hold" nodeType="clickEffect">
+                                  <p:stCondLst>
+                                    <p:cond delay="0"/>
+                                  </p:stCondLst>
+                                  <p:childTnLst>
+                                    <p:set>
+                                      <p:cBhvr>
+                                        <p:cTn id="40" dur="1" fill="hold">
+                                          <p:stCondLst>
+                                            <p:cond delay="0"/>
+                                          </p:stCondLst>
+                                        </p:cTn>
+                                        <p:tgtEl>
+                                          <p:spTgt spid="9"/>
+                                        </p:tgtEl>
+                                        <p:attrNameLst>
+                                          <p:attrName>style.visibility</p:attrName>
+                                        </p:attrNameLst>
+                                      </p:cBhvr>
+                                      <p:to>
+                                        <p:strVal val="visible"/>
+                                      </p:to>
+                                    </p:set>
+                                  </p:childTnLst>
+                                </p:cTn>
+                              </p:par>
+                            </p:childTnLst>
+                          </p:cTn>
+                        </p:par>
+                      </p:childTnLst>
+                    </p:cTn>
+                  </p:par>
+                </p:childTnLst>
+              </p:cTn>
+              <p:prevCondLst>
+                <p:cond evt="onPrev" delay="0">
+                  <p:tgtEl>
+                    <p:sldTgt/>
+                  </p:tgtEl>
+                </p:cond>
+              </p:prevCondLst>
+              <p:nextCondLst>
+                <p:cond evt="onNext" delay="0">
+                  <p:tgtEl>
+                    <p:sldTgt/>
+                  </p:tgtEl>
+                </p:cond>
+              </p:nextCondLst>
+            </p:seq>
+          </p:childTnLst>
+        </p:cTn>
+      </p:par>
+    </p:tnLst>
+  </p:timing>
 </p:sld>
 </file>
 
-<file path=ppt/slides/slide7.xml><?xml version="1.0" encoding="utf-8"?>
+<file path=ppt/slides/slide8.xml><?xml version="1.0" encoding="utf-8"?>
 <p:sld xmlns:a="http://schemas.openxmlformats.org/drawingml/2006/main" xmlns:r="http://schemas.openxmlformats.org/officeDocument/2006/relationships" xmlns:p="http://schemas.openxmlformats.org/presentationml/2006/main">
   <p:cSld>
     <p:spTree>
@@ -8708,10 +13745,331 @@
   <p:clrMapOvr>
     <a:masterClrMapping/>
   </p:clrMapOvr>
+  <p:timing>
+    <p:tnLst>
+      <p:par>
+        <p:cTn id="1" dur="indefinite" restart="never" nodeType="tmRoot">
+          <p:childTnLst>
+            <p:seq concurrent="1" nextAc="seek">
+              <p:cTn id="2" dur="indefinite" nodeType="mainSeq">
+                <p:childTnLst>
+                  <p:par>
+                    <p:cTn id="3" fill="hold">
+                      <p:stCondLst>
+                        <p:cond delay="indefinite"/>
+                      </p:stCondLst>
+                      <p:childTnLst>
+                        <p:par>
+                          <p:cTn id="4" fill="hold">
+                            <p:stCondLst>
+                              <p:cond delay="0"/>
+                            </p:stCondLst>
+                            <p:childTnLst>
+                              <p:par>
+                                <p:cTn id="5" presetID="1" presetClass="entr" presetSubtype="0" fill="hold" grpId="0" nodeType="clickEffect">
+                                  <p:stCondLst>
+                                    <p:cond delay="0"/>
+                                  </p:stCondLst>
+                                  <p:childTnLst>
+                                    <p:set>
+                                      <p:cBhvr>
+                                        <p:cTn id="6" dur="1" fill="hold">
+                                          <p:stCondLst>
+                                            <p:cond delay="0"/>
+                                          </p:stCondLst>
+                                        </p:cTn>
+                                        <p:tgtEl>
+                                          <p:spTgt spid="11">
+                                            <p:txEl>
+                                              <p:pRg st="0" end="0"/>
+                                            </p:txEl>
+                                          </p:spTgt>
+                                        </p:tgtEl>
+                                        <p:attrNameLst>
+                                          <p:attrName>style.visibility</p:attrName>
+                                        </p:attrNameLst>
+                                      </p:cBhvr>
+                                      <p:to>
+                                        <p:strVal val="visible"/>
+                                      </p:to>
+                                    </p:set>
+                                  </p:childTnLst>
+                                </p:cTn>
+                              </p:par>
+                              <p:par>
+                                <p:cTn id="7" presetID="1" presetClass="entr" presetSubtype="0" fill="hold" grpId="0" nodeType="withEffect">
+                                  <p:stCondLst>
+                                    <p:cond delay="0"/>
+                                  </p:stCondLst>
+                                  <p:childTnLst>
+                                    <p:set>
+                                      <p:cBhvr>
+                                        <p:cTn id="8" dur="1" fill="hold">
+                                          <p:stCondLst>
+                                            <p:cond delay="0"/>
+                                          </p:stCondLst>
+                                        </p:cTn>
+                                        <p:tgtEl>
+                                          <p:spTgt spid="11">
+                                            <p:txEl>
+                                              <p:pRg st="1" end="1"/>
+                                            </p:txEl>
+                                          </p:spTgt>
+                                        </p:tgtEl>
+                                        <p:attrNameLst>
+                                          <p:attrName>style.visibility</p:attrName>
+                                        </p:attrNameLst>
+                                      </p:cBhvr>
+                                      <p:to>
+                                        <p:strVal val="visible"/>
+                                      </p:to>
+                                    </p:set>
+                                  </p:childTnLst>
+                                </p:cTn>
+                              </p:par>
+                              <p:par>
+                                <p:cTn id="9" presetID="1" presetClass="entr" presetSubtype="0" fill="hold" nodeType="withEffect">
+                                  <p:stCondLst>
+                                    <p:cond delay="0"/>
+                                  </p:stCondLst>
+                                  <p:childTnLst>
+                                    <p:set>
+                                      <p:cBhvr>
+                                        <p:cTn id="10" dur="1" fill="hold">
+                                          <p:stCondLst>
+                                            <p:cond delay="0"/>
+                                          </p:stCondLst>
+                                        </p:cTn>
+                                        <p:tgtEl>
+                                          <p:spTgt spid="9"/>
+                                        </p:tgtEl>
+                                        <p:attrNameLst>
+                                          <p:attrName>style.visibility</p:attrName>
+                                        </p:attrNameLst>
+                                      </p:cBhvr>
+                                      <p:to>
+                                        <p:strVal val="visible"/>
+                                      </p:to>
+                                    </p:set>
+                                  </p:childTnLst>
+                                </p:cTn>
+                              </p:par>
+                            </p:childTnLst>
+                          </p:cTn>
+                        </p:par>
+                      </p:childTnLst>
+                    </p:cTn>
+                  </p:par>
+                  <p:par>
+                    <p:cTn id="11" fill="hold">
+                      <p:stCondLst>
+                        <p:cond delay="indefinite"/>
+                      </p:stCondLst>
+                      <p:childTnLst>
+                        <p:par>
+                          <p:cTn id="12" fill="hold">
+                            <p:stCondLst>
+                              <p:cond delay="0"/>
+                            </p:stCondLst>
+                            <p:childTnLst>
+                              <p:par>
+                                <p:cTn id="13" presetID="1" presetClass="entr" presetSubtype="0" fill="hold" grpId="0" nodeType="clickEffect">
+                                  <p:stCondLst>
+                                    <p:cond delay="0"/>
+                                  </p:stCondLst>
+                                  <p:childTnLst>
+                                    <p:set>
+                                      <p:cBhvr>
+                                        <p:cTn id="14" dur="1" fill="hold">
+                                          <p:stCondLst>
+                                            <p:cond delay="0"/>
+                                          </p:stCondLst>
+                                        </p:cTn>
+                                        <p:tgtEl>
+                                          <p:spTgt spid="12">
+                                            <p:txEl>
+                                              <p:pRg st="0" end="0"/>
+                                            </p:txEl>
+                                          </p:spTgt>
+                                        </p:tgtEl>
+                                        <p:attrNameLst>
+                                          <p:attrName>style.visibility</p:attrName>
+                                        </p:attrNameLst>
+                                      </p:cBhvr>
+                                      <p:to>
+                                        <p:strVal val="visible"/>
+                                      </p:to>
+                                    </p:set>
+                                  </p:childTnLst>
+                                </p:cTn>
+                              </p:par>
+                              <p:par>
+                                <p:cTn id="15" presetID="1" presetClass="entr" presetSubtype="0" fill="hold" grpId="0" nodeType="withEffect">
+                                  <p:stCondLst>
+                                    <p:cond delay="0"/>
+                                  </p:stCondLst>
+                                  <p:childTnLst>
+                                    <p:set>
+                                      <p:cBhvr>
+                                        <p:cTn id="16" dur="1" fill="hold">
+                                          <p:stCondLst>
+                                            <p:cond delay="0"/>
+                                          </p:stCondLst>
+                                        </p:cTn>
+                                        <p:tgtEl>
+                                          <p:spTgt spid="12">
+                                            <p:txEl>
+                                              <p:pRg st="1" end="1"/>
+                                            </p:txEl>
+                                          </p:spTgt>
+                                        </p:tgtEl>
+                                        <p:attrNameLst>
+                                          <p:attrName>style.visibility</p:attrName>
+                                        </p:attrNameLst>
+                                      </p:cBhvr>
+                                      <p:to>
+                                        <p:strVal val="visible"/>
+                                      </p:to>
+                                    </p:set>
+                                  </p:childTnLst>
+                                </p:cTn>
+                              </p:par>
+                              <p:par>
+                                <p:cTn id="17" presetID="1" presetClass="entr" presetSubtype="0" fill="hold" nodeType="withEffect">
+                                  <p:stCondLst>
+                                    <p:cond delay="0"/>
+                                  </p:stCondLst>
+                                  <p:childTnLst>
+                                    <p:set>
+                                      <p:cBhvr>
+                                        <p:cTn id="18" dur="1" fill="hold">
+                                          <p:stCondLst>
+                                            <p:cond delay="0"/>
+                                          </p:stCondLst>
+                                        </p:cTn>
+                                        <p:tgtEl>
+                                          <p:spTgt spid="10"/>
+                                        </p:tgtEl>
+                                        <p:attrNameLst>
+                                          <p:attrName>style.visibility</p:attrName>
+                                        </p:attrNameLst>
+                                      </p:cBhvr>
+                                      <p:to>
+                                        <p:strVal val="visible"/>
+                                      </p:to>
+                                    </p:set>
+                                  </p:childTnLst>
+                                </p:cTn>
+                              </p:par>
+                            </p:childTnLst>
+                          </p:cTn>
+                        </p:par>
+                      </p:childTnLst>
+                    </p:cTn>
+                  </p:par>
+                  <p:par>
+                    <p:cTn id="19" fill="hold">
+                      <p:stCondLst>
+                        <p:cond delay="indefinite"/>
+                      </p:stCondLst>
+                      <p:childTnLst>
+                        <p:par>
+                          <p:cTn id="20" fill="hold">
+                            <p:stCondLst>
+                              <p:cond delay="0"/>
+                            </p:stCondLst>
+                            <p:childTnLst>
+                              <p:par>
+                                <p:cTn id="21" presetID="1" presetClass="entr" presetSubtype="0" fill="hold" grpId="0" nodeType="clickEffect">
+                                  <p:stCondLst>
+                                    <p:cond delay="0"/>
+                                  </p:stCondLst>
+                                  <p:childTnLst>
+                                    <p:set>
+                                      <p:cBhvr>
+                                        <p:cTn id="22" dur="1" fill="hold">
+                                          <p:stCondLst>
+                                            <p:cond delay="0"/>
+                                          </p:stCondLst>
+                                        </p:cTn>
+                                        <p:tgtEl>
+                                          <p:spTgt spid="13"/>
+                                        </p:tgtEl>
+                                        <p:attrNameLst>
+                                          <p:attrName>style.visibility</p:attrName>
+                                        </p:attrNameLst>
+                                      </p:cBhvr>
+                                      <p:to>
+                                        <p:strVal val="visible"/>
+                                      </p:to>
+                                    </p:set>
+                                  </p:childTnLst>
+                                </p:cTn>
+                              </p:par>
+                              <p:par>
+                                <p:cTn id="23" presetID="1" presetClass="entr" presetSubtype="0" fill="hold" nodeType="withEffect">
+                                  <p:stCondLst>
+                                    <p:cond delay="0"/>
+                                  </p:stCondLst>
+                                  <p:childTnLst>
+                                    <p:set>
+                                      <p:cBhvr>
+                                        <p:cTn id="24" dur="1" fill="hold">
+                                          <p:stCondLst>
+                                            <p:cond delay="0"/>
+                                          </p:stCondLst>
+                                        </p:cTn>
+                                        <p:tgtEl>
+                                          <p:spTgt spid="14"/>
+                                        </p:tgtEl>
+                                        <p:attrNameLst>
+                                          <p:attrName>style.visibility</p:attrName>
+                                        </p:attrNameLst>
+                                      </p:cBhvr>
+                                      <p:to>
+                                        <p:strVal val="visible"/>
+                                      </p:to>
+                                    </p:set>
+                                  </p:childTnLst>
+                                </p:cTn>
+                              </p:par>
+                            </p:childTnLst>
+                          </p:cTn>
+                        </p:par>
+                      </p:childTnLst>
+                    </p:cTn>
+                  </p:par>
+                </p:childTnLst>
+              </p:cTn>
+              <p:prevCondLst>
+                <p:cond evt="onPrev" delay="0">
+                  <p:tgtEl>
+                    <p:sldTgt/>
+                  </p:tgtEl>
+                </p:cond>
+              </p:prevCondLst>
+              <p:nextCondLst>
+                <p:cond evt="onNext" delay="0">
+                  <p:tgtEl>
+                    <p:sldTgt/>
+                  </p:tgtEl>
+                </p:cond>
+              </p:nextCondLst>
+            </p:seq>
+          </p:childTnLst>
+        </p:cTn>
+      </p:par>
+    </p:tnLst>
+    <p:bldLst>
+      <p:bldP spid="11" grpId="0" uiExpand="1" build="p"/>
+      <p:bldP spid="12" grpId="0" uiExpand="1" build="p"/>
+      <p:bldP spid="13" grpId="0"/>
+    </p:bldLst>
+  </p:timing>
 </p:sld>
 </file>
 
-<file path=ppt/slides/slide8.xml><?xml version="1.0" encoding="utf-8"?>
+<file path=ppt/slides/slide9.xml><?xml version="1.0" encoding="utf-8"?>
 <p:sld xmlns:a="http://schemas.openxmlformats.org/drawingml/2006/main" xmlns:r="http://schemas.openxmlformats.org/officeDocument/2006/relationships" xmlns:p="http://schemas.openxmlformats.org/presentationml/2006/main">
   <p:cSld>
     <p:spTree>
@@ -8742,8 +14100,8 @@
         </p:nvSpPr>
         <p:spPr>
           <a:xfrm>
-            <a:off x="319177" y="162846"/>
-            <a:ext cx="8505645" cy="1477328"/>
+            <a:off x="189781" y="76581"/>
+            <a:ext cx="8798944" cy="6740307"/>
           </a:xfrm>
           <a:prstGeom prst="rect">
             <a:avLst/>
@@ -8768,91 +14126,651 @@
           <a:lstStyle/>
           <a:p>
             <a:r>
-              <a:rPr lang="en-GB" dirty="0" err="1">
+              <a:rPr lang="en-GB" sz="1600" dirty="0" err="1">
                 <a:latin typeface="Consolas" panose="020B0609020204030204" pitchFamily="49" charset="0"/>
               </a:rPr>
               <a:t>m_stanova</a:t>
             </a:r>
             <a:r>
-              <a:rPr lang="en-GB" dirty="0">
+              <a:rPr lang="en-GB" sz="1600" dirty="0">
                 <a:latin typeface="Consolas" panose="020B0609020204030204" pitchFamily="49" charset="0"/>
               </a:rPr>
               <a:t> &lt;- </a:t>
             </a:r>
             <a:r>
-              <a:rPr lang="en-GB" dirty="0" err="1">
+              <a:rPr lang="en-GB" sz="1600" dirty="0" err="1">
                 <a:latin typeface="Consolas" panose="020B0609020204030204" pitchFamily="49" charset="0"/>
               </a:rPr>
               <a:t>stanova_lmer</a:t>
             </a:r>
             <a:r>
-              <a:rPr lang="en-GB" dirty="0">
-                <a:latin typeface="Consolas" panose="020B0609020204030204" pitchFamily="49" charset="0"/>
-              </a:rPr>
-              <a:t>(rt ~ length*stimulus +</a:t>
-            </a:r>
-          </a:p>
-          <a:p>
-            <a:r>
-              <a:rPr lang="en-GB" dirty="0">
-                <a:latin typeface="Consolas" panose="020B0609020204030204" pitchFamily="49" charset="0"/>
-              </a:rPr>
-              <a:t>							(length*</a:t>
-            </a:r>
-            <a:r>
-              <a:rPr lang="en-GB" dirty="0" err="1">
+              <a:rPr lang="en-GB" sz="1600" dirty="0">
+                <a:latin typeface="Consolas" panose="020B0609020204030204" pitchFamily="49" charset="0"/>
+              </a:rPr>
+              <a:t>(rt ~ length*stimulus + (length*</a:t>
+            </a:r>
+            <a:r>
+              <a:rPr lang="en-GB" sz="1600" dirty="0" err="1">
                 <a:latin typeface="Consolas" panose="020B0609020204030204" pitchFamily="49" charset="0"/>
               </a:rPr>
               <a:t>stimulus|id</a:t>
             </a:r>
             <a:r>
-              <a:rPr lang="en-GB" dirty="0">
+              <a:rPr lang="en-GB" sz="1600" dirty="0">
                 <a:latin typeface="Consolas" panose="020B0609020204030204" pitchFamily="49" charset="0"/>
               </a:rPr>
               <a:t>), </a:t>
             </a:r>
             <a:r>
-              <a:rPr lang="en-GB" dirty="0" err="1">
+              <a:rPr lang="en-GB" sz="1600" dirty="0" err="1">
                 <a:latin typeface="Consolas" panose="020B0609020204030204" pitchFamily="49" charset="0"/>
               </a:rPr>
               <a:t>fhch</a:t>
             </a:r>
             <a:r>
-              <a:rPr lang="en-GB" dirty="0">
+              <a:rPr lang="en-GB" sz="1600" dirty="0">
                 <a:latin typeface="Consolas" panose="020B0609020204030204" pitchFamily="49" charset="0"/>
               </a:rPr>
               <a:t>)</a:t>
             </a:r>
           </a:p>
           <a:p>
-            <a:endParaRPr lang="en-GB" dirty="0">
+            <a:endParaRPr lang="en-GB" sz="1600" dirty="0">
               <a:latin typeface="Consolas" panose="020B0609020204030204" pitchFamily="49" charset="0"/>
             </a:endParaRPr>
           </a:p>
           <a:p>
             <a:r>
-              <a:rPr lang="en-GB" dirty="0">
+              <a:rPr lang="en-GB" sz="1600" dirty="0">
                 <a:latin typeface="Consolas" panose="020B0609020204030204" pitchFamily="49" charset="0"/>
               </a:rPr>
               <a:t>summary(</a:t>
             </a:r>
             <a:r>
-              <a:rPr lang="en-GB" dirty="0" err="1">
+              <a:rPr lang="en-GB" sz="1600" dirty="0" err="1">
                 <a:latin typeface="Consolas" panose="020B0609020204030204" pitchFamily="49" charset="0"/>
               </a:rPr>
               <a:t>m_stanova</a:t>
             </a:r>
             <a:r>
-              <a:rPr lang="en-GB" dirty="0">
-                <a:latin typeface="Consolas" panose="020B0609020204030204" pitchFamily="49" charset="0"/>
-              </a:rPr>
-              <a:t>)</a:t>
-            </a:r>
-          </a:p>
-          <a:p>
-            <a:endParaRPr lang="en-GB" dirty="0">
+              <a:rPr lang="en-GB" sz="1600" dirty="0">
+                <a:latin typeface="Consolas" panose="020B0609020204030204" pitchFamily="49" charset="0"/>
+              </a:rPr>
+              <a:t>, digits = 2)</a:t>
+            </a:r>
+          </a:p>
+          <a:p>
+            <a:r>
+              <a:rPr lang="en-GB" sz="1600" dirty="0">
+                <a:solidFill>
+                  <a:schemeClr val="accent6">
+                    <a:lumMod val="75000"/>
+                  </a:schemeClr>
+                </a:solidFill>
+                <a:latin typeface="Consolas" panose="020B0609020204030204" pitchFamily="49" charset="0"/>
+              </a:rPr>
+              <a:t>## [...]</a:t>
+            </a:r>
+          </a:p>
+          <a:p>
+            <a:r>
+              <a:rPr lang="en-GB" sz="1600" dirty="0">
+                <a:solidFill>
+                  <a:schemeClr val="accent6">
+                    <a:lumMod val="75000"/>
+                  </a:schemeClr>
+                </a:solidFill>
+                <a:latin typeface="Consolas" panose="020B0609020204030204" pitchFamily="49" charset="0"/>
+              </a:rPr>
+              <a:t>## Estimate Intercept:</a:t>
+            </a:r>
+          </a:p>
+          <a:p>
+            <a:r>
+              <a:rPr lang="en-GB" sz="1600" b="1" dirty="0">
+                <a:solidFill>
+                  <a:schemeClr val="accent6">
+                    <a:lumMod val="75000"/>
+                  </a:schemeClr>
+                </a:solidFill>
+                <a:latin typeface="Consolas" panose="020B0609020204030204" pitchFamily="49" charset="0"/>
+              </a:rPr>
+              <a:t>##      Variable Mean </a:t>
+            </a:r>
+            <a:r>
+              <a:rPr lang="en-GB" sz="1600" dirty="0">
+                <a:solidFill>
+                  <a:schemeClr val="accent6">
+                    <a:lumMod val="75000"/>
+                  </a:schemeClr>
+                </a:solidFill>
+                <a:latin typeface="Consolas" panose="020B0609020204030204" pitchFamily="49" charset="0"/>
+              </a:rPr>
+              <a:t>MAD_SD   5%  50%  95% </a:t>
+            </a:r>
+            <a:r>
+              <a:rPr lang="en-GB" sz="1600" dirty="0" err="1">
+                <a:solidFill>
+                  <a:schemeClr val="accent6">
+                    <a:lumMod val="75000"/>
+                  </a:schemeClr>
+                </a:solidFill>
+                <a:latin typeface="Consolas" panose="020B0609020204030204" pitchFamily="49" charset="0"/>
+              </a:rPr>
+              <a:t>rhat</a:t>
+            </a:r>
+            <a:r>
+              <a:rPr lang="en-GB" sz="1600" dirty="0">
+                <a:solidFill>
+                  <a:schemeClr val="accent6">
+                    <a:lumMod val="75000"/>
+                  </a:schemeClr>
+                </a:solidFill>
+                <a:latin typeface="Consolas" panose="020B0609020204030204" pitchFamily="49" charset="0"/>
+              </a:rPr>
+              <a:t> </a:t>
+            </a:r>
+            <a:r>
+              <a:rPr lang="en-GB" sz="1600" dirty="0" err="1">
+                <a:solidFill>
+                  <a:schemeClr val="accent6">
+                    <a:lumMod val="75000"/>
+                  </a:schemeClr>
+                </a:solidFill>
+                <a:latin typeface="Consolas" panose="020B0609020204030204" pitchFamily="49" charset="0"/>
+              </a:rPr>
+              <a:t>ess_bulk</a:t>
+            </a:r>
+            <a:r>
+              <a:rPr lang="en-GB" sz="1600" dirty="0">
+                <a:solidFill>
+                  <a:schemeClr val="accent6">
+                    <a:lumMod val="75000"/>
+                  </a:schemeClr>
+                </a:solidFill>
+                <a:latin typeface="Consolas" panose="020B0609020204030204" pitchFamily="49" charset="0"/>
+              </a:rPr>
+              <a:t> </a:t>
+            </a:r>
+            <a:r>
+              <a:rPr lang="en-GB" sz="1600" dirty="0" err="1">
+                <a:solidFill>
+                  <a:schemeClr val="accent6">
+                    <a:lumMod val="75000"/>
+                  </a:schemeClr>
+                </a:solidFill>
+                <a:latin typeface="Consolas" panose="020B0609020204030204" pitchFamily="49" charset="0"/>
+              </a:rPr>
+              <a:t>ess_tail</a:t>
+            </a:r>
+            <a:endParaRPr lang="en-GB" sz="1600" dirty="0">
+              <a:solidFill>
+                <a:schemeClr val="accent6">
+                  <a:lumMod val="75000"/>
+                </a:schemeClr>
+              </a:solidFill>
               <a:latin typeface="Consolas" panose="020B0609020204030204" pitchFamily="49" charset="0"/>
             </a:endParaRPr>
+          </a:p>
+          <a:p>
+            <a:r>
+              <a:rPr lang="en-GB" sz="1600" b="1" dirty="0">
+                <a:solidFill>
+                  <a:schemeClr val="accent6">
+                    <a:lumMod val="75000"/>
+                  </a:schemeClr>
+                </a:solidFill>
+                <a:latin typeface="Consolas" panose="020B0609020204030204" pitchFamily="49" charset="0"/>
+              </a:rPr>
+              <a:t>## 1 (Intercept) 1.13 </a:t>
+            </a:r>
+            <a:r>
+              <a:rPr lang="en-GB" sz="1600" dirty="0">
+                <a:solidFill>
+                  <a:schemeClr val="accent6">
+                    <a:lumMod val="75000"/>
+                  </a:schemeClr>
+                </a:solidFill>
+                <a:latin typeface="Consolas" panose="020B0609020204030204" pitchFamily="49" charset="0"/>
+              </a:rPr>
+              <a:t>  0.05 1.04 1.12 1.21 1.01   372.52   727.74</a:t>
+            </a:r>
+          </a:p>
+          <a:p>
+            <a:r>
+              <a:rPr lang="en-GB" sz="1600" dirty="0">
+                <a:solidFill>
+                  <a:schemeClr val="accent6">
+                    <a:lumMod val="75000"/>
+                  </a:schemeClr>
+                </a:solidFill>
+                <a:latin typeface="Consolas" panose="020B0609020204030204" pitchFamily="49" charset="0"/>
+              </a:rPr>
+              <a:t>## </a:t>
+            </a:r>
+          </a:p>
+          <a:p>
+            <a:r>
+              <a:rPr lang="en-GB" sz="1600" dirty="0">
+                <a:solidFill>
+                  <a:schemeClr val="accent6">
+                    <a:lumMod val="75000"/>
+                  </a:schemeClr>
+                </a:solidFill>
+                <a:latin typeface="Consolas" panose="020B0609020204030204" pitchFamily="49" charset="0"/>
+              </a:rPr>
+              <a:t>## Estimates 'length' - difference from intercept:</a:t>
+            </a:r>
+          </a:p>
+          <a:p>
+            <a:r>
+              <a:rPr lang="en-GB" sz="1600" b="1" dirty="0">
+                <a:solidFill>
+                  <a:schemeClr val="accent6">
+                    <a:lumMod val="75000"/>
+                  </a:schemeClr>
+                </a:solidFill>
+                <a:latin typeface="Consolas" panose="020B0609020204030204" pitchFamily="49" charset="0"/>
+              </a:rPr>
+              <a:t>##   Variable  Mean </a:t>
+            </a:r>
+            <a:r>
+              <a:rPr lang="en-GB" sz="1600" dirty="0">
+                <a:solidFill>
+                  <a:schemeClr val="accent6">
+                    <a:lumMod val="75000"/>
+                  </a:schemeClr>
+                </a:solidFill>
+                <a:latin typeface="Consolas" panose="020B0609020204030204" pitchFamily="49" charset="0"/>
+              </a:rPr>
+              <a:t>MAD_SD    5%   50%   95% </a:t>
+            </a:r>
+          </a:p>
+          <a:p>
+            <a:r>
+              <a:rPr lang="en-GB" sz="1600" b="1" dirty="0">
+                <a:solidFill>
+                  <a:schemeClr val="accent6">
+                    <a:lumMod val="75000"/>
+                  </a:schemeClr>
+                </a:solidFill>
+                <a:latin typeface="Consolas" panose="020B0609020204030204" pitchFamily="49" charset="0"/>
+              </a:rPr>
+              <a:t>## 1 length 4 -0.03 </a:t>
+            </a:r>
+            <a:r>
+              <a:rPr lang="en-GB" sz="1600" dirty="0">
+                <a:solidFill>
+                  <a:schemeClr val="accent6">
+                    <a:lumMod val="75000"/>
+                  </a:schemeClr>
+                </a:solidFill>
+                <a:latin typeface="Consolas" panose="020B0609020204030204" pitchFamily="49" charset="0"/>
+              </a:rPr>
+              <a:t>  0.01 -0.05 -0.03 -0.01 </a:t>
+            </a:r>
+          </a:p>
+          <a:p>
+            <a:r>
+              <a:rPr lang="en-GB" sz="1600" b="1" dirty="0">
+                <a:solidFill>
+                  <a:schemeClr val="accent6">
+                    <a:lumMod val="75000"/>
+                  </a:schemeClr>
+                </a:solidFill>
+                <a:latin typeface="Consolas" panose="020B0609020204030204" pitchFamily="49" charset="0"/>
+              </a:rPr>
+              <a:t>## 2 length 5  0.00 </a:t>
+            </a:r>
+            <a:r>
+              <a:rPr lang="en-GB" sz="1600" dirty="0">
+                <a:solidFill>
+                  <a:schemeClr val="accent6">
+                    <a:lumMod val="75000"/>
+                  </a:schemeClr>
+                </a:solidFill>
+                <a:latin typeface="Consolas" panose="020B0609020204030204" pitchFamily="49" charset="0"/>
+              </a:rPr>
+              <a:t>  0.01 -0.01  0.00  0.02 </a:t>
+            </a:r>
+          </a:p>
+          <a:p>
+            <a:r>
+              <a:rPr lang="en-GB" sz="1600" b="1" dirty="0">
+                <a:solidFill>
+                  <a:schemeClr val="accent6">
+                    <a:lumMod val="75000"/>
+                  </a:schemeClr>
+                </a:solidFill>
+                <a:latin typeface="Consolas" panose="020B0609020204030204" pitchFamily="49" charset="0"/>
+              </a:rPr>
+              <a:t>## 3 length 6  0.03 </a:t>
+            </a:r>
+            <a:r>
+              <a:rPr lang="en-GB" sz="1600" dirty="0">
+                <a:solidFill>
+                  <a:schemeClr val="accent6">
+                    <a:lumMod val="75000"/>
+                  </a:schemeClr>
+                </a:solidFill>
+                <a:latin typeface="Consolas" panose="020B0609020204030204" pitchFamily="49" charset="0"/>
+              </a:rPr>
+              <a:t>  0.01  0.01  0.03  0.05 </a:t>
+            </a:r>
+          </a:p>
+          <a:p>
+            <a:r>
+              <a:rPr lang="en-GB" sz="1600" dirty="0">
+                <a:solidFill>
+                  <a:schemeClr val="accent6">
+                    <a:lumMod val="75000"/>
+                  </a:schemeClr>
+                </a:solidFill>
+                <a:latin typeface="Consolas" panose="020B0609020204030204" pitchFamily="49" charset="0"/>
+              </a:rPr>
+              <a:t>## </a:t>
+            </a:r>
+          </a:p>
+          <a:p>
+            <a:r>
+              <a:rPr lang="en-GB" sz="1600" dirty="0">
+                <a:solidFill>
+                  <a:schemeClr val="accent6">
+                    <a:lumMod val="75000"/>
+                  </a:schemeClr>
+                </a:solidFill>
+                <a:latin typeface="Consolas" panose="020B0609020204030204" pitchFamily="49" charset="0"/>
+              </a:rPr>
+              <a:t>## Estimates 'stimulus' - difference from intercept:</a:t>
+            </a:r>
+          </a:p>
+          <a:p>
+            <a:r>
+              <a:rPr lang="en-GB" sz="1600" b="1" dirty="0">
+                <a:solidFill>
+                  <a:schemeClr val="accent6">
+                    <a:lumMod val="75000"/>
+                  </a:schemeClr>
+                </a:solidFill>
+                <a:latin typeface="Consolas" panose="020B0609020204030204" pitchFamily="49" charset="0"/>
+              </a:rPr>
+              <a:t>##           Variable  Mean </a:t>
+            </a:r>
+            <a:r>
+              <a:rPr lang="en-GB" sz="1600" dirty="0">
+                <a:solidFill>
+                  <a:schemeClr val="accent6">
+                    <a:lumMod val="75000"/>
+                  </a:schemeClr>
+                </a:solidFill>
+                <a:latin typeface="Consolas" panose="020B0609020204030204" pitchFamily="49" charset="0"/>
+              </a:rPr>
+              <a:t>MAD_SD    5%   50%   95% </a:t>
+            </a:r>
+          </a:p>
+          <a:p>
+            <a:r>
+              <a:rPr lang="en-GB" sz="1600" b="1" dirty="0">
+                <a:solidFill>
+                  <a:schemeClr val="accent6">
+                    <a:lumMod val="75000"/>
+                  </a:schemeClr>
+                </a:solidFill>
+                <a:latin typeface="Consolas" panose="020B0609020204030204" pitchFamily="49" charset="0"/>
+              </a:rPr>
+              <a:t>## 1    stimulus word -0.03 </a:t>
+            </a:r>
+            <a:r>
+              <a:rPr lang="en-GB" sz="1600" dirty="0">
+                <a:solidFill>
+                  <a:schemeClr val="accent6">
+                    <a:lumMod val="75000"/>
+                  </a:schemeClr>
+                </a:solidFill>
+                <a:latin typeface="Consolas" panose="020B0609020204030204" pitchFamily="49" charset="0"/>
+              </a:rPr>
+              <a:t>  0.01 -0.05 -0.03 -0.01 </a:t>
+            </a:r>
+          </a:p>
+          <a:p>
+            <a:r>
+              <a:rPr lang="en-GB" sz="1600" b="1" dirty="0">
+                <a:solidFill>
+                  <a:schemeClr val="accent6">
+                    <a:lumMod val="75000"/>
+                  </a:schemeClr>
+                </a:solidFill>
+                <a:latin typeface="Consolas" panose="020B0609020204030204" pitchFamily="49" charset="0"/>
+              </a:rPr>
+              <a:t>## 2 stimulus nonword  0.03 </a:t>
+            </a:r>
+            <a:r>
+              <a:rPr lang="en-GB" sz="1600" dirty="0">
+                <a:solidFill>
+                  <a:schemeClr val="accent6">
+                    <a:lumMod val="75000"/>
+                  </a:schemeClr>
+                </a:solidFill>
+                <a:latin typeface="Consolas" panose="020B0609020204030204" pitchFamily="49" charset="0"/>
+              </a:rPr>
+              <a:t>  0.01  0.01  0.03  0.05 </a:t>
+            </a:r>
+          </a:p>
+          <a:p>
+            <a:r>
+              <a:rPr lang="en-GB" sz="1600" dirty="0">
+                <a:solidFill>
+                  <a:schemeClr val="accent6">
+                    <a:lumMod val="75000"/>
+                  </a:schemeClr>
+                </a:solidFill>
+                <a:latin typeface="Consolas" panose="020B0609020204030204" pitchFamily="49" charset="0"/>
+              </a:rPr>
+              <a:t>## </a:t>
+            </a:r>
+          </a:p>
+          <a:p>
+            <a:r>
+              <a:rPr lang="en-GB" sz="1600" dirty="0">
+                <a:solidFill>
+                  <a:schemeClr val="accent6">
+                    <a:lumMod val="75000"/>
+                  </a:schemeClr>
+                </a:solidFill>
+                <a:latin typeface="Consolas" panose="020B0609020204030204" pitchFamily="49" charset="0"/>
+              </a:rPr>
+              <a:t>## Estimates '</a:t>
+            </a:r>
+            <a:r>
+              <a:rPr lang="en-GB" sz="1600" dirty="0" err="1">
+                <a:solidFill>
+                  <a:schemeClr val="accent6">
+                    <a:lumMod val="75000"/>
+                  </a:schemeClr>
+                </a:solidFill>
+                <a:latin typeface="Consolas" panose="020B0609020204030204" pitchFamily="49" charset="0"/>
+              </a:rPr>
+              <a:t>length:stimulus</a:t>
+            </a:r>
+            <a:r>
+              <a:rPr lang="en-GB" sz="1600" dirty="0">
+                <a:solidFill>
+                  <a:schemeClr val="accent6">
+                    <a:lumMod val="75000"/>
+                  </a:schemeClr>
+                </a:solidFill>
+                <a:latin typeface="Consolas" panose="020B0609020204030204" pitchFamily="49" charset="0"/>
+              </a:rPr>
+              <a:t>' - difference from intercept:</a:t>
+            </a:r>
+          </a:p>
+          <a:p>
+            <a:r>
+              <a:rPr lang="en-GB" sz="1600" b="1" dirty="0">
+                <a:solidFill>
+                  <a:schemeClr val="accent6">
+                    <a:lumMod val="75000"/>
+                  </a:schemeClr>
+                </a:solidFill>
+                <a:latin typeface="Consolas" panose="020B0609020204030204" pitchFamily="49" charset="0"/>
+              </a:rPr>
+              <a:t>##                     Variable  Mean </a:t>
+            </a:r>
+            <a:r>
+              <a:rPr lang="en-GB" sz="1600" dirty="0">
+                <a:solidFill>
+                  <a:schemeClr val="accent6">
+                    <a:lumMod val="75000"/>
+                  </a:schemeClr>
+                </a:solidFill>
+                <a:latin typeface="Consolas" panose="020B0609020204030204" pitchFamily="49" charset="0"/>
+              </a:rPr>
+              <a:t>MAD_SD    5%   50%   95% </a:t>
+            </a:r>
+          </a:p>
+          <a:p>
+            <a:r>
+              <a:rPr lang="en-GB" sz="1600" b="1" dirty="0">
+                <a:solidFill>
+                  <a:schemeClr val="accent6">
+                    <a:lumMod val="75000"/>
+                  </a:schemeClr>
+                </a:solidFill>
+                <a:latin typeface="Consolas" panose="020B0609020204030204" pitchFamily="49" charset="0"/>
+              </a:rPr>
+              <a:t>## 1    length 4, stimulus word -0.05 </a:t>
+            </a:r>
+            <a:r>
+              <a:rPr lang="en-GB" sz="1600" dirty="0">
+                <a:solidFill>
+                  <a:schemeClr val="accent6">
+                    <a:lumMod val="75000"/>
+                  </a:schemeClr>
+                </a:solidFill>
+                <a:latin typeface="Consolas" panose="020B0609020204030204" pitchFamily="49" charset="0"/>
+              </a:rPr>
+              <a:t>  0.02 -0.08 -0.05 -0.02 </a:t>
+            </a:r>
+          </a:p>
+          <a:p>
+            <a:r>
+              <a:rPr lang="en-GB" sz="1600" b="1" dirty="0">
+                <a:solidFill>
+                  <a:schemeClr val="accent6">
+                    <a:lumMod val="75000"/>
+                  </a:schemeClr>
+                </a:solidFill>
+                <a:latin typeface="Consolas" panose="020B0609020204030204" pitchFamily="49" charset="0"/>
+              </a:rPr>
+              <a:t>## 2    length 5, stimulus word -0.03 </a:t>
+            </a:r>
+            <a:r>
+              <a:rPr lang="en-GB" sz="1600" dirty="0">
+                <a:solidFill>
+                  <a:schemeClr val="accent6">
+                    <a:lumMod val="75000"/>
+                  </a:schemeClr>
+                </a:solidFill>
+                <a:latin typeface="Consolas" panose="020B0609020204030204" pitchFamily="49" charset="0"/>
+              </a:rPr>
+              <a:t>  0.02 -0.07 -0.03  0.00 </a:t>
+            </a:r>
+          </a:p>
+          <a:p>
+            <a:r>
+              <a:rPr lang="en-GB" sz="1600" b="1" dirty="0">
+                <a:solidFill>
+                  <a:schemeClr val="accent6">
+                    <a:lumMod val="75000"/>
+                  </a:schemeClr>
+                </a:solidFill>
+                <a:latin typeface="Consolas" panose="020B0609020204030204" pitchFamily="49" charset="0"/>
+              </a:rPr>
+              <a:t>## 3    length 6, stimulus word -0.01 </a:t>
+            </a:r>
+            <a:r>
+              <a:rPr lang="en-GB" sz="1600" dirty="0">
+                <a:solidFill>
+                  <a:schemeClr val="accent6">
+                    <a:lumMod val="75000"/>
+                  </a:schemeClr>
+                </a:solidFill>
+                <a:latin typeface="Consolas" panose="020B0609020204030204" pitchFamily="49" charset="0"/>
+              </a:rPr>
+              <a:t>  0.02 -0.05 -0.01  0.02 </a:t>
+            </a:r>
+          </a:p>
+          <a:p>
+            <a:r>
+              <a:rPr lang="en-GB" sz="1600" b="1" dirty="0">
+                <a:solidFill>
+                  <a:schemeClr val="accent6">
+                    <a:lumMod val="75000"/>
+                  </a:schemeClr>
+                </a:solidFill>
+                <a:latin typeface="Consolas" panose="020B0609020204030204" pitchFamily="49" charset="0"/>
+              </a:rPr>
+              <a:t>## 4 length 4, stimulus nonword -0.02 </a:t>
+            </a:r>
+            <a:r>
+              <a:rPr lang="en-GB" sz="1600" dirty="0">
+                <a:solidFill>
+                  <a:schemeClr val="accent6">
+                    <a:lumMod val="75000"/>
+                  </a:schemeClr>
+                </a:solidFill>
+                <a:latin typeface="Consolas" panose="020B0609020204030204" pitchFamily="49" charset="0"/>
+              </a:rPr>
+              <a:t>  0.02 -0.05 -0.02  0.02 </a:t>
+            </a:r>
+          </a:p>
+          <a:p>
+            <a:r>
+              <a:rPr lang="en-GB" sz="1600" b="1" dirty="0">
+                <a:solidFill>
+                  <a:schemeClr val="accent6">
+                    <a:lumMod val="75000"/>
+                  </a:schemeClr>
+                </a:solidFill>
+                <a:latin typeface="Consolas" panose="020B0609020204030204" pitchFamily="49" charset="0"/>
+              </a:rPr>
+              <a:t>## 5 length 5, stimulus nonword  0.04 </a:t>
+            </a:r>
+            <a:r>
+              <a:rPr lang="en-GB" sz="1600" dirty="0">
+                <a:solidFill>
+                  <a:schemeClr val="accent6">
+                    <a:lumMod val="75000"/>
+                  </a:schemeClr>
+                </a:solidFill>
+                <a:latin typeface="Consolas" panose="020B0609020204030204" pitchFamily="49" charset="0"/>
+              </a:rPr>
+              <a:t>  0.02  0.00  0.04  0.07 </a:t>
+            </a:r>
+          </a:p>
+          <a:p>
+            <a:r>
+              <a:rPr lang="en-GB" sz="1600" b="1" dirty="0">
+                <a:solidFill>
+                  <a:schemeClr val="accent6">
+                    <a:lumMod val="75000"/>
+                  </a:schemeClr>
+                </a:solidFill>
+                <a:latin typeface="Consolas" panose="020B0609020204030204" pitchFamily="49" charset="0"/>
+              </a:rPr>
+              <a:t>## 6 length 6, stimulus nonword  0.07 </a:t>
+            </a:r>
+            <a:r>
+              <a:rPr lang="en-GB" sz="1600" dirty="0">
+                <a:solidFill>
+                  <a:schemeClr val="accent6">
+                    <a:lumMod val="75000"/>
+                  </a:schemeClr>
+                </a:solidFill>
+                <a:latin typeface="Consolas" panose="020B0609020204030204" pitchFamily="49" charset="0"/>
+              </a:rPr>
+              <a:t>  0.02  0.03  0.07  0.11 </a:t>
+            </a:r>
           </a:p>
         </p:txBody>
       </p:sp>
@@ -8860,460 +14778,6 @@
     <p:extLst>
       <p:ext uri="{BB962C8B-B14F-4D97-AF65-F5344CB8AC3E}">
         <p14:creationId xmlns:p14="http://schemas.microsoft.com/office/powerpoint/2010/main" val="3112817711"/>
-      </p:ext>
-    </p:extLst>
-  </p:cSld>
-  <p:clrMapOvr>
-    <a:masterClrMapping/>
-  </p:clrMapOvr>
-</p:sld>
-</file>
-
-<file path=ppt/slides/slide9.xml><?xml version="1.0" encoding="utf-8"?>
-<p:sld xmlns:a="http://schemas.openxmlformats.org/drawingml/2006/main" xmlns:r="http://schemas.openxmlformats.org/officeDocument/2006/relationships" xmlns:p="http://schemas.openxmlformats.org/presentationml/2006/main">
-  <p:cSld>
-    <p:spTree>
-      <p:nvGrpSpPr>
-        <p:cNvPr id="1" name=""/>
-        <p:cNvGrpSpPr/>
-        <p:nvPr/>
-      </p:nvGrpSpPr>
-      <p:grpSpPr>
-        <a:xfrm>
-          <a:off x="0" y="0"/>
-          <a:ext cx="0" cy="0"/>
-          <a:chOff x="0" y="0"/>
-          <a:chExt cx="0" cy="0"/>
-        </a:xfrm>
-      </p:grpSpPr>
-      <p:sp>
-        <p:nvSpPr>
-          <p:cNvPr id="2" name="Title 1">
-            <a:extLst>
-              <a:ext uri="{FF2B5EF4-FFF2-40B4-BE49-F238E27FC236}">
-                <a16:creationId xmlns:a16="http://schemas.microsoft.com/office/drawing/2014/main" id="{7AF21C41-5414-4FAF-BC36-BE5BBC5984E5}"/>
-              </a:ext>
-            </a:extLst>
-          </p:cNvPr>
-          <p:cNvSpPr>
-            <a:spLocks noGrp="1"/>
-          </p:cNvSpPr>
-          <p:nvPr>
-            <p:ph type="title"/>
-          </p:nvPr>
-        </p:nvSpPr>
-        <p:spPr/>
-        <p:txBody>
-          <a:bodyPr/>
-          <a:lstStyle/>
-          <a:p>
-            <a:r>
-              <a:rPr lang="en-GB" dirty="0"/>
-              <a:t>Installation</a:t>
-            </a:r>
-          </a:p>
-        </p:txBody>
-      </p:sp>
-      <p:sp>
-        <p:nvSpPr>
-          <p:cNvPr id="3" name="Content Placeholder 2">
-            <a:extLst>
-              <a:ext uri="{FF2B5EF4-FFF2-40B4-BE49-F238E27FC236}">
-                <a16:creationId xmlns:a16="http://schemas.microsoft.com/office/drawing/2014/main" id="{013D20CF-1E7A-47E5-B747-63D8CCFA8F2A}"/>
-              </a:ext>
-            </a:extLst>
-          </p:cNvPr>
-          <p:cNvSpPr>
-            <a:spLocks noGrp="1"/>
-          </p:cNvSpPr>
-          <p:nvPr>
-            <p:ph idx="1"/>
-          </p:nvPr>
-        </p:nvSpPr>
-        <p:spPr/>
-        <p:txBody>
-          <a:bodyPr/>
-          <a:lstStyle/>
-          <a:p>
-            <a:r>
-              <a:rPr lang="en-GB" dirty="0"/>
-              <a:t>Not yet on CRAN, only GitHub:</a:t>
-            </a:r>
-          </a:p>
-          <a:p>
-            <a:endParaRPr lang="en-GB" dirty="0"/>
-          </a:p>
-          <a:p>
-            <a:endParaRPr lang="en-GB" dirty="0"/>
-          </a:p>
-          <a:p>
-            <a:r>
-              <a:rPr lang="en-GB" dirty="0"/>
-              <a:t>Currently, </a:t>
-            </a:r>
-            <a:r>
-              <a:rPr lang="en-GB" dirty="0" err="1">
-                <a:latin typeface="Consolas" panose="020B0609020204030204" pitchFamily="49" charset="0"/>
-              </a:rPr>
-              <a:t>stanova</a:t>
-            </a:r>
-            <a:r>
-              <a:rPr lang="en-GB" dirty="0"/>
-              <a:t> only works with </a:t>
-            </a:r>
-            <a:r>
-              <a:rPr lang="en-GB" dirty="0" err="1">
-                <a:latin typeface="Consolas" panose="020B0609020204030204" pitchFamily="49" charset="0"/>
-              </a:rPr>
-              <a:t>emmeans</a:t>
-            </a:r>
-            <a:r>
-              <a:rPr lang="en-GB" dirty="0"/>
-              <a:t> version </a:t>
-            </a:r>
-            <a:r>
-              <a:rPr lang="en-GB" dirty="0">
-                <a:latin typeface="Consolas" panose="020B0609020204030204" pitchFamily="49" charset="0"/>
-              </a:rPr>
-              <a:t>1.4.7</a:t>
-            </a:r>
-            <a:r>
-              <a:rPr lang="en-GB" dirty="0"/>
-              <a:t> or older.</a:t>
-            </a:r>
-          </a:p>
-          <a:p>
-            <a:endParaRPr lang="en-GB" dirty="0"/>
-          </a:p>
-          <a:p>
-            <a:endParaRPr lang="en-GB" dirty="0"/>
-          </a:p>
-          <a:p>
-            <a:r>
-              <a:rPr lang="en-GB" dirty="0"/>
-              <a:t>After installation attach once per </a:t>
-            </a:r>
-            <a:r>
-              <a:rPr lang="en-GB" dirty="0">
-                <a:latin typeface="Consolas" panose="020B0609020204030204" pitchFamily="49" charset="0"/>
-              </a:rPr>
-              <a:t>R</a:t>
-            </a:r>
-            <a:r>
-              <a:rPr lang="en-GB" dirty="0"/>
-              <a:t> session:</a:t>
-            </a:r>
-          </a:p>
-          <a:p>
-            <a:endParaRPr lang="en-GB" dirty="0"/>
-          </a:p>
-        </p:txBody>
-      </p:sp>
-      <p:sp>
-        <p:nvSpPr>
-          <p:cNvPr id="5" name="TextBox 4">
-            <a:extLst>
-              <a:ext uri="{FF2B5EF4-FFF2-40B4-BE49-F238E27FC236}">
-                <a16:creationId xmlns:a16="http://schemas.microsoft.com/office/drawing/2014/main" id="{1FC0B0C8-2733-4015-A003-E06F54E13B7A}"/>
-              </a:ext>
-            </a:extLst>
-          </p:cNvPr>
-          <p:cNvSpPr txBox="1"/>
-          <p:nvPr/>
-        </p:nvSpPr>
-        <p:spPr>
-          <a:xfrm>
-            <a:off x="611397" y="2353891"/>
-            <a:ext cx="7886700" cy="707886"/>
-          </a:xfrm>
-          <a:prstGeom prst="rect">
-            <a:avLst/>
-          </a:prstGeom>
-          <a:solidFill>
-            <a:schemeClr val="bg1">
-              <a:lumMod val="95000"/>
-            </a:schemeClr>
-          </a:solidFill>
-          <a:ln>
-            <a:solidFill>
-              <a:schemeClr val="bg1">
-                <a:lumMod val="85000"/>
-              </a:schemeClr>
-            </a:solidFill>
-          </a:ln>
-        </p:spPr>
-        <p:txBody>
-          <a:bodyPr wrap="square">
-            <a:spAutoFit/>
-          </a:bodyPr>
-          <a:lstStyle/>
-          <a:p>
-            <a:r>
-              <a:rPr lang="en-GB" sz="2000" dirty="0" err="1">
-                <a:latin typeface="Consolas" panose="020B0609020204030204" pitchFamily="49" charset="0"/>
-              </a:rPr>
-              <a:t>install.packages</a:t>
-            </a:r>
-            <a:r>
-              <a:rPr lang="en-GB" sz="2000" dirty="0">
-                <a:latin typeface="Consolas" panose="020B0609020204030204" pitchFamily="49" charset="0"/>
-              </a:rPr>
-              <a:t>("</a:t>
-            </a:r>
-            <a:r>
-              <a:rPr lang="en-GB" sz="2000" dirty="0" err="1">
-                <a:latin typeface="Consolas" panose="020B0609020204030204" pitchFamily="49" charset="0"/>
-              </a:rPr>
-              <a:t>devtools</a:t>
-            </a:r>
-            <a:r>
-              <a:rPr lang="en-GB" sz="2000" dirty="0">
-                <a:latin typeface="Consolas" panose="020B0609020204030204" pitchFamily="49" charset="0"/>
-              </a:rPr>
-              <a:t>")</a:t>
-            </a:r>
-          </a:p>
-          <a:p>
-            <a:r>
-              <a:rPr lang="en-GB" sz="2000" dirty="0" err="1">
-                <a:latin typeface="Consolas" panose="020B0609020204030204" pitchFamily="49" charset="0"/>
-              </a:rPr>
-              <a:t>devtools</a:t>
-            </a:r>
-            <a:r>
-              <a:rPr lang="en-GB" sz="2000" dirty="0">
-                <a:latin typeface="Consolas" panose="020B0609020204030204" pitchFamily="49" charset="0"/>
-              </a:rPr>
-              <a:t>::</a:t>
-            </a:r>
-            <a:r>
-              <a:rPr lang="en-GB" sz="2000" dirty="0" err="1">
-                <a:latin typeface="Consolas" panose="020B0609020204030204" pitchFamily="49" charset="0"/>
-              </a:rPr>
-              <a:t>install_github</a:t>
-            </a:r>
-            <a:r>
-              <a:rPr lang="en-GB" sz="2000" dirty="0">
-                <a:latin typeface="Consolas" panose="020B0609020204030204" pitchFamily="49" charset="0"/>
-              </a:rPr>
-              <a:t>("</a:t>
-            </a:r>
-            <a:r>
-              <a:rPr lang="en-GB" sz="2000" dirty="0" err="1">
-                <a:latin typeface="Consolas" panose="020B0609020204030204" pitchFamily="49" charset="0"/>
-              </a:rPr>
-              <a:t>bayesstuff</a:t>
-            </a:r>
-            <a:r>
-              <a:rPr lang="en-GB" sz="2000" dirty="0">
-                <a:latin typeface="Consolas" panose="020B0609020204030204" pitchFamily="49" charset="0"/>
-              </a:rPr>
-              <a:t>/</a:t>
-            </a:r>
-            <a:r>
-              <a:rPr lang="en-GB" sz="2000" dirty="0" err="1">
-                <a:latin typeface="Consolas" panose="020B0609020204030204" pitchFamily="49" charset="0"/>
-              </a:rPr>
-              <a:t>stanova</a:t>
-            </a:r>
-            <a:r>
-              <a:rPr lang="en-GB" sz="2000" dirty="0">
-                <a:latin typeface="Consolas" panose="020B0609020204030204" pitchFamily="49" charset="0"/>
-              </a:rPr>
-              <a:t>")</a:t>
-            </a:r>
-          </a:p>
-        </p:txBody>
-      </p:sp>
-      <p:sp>
-        <p:nvSpPr>
-          <p:cNvPr id="8" name="TextBox 7">
-            <a:extLst>
-              <a:ext uri="{FF2B5EF4-FFF2-40B4-BE49-F238E27FC236}">
-                <a16:creationId xmlns:a16="http://schemas.microsoft.com/office/drawing/2014/main" id="{AF9F5CA1-B26E-4378-9EE6-2BC958BDC8C9}"/>
-              </a:ext>
-            </a:extLst>
-          </p:cNvPr>
-          <p:cNvSpPr txBox="1"/>
-          <p:nvPr/>
-        </p:nvSpPr>
-        <p:spPr>
-          <a:xfrm>
-            <a:off x="628650" y="4339178"/>
-            <a:ext cx="7886700" cy="707886"/>
-          </a:xfrm>
-          <a:prstGeom prst="rect">
-            <a:avLst/>
-          </a:prstGeom>
-          <a:solidFill>
-            <a:schemeClr val="bg1">
-              <a:lumMod val="95000"/>
-            </a:schemeClr>
-          </a:solidFill>
-          <a:ln>
-            <a:solidFill>
-              <a:schemeClr val="bg1">
-                <a:lumMod val="85000"/>
-              </a:schemeClr>
-            </a:solidFill>
-          </a:ln>
-        </p:spPr>
-        <p:txBody>
-          <a:bodyPr wrap="square">
-            <a:spAutoFit/>
-          </a:bodyPr>
-          <a:lstStyle/>
-          <a:p>
-            <a:r>
-              <a:rPr lang="en-GB" sz="2000" dirty="0" err="1">
-                <a:latin typeface="Consolas" panose="020B0609020204030204" pitchFamily="49" charset="0"/>
-              </a:rPr>
-              <a:t>devtools</a:t>
-            </a:r>
-            <a:r>
-              <a:rPr lang="en-GB" sz="2000" dirty="0">
-                <a:latin typeface="Consolas" panose="020B0609020204030204" pitchFamily="49" charset="0"/>
-              </a:rPr>
-              <a:t>::</a:t>
-            </a:r>
-            <a:r>
-              <a:rPr lang="en-GB" sz="2000" dirty="0" err="1">
-                <a:latin typeface="Consolas" panose="020B0609020204030204" pitchFamily="49" charset="0"/>
-              </a:rPr>
-              <a:t>install_version</a:t>
-            </a:r>
-            <a:r>
-              <a:rPr lang="en-GB" sz="2000" dirty="0">
-                <a:latin typeface="Consolas" panose="020B0609020204030204" pitchFamily="49" charset="0"/>
-              </a:rPr>
-              <a:t>("</a:t>
-            </a:r>
-            <a:r>
-              <a:rPr lang="en-GB" sz="2000" dirty="0" err="1">
-                <a:latin typeface="Consolas" panose="020B0609020204030204" pitchFamily="49" charset="0"/>
-              </a:rPr>
-              <a:t>emmeans</a:t>
-            </a:r>
-            <a:r>
-              <a:rPr lang="en-GB" sz="2000" dirty="0">
-                <a:latin typeface="Consolas" panose="020B0609020204030204" pitchFamily="49" charset="0"/>
-              </a:rPr>
-              <a:t>", version = "1.4.7", </a:t>
-            </a:r>
-          </a:p>
-          <a:p>
-            <a:r>
-              <a:rPr lang="en-GB" sz="2000" dirty="0">
-                <a:latin typeface="Consolas" panose="020B0609020204030204" pitchFamily="49" charset="0"/>
-              </a:rPr>
-              <a:t>								upgrade = "never")</a:t>
-            </a:r>
-          </a:p>
-        </p:txBody>
-      </p:sp>
-      <p:sp>
-        <p:nvSpPr>
-          <p:cNvPr id="9" name="TextBox 8">
-            <a:extLst>
-              <a:ext uri="{FF2B5EF4-FFF2-40B4-BE49-F238E27FC236}">
-                <a16:creationId xmlns:a16="http://schemas.microsoft.com/office/drawing/2014/main" id="{6A2BD8A6-C713-4E40-968B-7261A20798E3}"/>
-              </a:ext>
-            </a:extLst>
-          </p:cNvPr>
-          <p:cNvSpPr txBox="1"/>
-          <p:nvPr/>
-        </p:nvSpPr>
-        <p:spPr>
-          <a:xfrm>
-            <a:off x="645903" y="5753834"/>
-            <a:ext cx="7886700" cy="400110"/>
-          </a:xfrm>
-          <a:prstGeom prst="rect">
-            <a:avLst/>
-          </a:prstGeom>
-          <a:solidFill>
-            <a:schemeClr val="bg1">
-              <a:lumMod val="95000"/>
-            </a:schemeClr>
-          </a:solidFill>
-          <a:ln>
-            <a:solidFill>
-              <a:schemeClr val="bg1">
-                <a:lumMod val="85000"/>
-              </a:schemeClr>
-            </a:solidFill>
-          </a:ln>
-        </p:spPr>
-        <p:txBody>
-          <a:bodyPr wrap="square">
-            <a:spAutoFit/>
-          </a:bodyPr>
-          <a:lstStyle/>
-          <a:p>
-            <a:r>
-              <a:rPr lang="en-GB" sz="2000" dirty="0">
-                <a:latin typeface="Consolas" panose="020B0609020204030204" pitchFamily="49" charset="0"/>
-              </a:rPr>
-              <a:t>library("</a:t>
-            </a:r>
-            <a:r>
-              <a:rPr lang="en-GB" sz="2000" dirty="0" err="1">
-                <a:latin typeface="Consolas" panose="020B0609020204030204" pitchFamily="49" charset="0"/>
-              </a:rPr>
-              <a:t>stanova</a:t>
-            </a:r>
-            <a:r>
-              <a:rPr lang="en-GB" sz="2000" dirty="0">
-                <a:latin typeface="Consolas" panose="020B0609020204030204" pitchFamily="49" charset="0"/>
-              </a:rPr>
-              <a:t>")</a:t>
-            </a:r>
-          </a:p>
-        </p:txBody>
-      </p:sp>
-      <p:pic>
-        <p:nvPicPr>
-          <p:cNvPr id="10" name="Graphic 9">
-            <a:extLst>
-              <a:ext uri="{FF2B5EF4-FFF2-40B4-BE49-F238E27FC236}">
-                <a16:creationId xmlns:a16="http://schemas.microsoft.com/office/drawing/2014/main" id="{0FFD7384-21E6-431D-A471-425D5BF89AE4}"/>
-              </a:ext>
-            </a:extLst>
-          </p:cNvPr>
-          <p:cNvPicPr>
-            <a:picLocks noChangeAspect="1"/>
-          </p:cNvPicPr>
-          <p:nvPr/>
-        </p:nvPicPr>
-        <p:blipFill>
-          <a:blip r:embed="rId2">
-            <a:extLst>
-              <a:ext uri="{28A0092B-C50C-407E-A947-70E740481C1C}">
-                <a14:useLocalDpi xmlns:a14="http://schemas.microsoft.com/office/drawing/2010/main" val="0"/>
-              </a:ext>
-              <a:ext uri="{96DAC541-7B7A-43D3-8B79-37D633B846F1}">
-                <asvg:svgBlip xmlns:asvg="http://schemas.microsoft.com/office/drawing/2016/SVG/main" r:embed="rId3"/>
-              </a:ext>
-            </a:extLst>
-          </a:blip>
-          <a:stretch>
-            <a:fillRect/>
-          </a:stretch>
-        </p:blipFill>
-        <p:spPr>
-          <a:xfrm>
-            <a:off x="7812297" y="764392"/>
-            <a:ext cx="685800" cy="531400"/>
-          </a:xfrm>
-          <a:prstGeom prst="rect">
-            <a:avLst/>
-          </a:prstGeom>
-        </p:spPr>
-      </p:pic>
-    </p:spTree>
-    <p:extLst>
-      <p:ext uri="{BB962C8B-B14F-4D97-AF65-F5344CB8AC3E}">
-        <p14:creationId xmlns:p14="http://schemas.microsoft.com/office/powerpoint/2010/main" val="701405396"/>
       </p:ext>
     </p:extLst>
   </p:cSld>
